--- a/UE19CS204_Clinic-Management_presentation.pptx
+++ b/UE19CS204_Clinic-Management_presentation.pptx
@@ -1,22 +1,22 @@
 
 <file path=ppt/presentation.xml><?xml version="1.0" encoding="utf-8"?>
-<p:presentation xmlns:a="http://schemas.openxmlformats.org/drawingml/2006/main" xmlns:r="http://schemas.openxmlformats.org/officeDocument/2006/relationships" xmlns:mc="http://schemas.openxmlformats.org/markup-compatibility/2006" xmlns:mv="urn:schemas-microsoft-com:mac:vml" xmlns:p="http://schemas.openxmlformats.org/presentationml/2006/main" xmlns:c="http://schemas.openxmlformats.org/drawingml/2006/chart" xmlns:dgm="http://schemas.openxmlformats.org/drawingml/2006/diagram" xmlns:o="urn:schemas-microsoft-com:office:office" xmlns:v="urn:schemas-microsoft-com:vml" xmlns:pvml="urn:schemas-microsoft-com:office:powerpoint" xmlns:com="http://schemas.openxmlformats.org/drawingml/2006/compatibility" xmlns:p14="http://schemas.microsoft.com/office/powerpoint/2010/main" xmlns:p15="http://schemas.microsoft.com/office/powerpoint/2012/main" xmlns:ahyp="http://schemas.microsoft.com/office/drawing/2018/hyperlinkcolor" autoCompressPictures="0" strictFirstAndLastChars="0" saveSubsetFonts="1">
+<p:presentation xmlns:a="http://schemas.openxmlformats.org/drawingml/2006/main" xmlns:r="http://schemas.openxmlformats.org/officeDocument/2006/relationships" xmlns:p="http://schemas.openxmlformats.org/presentationml/2006/main" strictFirstAndLastChars="0" saveSubsetFonts="1" autoCompressPictures="0">
   <p:sldMasterIdLst>
-    <p:sldMasterId id="2147483648" r:id="rId4"/>
+    <p:sldMasterId id="2147483648" r:id="rId1"/>
   </p:sldMasterIdLst>
   <p:notesMasterIdLst>
-    <p:notesMasterId r:id="rId5"/>
+    <p:notesMasterId r:id="rId6"/>
   </p:notesMasterIdLst>
   <p:sldIdLst>
-    <p:sldId id="256" r:id="rId6"/>
-    <p:sldId id="257" r:id="rId7"/>
-    <p:sldId id="258" r:id="rId8"/>
-    <p:sldId id="259" r:id="rId9"/>
+    <p:sldId id="256" r:id="rId2"/>
+    <p:sldId id="257" r:id="rId3"/>
+    <p:sldId id="258" r:id="rId4"/>
+    <p:sldId id="259" r:id="rId5"/>
   </p:sldIdLst>
-  <p:sldSz cy="6858000" cx="9144000"/>
+  <p:sldSz cx="9144000" cy="6858000" type="screen4x3"/>
   <p:notesSz cx="6858000" cy="9144000"/>
   <p:defaultTextStyle>
-    <a:defPPr lvl="0" marR="0" rtl="0" algn="l">
+    <a:defPPr marR="0" lvl="0" algn="l" rtl="0">
       <a:lnSpc>
         <a:spcPct val="100000"/>
       </a:lnSpc>
@@ -27,7 +27,7 @@
         <a:spcPts val="0"/>
       </a:spcAft>
     </a:defPPr>
-    <a:lvl1pPr lvl="0" marR="0" rtl="0" algn="l">
+    <a:lvl1pPr marR="0" lvl="0" algn="l" rtl="0">
       <a:lnSpc>
         <a:spcPct val="100000"/>
       </a:lnSpc>
@@ -41,7 +41,7 @@
         <a:srgbClr val="000000"/>
       </a:buClr>
       <a:buFont typeface="Arial"/>
-      <a:defRPr b="0" i="0" sz="1400" u="none" cap="none" strike="noStrike">
+      <a:defRPr sz="1400" b="0" i="0" u="none" strike="noStrike" cap="none">
         <a:solidFill>
           <a:srgbClr val="000000"/>
         </a:solidFill>
@@ -51,7 +51,7 @@
         <a:sym typeface="Arial"/>
       </a:defRPr>
     </a:lvl1pPr>
-    <a:lvl2pPr lvl="1" marR="0" rtl="0" algn="l">
+    <a:lvl2pPr marR="0" lvl="1" algn="l" rtl="0">
       <a:lnSpc>
         <a:spcPct val="100000"/>
       </a:lnSpc>
@@ -65,7 +65,7 @@
         <a:srgbClr val="000000"/>
       </a:buClr>
       <a:buFont typeface="Arial"/>
-      <a:defRPr b="0" i="0" sz="1400" u="none" cap="none" strike="noStrike">
+      <a:defRPr sz="1400" b="0" i="0" u="none" strike="noStrike" cap="none">
         <a:solidFill>
           <a:srgbClr val="000000"/>
         </a:solidFill>
@@ -75,7 +75,7 @@
         <a:sym typeface="Arial"/>
       </a:defRPr>
     </a:lvl2pPr>
-    <a:lvl3pPr lvl="2" marR="0" rtl="0" algn="l">
+    <a:lvl3pPr marR="0" lvl="2" algn="l" rtl="0">
       <a:lnSpc>
         <a:spcPct val="100000"/>
       </a:lnSpc>
@@ -89,7 +89,7 @@
         <a:srgbClr val="000000"/>
       </a:buClr>
       <a:buFont typeface="Arial"/>
-      <a:defRPr b="0" i="0" sz="1400" u="none" cap="none" strike="noStrike">
+      <a:defRPr sz="1400" b="0" i="0" u="none" strike="noStrike" cap="none">
         <a:solidFill>
           <a:srgbClr val="000000"/>
         </a:solidFill>
@@ -99,7 +99,7 @@
         <a:sym typeface="Arial"/>
       </a:defRPr>
     </a:lvl3pPr>
-    <a:lvl4pPr lvl="3" marR="0" rtl="0" algn="l">
+    <a:lvl4pPr marR="0" lvl="3" algn="l" rtl="0">
       <a:lnSpc>
         <a:spcPct val="100000"/>
       </a:lnSpc>
@@ -113,7 +113,7 @@
         <a:srgbClr val="000000"/>
       </a:buClr>
       <a:buFont typeface="Arial"/>
-      <a:defRPr b="0" i="0" sz="1400" u="none" cap="none" strike="noStrike">
+      <a:defRPr sz="1400" b="0" i="0" u="none" strike="noStrike" cap="none">
         <a:solidFill>
           <a:srgbClr val="000000"/>
         </a:solidFill>
@@ -123,7 +123,7 @@
         <a:sym typeface="Arial"/>
       </a:defRPr>
     </a:lvl4pPr>
-    <a:lvl5pPr lvl="4" marR="0" rtl="0" algn="l">
+    <a:lvl5pPr marR="0" lvl="4" algn="l" rtl="0">
       <a:lnSpc>
         <a:spcPct val="100000"/>
       </a:lnSpc>
@@ -137,7 +137,7 @@
         <a:srgbClr val="000000"/>
       </a:buClr>
       <a:buFont typeface="Arial"/>
-      <a:defRPr b="0" i="0" sz="1400" u="none" cap="none" strike="noStrike">
+      <a:defRPr sz="1400" b="0" i="0" u="none" strike="noStrike" cap="none">
         <a:solidFill>
           <a:srgbClr val="000000"/>
         </a:solidFill>
@@ -147,7 +147,7 @@
         <a:sym typeface="Arial"/>
       </a:defRPr>
     </a:lvl5pPr>
-    <a:lvl6pPr lvl="5" marR="0" rtl="0" algn="l">
+    <a:lvl6pPr marR="0" lvl="5" algn="l" rtl="0">
       <a:lnSpc>
         <a:spcPct val="100000"/>
       </a:lnSpc>
@@ -161,7 +161,7 @@
         <a:srgbClr val="000000"/>
       </a:buClr>
       <a:buFont typeface="Arial"/>
-      <a:defRPr b="0" i="0" sz="1400" u="none" cap="none" strike="noStrike">
+      <a:defRPr sz="1400" b="0" i="0" u="none" strike="noStrike" cap="none">
         <a:solidFill>
           <a:srgbClr val="000000"/>
         </a:solidFill>
@@ -171,7 +171,7 @@
         <a:sym typeface="Arial"/>
       </a:defRPr>
     </a:lvl6pPr>
-    <a:lvl7pPr lvl="6" marR="0" rtl="0" algn="l">
+    <a:lvl7pPr marR="0" lvl="6" algn="l" rtl="0">
       <a:lnSpc>
         <a:spcPct val="100000"/>
       </a:lnSpc>
@@ -185,7 +185,7 @@
         <a:srgbClr val="000000"/>
       </a:buClr>
       <a:buFont typeface="Arial"/>
-      <a:defRPr b="0" i="0" sz="1400" u="none" cap="none" strike="noStrike">
+      <a:defRPr sz="1400" b="0" i="0" u="none" strike="noStrike" cap="none">
         <a:solidFill>
           <a:srgbClr val="000000"/>
         </a:solidFill>
@@ -195,7 +195,7 @@
         <a:sym typeface="Arial"/>
       </a:defRPr>
     </a:lvl7pPr>
-    <a:lvl8pPr lvl="7" marR="0" rtl="0" algn="l">
+    <a:lvl8pPr marR="0" lvl="7" algn="l" rtl="0">
       <a:lnSpc>
         <a:spcPct val="100000"/>
       </a:lnSpc>
@@ -209,7 +209,7 @@
         <a:srgbClr val="000000"/>
       </a:buClr>
       <a:buFont typeface="Arial"/>
-      <a:defRPr b="0" i="0" sz="1400" u="none" cap="none" strike="noStrike">
+      <a:defRPr sz="1400" b="0" i="0" u="none" strike="noStrike" cap="none">
         <a:solidFill>
           <a:srgbClr val="000000"/>
         </a:solidFill>
@@ -219,7 +219,7 @@
         <a:sym typeface="Arial"/>
       </a:defRPr>
     </a:lvl8pPr>
-    <a:lvl9pPr lvl="8" marR="0" rtl="0" algn="l">
+    <a:lvl9pPr marR="0" lvl="8" algn="l" rtl="0">
       <a:lnSpc>
         <a:spcPct val="100000"/>
       </a:lnSpc>
@@ -233,7 +233,7 @@
         <a:srgbClr val="000000"/>
       </a:buClr>
       <a:buFont typeface="Arial"/>
-      <a:defRPr b="0" i="0" sz="1400" u="none" cap="none" strike="noStrike">
+      <a:defRPr sz="1400" b="0" i="0" u="none" strike="noStrike" cap="none">
         <a:solidFill>
           <a:srgbClr val="000000"/>
         </a:solidFill>
@@ -246,7 +246,7 @@
   </p:defaultTextStyle>
   <p:extLst>
     <p:ext uri="{EFAFB233-063F-42B5-8137-9DF3F51BA10A}">
-      <p15:sldGuideLst>
+      <p15:sldGuideLst xmlns:p15="http://schemas.microsoft.com/office/powerpoint/2012/main">
         <p15:guide id="1" orient="horz" pos="2160">
           <p15:clr>
             <a:srgbClr val="000000"/>
@@ -260,18 +260,23 @@
       </p15:sldGuideLst>
     </p:ext>
     <p:ext uri="http://customooxmlschemas.google.com/">
-      <go:slidesCustomData xmlns:go="http://customooxmlschemas.google.com/" r:id="rId10" roundtripDataSignature="AMtx7mg2xQovvN3T3k0YFn7lQERu/NLV5w=="/>
+      <go:slidesCustomData xmlns:go="http://customooxmlschemas.google.com/" xmlns:ahyp="http://schemas.microsoft.com/office/drawing/2018/hyperlinkcolor" xmlns:p15="http://schemas.microsoft.com/office/powerpoint/2012/main" xmlns:p14="http://schemas.microsoft.com/office/powerpoint/2010/main" xmlns:com="http://schemas.openxmlformats.org/drawingml/2006/compatibility" xmlns:pvml="urn:schemas-microsoft-com:office:powerpoint" xmlns:v="urn:schemas-microsoft-com:vml" xmlns:o="urn:schemas-microsoft-com:office:office" xmlns:dgm="http://schemas.openxmlformats.org/drawingml/2006/diagram" xmlns:c="http://schemas.openxmlformats.org/drawingml/2006/chart" xmlns:mv="urn:schemas-microsoft-com:mac:vml" xmlns:mc="http://schemas.openxmlformats.org/markup-compatibility/2006" xmlns="" r:id="rId10" roundtripDataSignature="AMtx7mg2xQovvN3T3k0YFn7lQERu/NLV5w=="/>
     </p:ext>
   </p:extLst>
 </p:presentation>
 </file>
 
 <file path=ppt/notesMasters/notesMaster1.xml><?xml version="1.0" encoding="utf-8"?>
-<p:notesMaster xmlns:a="http://schemas.openxmlformats.org/drawingml/2006/main" xmlns:r="http://schemas.openxmlformats.org/officeDocument/2006/relationships" xmlns:mc="http://schemas.openxmlformats.org/markup-compatibility/2006" xmlns:mv="urn:schemas-microsoft-com:mac:vml" xmlns:p="http://schemas.openxmlformats.org/presentationml/2006/main" xmlns:c="http://schemas.openxmlformats.org/drawingml/2006/chart" xmlns:dgm="http://schemas.openxmlformats.org/drawingml/2006/diagram" xmlns:o="urn:schemas-microsoft-com:office:office" xmlns:v="urn:schemas-microsoft-com:vml" xmlns:pvml="urn:schemas-microsoft-com:office:powerpoint" xmlns:com="http://schemas.openxmlformats.org/drawingml/2006/compatibility" xmlns:p14="http://schemas.microsoft.com/office/powerpoint/2010/main" xmlns:p15="http://schemas.microsoft.com/office/powerpoint/2012/main" xmlns:ahyp="http://schemas.microsoft.com/office/drawing/2018/hyperlinkcolor">
+<p:notesMaster xmlns:a="http://schemas.openxmlformats.org/drawingml/2006/main" xmlns:r="http://schemas.openxmlformats.org/officeDocument/2006/relationships" xmlns:p="http://schemas.openxmlformats.org/presentationml/2006/main">
   <p:cSld>
+    <p:bg>
+      <p:bgRef idx="1001">
+        <a:schemeClr val="bg1"/>
+      </p:bgRef>
+    </p:bg>
     <p:spTree>
       <p:nvGrpSpPr>
-        <p:cNvPr id="2" name="Shape 2"/>
+        <p:cNvPr id="1" name="Shape 2"/>
         <p:cNvGrpSpPr/>
         <p:nvPr/>
       </p:nvGrpSpPr>
@@ -286,9 +291,11 @@
       <p:sp>
         <p:nvSpPr>
           <p:cNvPr id="3" name="Google Shape;3;n"/>
-          <p:cNvSpPr/>
+          <p:cNvSpPr>
+            <a:spLocks noGrp="1" noRot="1" noChangeAspect="1"/>
+          </p:cNvSpPr>
           <p:nvPr>
-            <p:ph idx="2" type="sldImg"/>
+            <p:ph type="sldImg" idx="2"/>
           </p:nvPr>
         </p:nvSpPr>
         <p:spPr>
@@ -297,9 +304,13 @@
             <a:ext cx="4572225" cy="3429000"/>
           </a:xfrm>
           <a:custGeom>
-            <a:rect b="b" l="l" r="r" t="t"/>
+            <a:avLst/>
+            <a:gdLst/>
+            <a:ahLst/>
+            <a:cxnLst/>
+            <a:rect l="l" t="t" r="r" b="b"/>
             <a:pathLst>
-              <a:path extrusionOk="0" h="120000" w="120000">
+              <a:path w="120000" h="120000" extrusionOk="0">
                 <a:moveTo>
                   <a:pt x="0" y="0"/>
                 </a:moveTo>
@@ -317,23 +328,25 @@
             </a:pathLst>
           </a:custGeom>
           <a:noFill/>
-          <a:ln cap="flat" cmpd="sng" w="9525">
+          <a:ln w="9525" cap="flat" cmpd="sng">
             <a:solidFill>
               <a:srgbClr val="000000"/>
             </a:solidFill>
             <a:prstDash val="solid"/>
             <a:round/>
-            <a:headEnd len="sm" w="sm" type="none"/>
-            <a:tailEnd len="sm" w="sm" type="none"/>
+            <a:headEnd type="none" w="sm" len="sm"/>
+            <a:tailEnd type="none" w="sm" len="sm"/>
           </a:ln>
         </p:spPr>
       </p:sp>
       <p:sp>
         <p:nvSpPr>
           <p:cNvPr id="4" name="Google Shape;4;n"/>
-          <p:cNvSpPr txBox="1"/>
+          <p:cNvSpPr txBox="1">
+            <a:spLocks noGrp="1"/>
+          </p:cNvSpPr>
           <p:nvPr>
-            <p:ph idx="1" type="body"/>
+            <p:ph type="body" idx="1"/>
           </p:nvPr>
         </p:nvSpPr>
         <p:spPr>
@@ -350,11 +363,11 @@
           </a:ln>
         </p:spPr>
         <p:txBody>
-          <a:bodyPr anchorCtr="0" anchor="t" bIns="91425" lIns="91425" spcFirstLastPara="1" rIns="91425" wrap="square" tIns="91425">
+          <a:bodyPr spcFirstLastPara="1" wrap="square" lIns="91425" tIns="91425" rIns="91425" bIns="91425" anchor="t" anchorCtr="0">
             <a:noAutofit/>
           </a:bodyPr>
           <a:lstStyle>
-            <a:lvl1pPr indent="-298450" lvl="0" marL="457200">
+            <a:lvl1pPr marL="457200" lvl="0" indent="-298450">
               <a:spcBef>
                 <a:spcPts val="0"/>
               </a:spcBef>
@@ -365,7 +378,7 @@
               <a:buChar char="●"/>
               <a:defRPr sz="1100"/>
             </a:lvl1pPr>
-            <a:lvl2pPr indent="-298450" lvl="1" marL="914400">
+            <a:lvl2pPr marL="914400" lvl="1" indent="-298450">
               <a:spcBef>
                 <a:spcPts val="0"/>
               </a:spcBef>
@@ -376,7 +389,7 @@
               <a:buChar char="○"/>
               <a:defRPr sz="1100"/>
             </a:lvl2pPr>
-            <a:lvl3pPr indent="-298450" lvl="2" marL="1371600">
+            <a:lvl3pPr marL="1371600" lvl="2" indent="-298450">
               <a:spcBef>
                 <a:spcPts val="0"/>
               </a:spcBef>
@@ -387,7 +400,7 @@
               <a:buChar char="■"/>
               <a:defRPr sz="1100"/>
             </a:lvl3pPr>
-            <a:lvl4pPr indent="-298450" lvl="3" marL="1828800">
+            <a:lvl4pPr marL="1828800" lvl="3" indent="-298450">
               <a:spcBef>
                 <a:spcPts val="0"/>
               </a:spcBef>
@@ -398,7 +411,7 @@
               <a:buChar char="●"/>
               <a:defRPr sz="1100"/>
             </a:lvl4pPr>
-            <a:lvl5pPr indent="-298450" lvl="4" marL="2286000">
+            <a:lvl5pPr marL="2286000" lvl="4" indent="-298450">
               <a:spcBef>
                 <a:spcPts val="0"/>
               </a:spcBef>
@@ -409,7 +422,7 @@
               <a:buChar char="○"/>
               <a:defRPr sz="1100"/>
             </a:lvl5pPr>
-            <a:lvl6pPr indent="-298450" lvl="5" marL="2743200">
+            <a:lvl6pPr marL="2743200" lvl="5" indent="-298450">
               <a:spcBef>
                 <a:spcPts val="0"/>
               </a:spcBef>
@@ -420,7 +433,7 @@
               <a:buChar char="■"/>
               <a:defRPr sz="1100"/>
             </a:lvl6pPr>
-            <a:lvl7pPr indent="-298450" lvl="6" marL="3200400">
+            <a:lvl7pPr marL="3200400" lvl="6" indent="-298450">
               <a:spcBef>
                 <a:spcPts val="0"/>
               </a:spcBef>
@@ -431,7 +444,7 @@
               <a:buChar char="●"/>
               <a:defRPr sz="1100"/>
             </a:lvl7pPr>
-            <a:lvl8pPr indent="-298450" lvl="7" marL="3657600">
+            <a:lvl8pPr marL="3657600" lvl="7" indent="-298450">
               <a:spcBef>
                 <a:spcPts val="0"/>
               </a:spcBef>
@@ -442,7 +455,7 @@
               <a:buChar char="○"/>
               <a:defRPr sz="1100"/>
             </a:lvl8pPr>
-            <a:lvl9pPr indent="-298450" lvl="8" marL="4114800">
+            <a:lvl9pPr marL="4114800" lvl="8" indent="-298450">
               <a:spcBef>
                 <a:spcPts val="0"/>
               </a:spcBef>
@@ -454,14 +467,16 @@
               <a:defRPr sz="1100"/>
             </a:lvl9pPr>
           </a:lstStyle>
-          <a:p/>
+          <a:p>
+            <a:endParaRPr/>
+          </a:p>
         </p:txBody>
       </p:sp>
     </p:spTree>
   </p:cSld>
-  <p:clrMap accent1="accent1" accent2="accent2" accent3="accent3" accent4="accent4" accent5="accent5" accent6="accent6" bg1="lt1" bg2="dk2" tx1="dk1" tx2="lt2" folHlink="folHlink" hlink="hlink"/>
+  <p:clrMap bg1="lt1" tx1="dk1" bg2="dk2" tx2="lt2" accent1="accent1" accent2="accent2" accent3="accent3" accent4="accent4" accent5="accent5" accent6="accent6" hlink="hlink" folHlink="folHlink"/>
   <p:notesStyle>
-    <a:defPPr lvl="0" marR="0" rtl="0" algn="l">
+    <a:defPPr marR="0" lvl="0" algn="l" rtl="0">
       <a:lnSpc>
         <a:spcPct val="100000"/>
       </a:lnSpc>
@@ -472,7 +487,7 @@
         <a:spcPts val="0"/>
       </a:spcAft>
     </a:defPPr>
-    <a:lvl1pPr lvl="0" marR="0" rtl="0" algn="l">
+    <a:lvl1pPr marR="0" lvl="0" algn="l" rtl="0">
       <a:lnSpc>
         <a:spcPct val="100000"/>
       </a:lnSpc>
@@ -486,7 +501,7 @@
         <a:srgbClr val="000000"/>
       </a:buClr>
       <a:buFont typeface="Arial"/>
-      <a:defRPr b="0" i="0" sz="1400" u="none" cap="none" strike="noStrike">
+      <a:defRPr sz="1400" b="0" i="0" u="none" strike="noStrike" cap="none">
         <a:solidFill>
           <a:srgbClr val="000000"/>
         </a:solidFill>
@@ -496,7 +511,7 @@
         <a:sym typeface="Arial"/>
       </a:defRPr>
     </a:lvl1pPr>
-    <a:lvl2pPr lvl="1" marR="0" rtl="0" algn="l">
+    <a:lvl2pPr marR="0" lvl="1" algn="l" rtl="0">
       <a:lnSpc>
         <a:spcPct val="100000"/>
       </a:lnSpc>
@@ -510,7 +525,7 @@
         <a:srgbClr val="000000"/>
       </a:buClr>
       <a:buFont typeface="Arial"/>
-      <a:defRPr b="0" i="0" sz="1400" u="none" cap="none" strike="noStrike">
+      <a:defRPr sz="1400" b="0" i="0" u="none" strike="noStrike" cap="none">
         <a:solidFill>
           <a:srgbClr val="000000"/>
         </a:solidFill>
@@ -520,7 +535,7 @@
         <a:sym typeface="Arial"/>
       </a:defRPr>
     </a:lvl2pPr>
-    <a:lvl3pPr lvl="2" marR="0" rtl="0" algn="l">
+    <a:lvl3pPr marR="0" lvl="2" algn="l" rtl="0">
       <a:lnSpc>
         <a:spcPct val="100000"/>
       </a:lnSpc>
@@ -534,7 +549,7 @@
         <a:srgbClr val="000000"/>
       </a:buClr>
       <a:buFont typeface="Arial"/>
-      <a:defRPr b="0" i="0" sz="1400" u="none" cap="none" strike="noStrike">
+      <a:defRPr sz="1400" b="0" i="0" u="none" strike="noStrike" cap="none">
         <a:solidFill>
           <a:srgbClr val="000000"/>
         </a:solidFill>
@@ -544,7 +559,7 @@
         <a:sym typeface="Arial"/>
       </a:defRPr>
     </a:lvl3pPr>
-    <a:lvl4pPr lvl="3" marR="0" rtl="0" algn="l">
+    <a:lvl4pPr marR="0" lvl="3" algn="l" rtl="0">
       <a:lnSpc>
         <a:spcPct val="100000"/>
       </a:lnSpc>
@@ -558,7 +573,7 @@
         <a:srgbClr val="000000"/>
       </a:buClr>
       <a:buFont typeface="Arial"/>
-      <a:defRPr b="0" i="0" sz="1400" u="none" cap="none" strike="noStrike">
+      <a:defRPr sz="1400" b="0" i="0" u="none" strike="noStrike" cap="none">
         <a:solidFill>
           <a:srgbClr val="000000"/>
         </a:solidFill>
@@ -568,7 +583,7 @@
         <a:sym typeface="Arial"/>
       </a:defRPr>
     </a:lvl4pPr>
-    <a:lvl5pPr lvl="4" marR="0" rtl="0" algn="l">
+    <a:lvl5pPr marR="0" lvl="4" algn="l" rtl="0">
       <a:lnSpc>
         <a:spcPct val="100000"/>
       </a:lnSpc>
@@ -582,7 +597,7 @@
         <a:srgbClr val="000000"/>
       </a:buClr>
       <a:buFont typeface="Arial"/>
-      <a:defRPr b="0" i="0" sz="1400" u="none" cap="none" strike="noStrike">
+      <a:defRPr sz="1400" b="0" i="0" u="none" strike="noStrike" cap="none">
         <a:solidFill>
           <a:srgbClr val="000000"/>
         </a:solidFill>
@@ -592,7 +607,7 @@
         <a:sym typeface="Arial"/>
       </a:defRPr>
     </a:lvl5pPr>
-    <a:lvl6pPr lvl="5" marR="0" rtl="0" algn="l">
+    <a:lvl6pPr marR="0" lvl="5" algn="l" rtl="0">
       <a:lnSpc>
         <a:spcPct val="100000"/>
       </a:lnSpc>
@@ -606,7 +621,7 @@
         <a:srgbClr val="000000"/>
       </a:buClr>
       <a:buFont typeface="Arial"/>
-      <a:defRPr b="0" i="0" sz="1400" u="none" cap="none" strike="noStrike">
+      <a:defRPr sz="1400" b="0" i="0" u="none" strike="noStrike" cap="none">
         <a:solidFill>
           <a:srgbClr val="000000"/>
         </a:solidFill>
@@ -616,7 +631,7 @@
         <a:sym typeface="Arial"/>
       </a:defRPr>
     </a:lvl6pPr>
-    <a:lvl7pPr lvl="6" marR="0" rtl="0" algn="l">
+    <a:lvl7pPr marR="0" lvl="6" algn="l" rtl="0">
       <a:lnSpc>
         <a:spcPct val="100000"/>
       </a:lnSpc>
@@ -630,7 +645,7 @@
         <a:srgbClr val="000000"/>
       </a:buClr>
       <a:buFont typeface="Arial"/>
-      <a:defRPr b="0" i="0" sz="1400" u="none" cap="none" strike="noStrike">
+      <a:defRPr sz="1400" b="0" i="0" u="none" strike="noStrike" cap="none">
         <a:solidFill>
           <a:srgbClr val="000000"/>
         </a:solidFill>
@@ -640,7 +655,7 @@
         <a:sym typeface="Arial"/>
       </a:defRPr>
     </a:lvl7pPr>
-    <a:lvl8pPr lvl="7" marR="0" rtl="0" algn="l">
+    <a:lvl8pPr marR="0" lvl="7" algn="l" rtl="0">
       <a:lnSpc>
         <a:spcPct val="100000"/>
       </a:lnSpc>
@@ -654,7 +669,7 @@
         <a:srgbClr val="000000"/>
       </a:buClr>
       <a:buFont typeface="Arial"/>
-      <a:defRPr b="0" i="0" sz="1400" u="none" cap="none" strike="noStrike">
+      <a:defRPr sz="1400" b="0" i="0" u="none" strike="noStrike" cap="none">
         <a:solidFill>
           <a:srgbClr val="000000"/>
         </a:solidFill>
@@ -664,7 +679,7 @@
         <a:sym typeface="Arial"/>
       </a:defRPr>
     </a:lvl8pPr>
-    <a:lvl9pPr lvl="8" marR="0" rtl="0" algn="l">
+    <a:lvl9pPr marR="0" lvl="8" algn="l" rtl="0">
       <a:lnSpc>
         <a:spcPct val="100000"/>
       </a:lnSpc>
@@ -678,7 +693,7 @@
         <a:srgbClr val="000000"/>
       </a:buClr>
       <a:buFont typeface="Arial"/>
-      <a:defRPr b="0" i="0" sz="1400" u="none" cap="none" strike="noStrike">
+      <a:defRPr sz="1400" b="0" i="0" u="none" strike="noStrike" cap="none">
         <a:solidFill>
           <a:srgbClr val="000000"/>
         </a:solidFill>
@@ -693,11 +708,11 @@
 </file>
 
 <file path=ppt/notesSlides/notesSlide1.xml><?xml version="1.0" encoding="utf-8"?>
-<p:notes xmlns:a="http://schemas.openxmlformats.org/drawingml/2006/main" xmlns:r="http://schemas.openxmlformats.org/officeDocument/2006/relationships" xmlns:mc="http://schemas.openxmlformats.org/markup-compatibility/2006" xmlns:mv="urn:schemas-microsoft-com:mac:vml" xmlns:p="http://schemas.openxmlformats.org/presentationml/2006/main" xmlns:c="http://schemas.openxmlformats.org/drawingml/2006/chart" xmlns:dgm="http://schemas.openxmlformats.org/drawingml/2006/diagram" xmlns:o="urn:schemas-microsoft-com:office:office" xmlns:v="urn:schemas-microsoft-com:vml" xmlns:pvml="urn:schemas-microsoft-com:office:powerpoint" xmlns:com="http://schemas.openxmlformats.org/drawingml/2006/compatibility" xmlns:p14="http://schemas.microsoft.com/office/powerpoint/2010/main" xmlns:p15="http://schemas.microsoft.com/office/powerpoint/2012/main" xmlns:ahyp="http://schemas.microsoft.com/office/drawing/2018/hyperlinkcolor" showMasterPhAnim="0" showMasterSp="0">
+<p:notes xmlns:a="http://schemas.openxmlformats.org/drawingml/2006/main" xmlns:r="http://schemas.openxmlformats.org/officeDocument/2006/relationships" xmlns:p="http://schemas.openxmlformats.org/presentationml/2006/main" showMasterSp="0" showMasterPhAnim="0">
   <p:cSld>
     <p:spTree>
       <p:nvGrpSpPr>
-        <p:cNvPr id="80" name="Shape 80"/>
+        <p:cNvPr id="1" name="Shape 80"/>
         <p:cNvGrpSpPr/>
         <p:nvPr/>
       </p:nvGrpSpPr>
@@ -712,9 +727,11 @@
       <p:sp>
         <p:nvSpPr>
           <p:cNvPr id="81" name="Google Shape;81;p1:notes"/>
-          <p:cNvSpPr txBox="1"/>
+          <p:cNvSpPr txBox="1">
+            <a:spLocks noGrp="1"/>
+          </p:cNvSpPr>
           <p:nvPr>
-            <p:ph idx="1" type="body"/>
+            <p:ph type="body" idx="1"/>
           </p:nvPr>
         </p:nvSpPr>
         <p:spPr>
@@ -727,12 +744,12 @@
           </a:prstGeom>
         </p:spPr>
         <p:txBody>
-          <a:bodyPr anchorCtr="0" anchor="t" bIns="91425" lIns="91425" spcFirstLastPara="1" rIns="91425" wrap="square" tIns="91425">
+          <a:bodyPr spcFirstLastPara="1" wrap="square" lIns="91425" tIns="91425" rIns="91425" bIns="91425" anchor="t" anchorCtr="0">
             <a:noAutofit/>
           </a:bodyPr>
           <a:lstStyle/>
           <a:p>
-            <a:pPr indent="0" lvl="0" marL="0" rtl="0" algn="l">
+            <a:pPr marL="0" lvl="0" indent="0" algn="l" rtl="0">
               <a:spcBef>
                 <a:spcPts val="0"/>
               </a:spcBef>
@@ -741,9 +758,6 @@
               </a:spcAft>
               <a:buNone/>
             </a:pPr>
-            <a:r>
-              <a:t/>
-            </a:r>
             <a:endParaRPr/>
           </a:p>
         </p:txBody>
@@ -751,20 +765,26 @@
       <p:sp>
         <p:nvSpPr>
           <p:cNvPr id="82" name="Google Shape;82;p1:notes"/>
-          <p:cNvSpPr/>
+          <p:cNvSpPr>
+            <a:spLocks noGrp="1" noRot="1" noChangeAspect="1"/>
+          </p:cNvSpPr>
           <p:nvPr>
-            <p:ph idx="2" type="sldImg"/>
+            <p:ph type="sldImg" idx="2"/>
           </p:nvPr>
         </p:nvSpPr>
         <p:spPr>
           <a:xfrm>
-            <a:off x="1143225" y="685800"/>
-            <a:ext cx="4572225" cy="3429000"/>
+            <a:off x="1143000" y="685800"/>
+            <a:ext cx="4572000" cy="3429000"/>
           </a:xfrm>
           <a:custGeom>
-            <a:rect b="b" l="l" r="r" t="t"/>
+            <a:avLst/>
+            <a:gdLst/>
+            <a:ahLst/>
+            <a:cxnLst/>
+            <a:rect l="l" t="t" r="r" b="b"/>
             <a:pathLst>
-              <a:path extrusionOk="0" h="120000" w="120000">
+              <a:path w="120000" h="120000" extrusionOk="0">
                 <a:moveTo>
                   <a:pt x="0" y="0"/>
                 </a:moveTo>
@@ -792,11 +812,11 @@
 </file>
 
 <file path=ppt/notesSlides/notesSlide2.xml><?xml version="1.0" encoding="utf-8"?>
-<p:notes xmlns:a="http://schemas.openxmlformats.org/drawingml/2006/main" xmlns:r="http://schemas.openxmlformats.org/officeDocument/2006/relationships" xmlns:mc="http://schemas.openxmlformats.org/markup-compatibility/2006" xmlns:mv="urn:schemas-microsoft-com:mac:vml" xmlns:p="http://schemas.openxmlformats.org/presentationml/2006/main" xmlns:c="http://schemas.openxmlformats.org/drawingml/2006/chart" xmlns:dgm="http://schemas.openxmlformats.org/drawingml/2006/diagram" xmlns:o="urn:schemas-microsoft-com:office:office" xmlns:v="urn:schemas-microsoft-com:vml" xmlns:pvml="urn:schemas-microsoft-com:office:powerpoint" xmlns:com="http://schemas.openxmlformats.org/drawingml/2006/compatibility" xmlns:p14="http://schemas.microsoft.com/office/powerpoint/2010/main" xmlns:p15="http://schemas.microsoft.com/office/powerpoint/2012/main" xmlns:ahyp="http://schemas.microsoft.com/office/drawing/2018/hyperlinkcolor" showMasterPhAnim="0" showMasterSp="0">
+<p:notes xmlns:a="http://schemas.openxmlformats.org/drawingml/2006/main" xmlns:r="http://schemas.openxmlformats.org/officeDocument/2006/relationships" xmlns:p="http://schemas.openxmlformats.org/presentationml/2006/main" showMasterSp="0" showMasterPhAnim="0">
   <p:cSld>
     <p:spTree>
       <p:nvGrpSpPr>
-        <p:cNvPr id="90" name="Shape 90"/>
+        <p:cNvPr id="1" name="Shape 90"/>
         <p:cNvGrpSpPr/>
         <p:nvPr/>
       </p:nvGrpSpPr>
@@ -811,9 +831,11 @@
       <p:sp>
         <p:nvSpPr>
           <p:cNvPr id="91" name="Google Shape;91;p2:notes"/>
-          <p:cNvSpPr txBox="1"/>
+          <p:cNvSpPr txBox="1">
+            <a:spLocks noGrp="1"/>
+          </p:cNvSpPr>
           <p:nvPr>
-            <p:ph idx="1" type="body"/>
+            <p:ph type="body" idx="1"/>
           </p:nvPr>
         </p:nvSpPr>
         <p:spPr>
@@ -826,12 +848,12 @@
           </a:prstGeom>
         </p:spPr>
         <p:txBody>
-          <a:bodyPr anchorCtr="0" anchor="t" bIns="91425" lIns="91425" spcFirstLastPara="1" rIns="91425" wrap="square" tIns="91425">
+          <a:bodyPr spcFirstLastPara="1" wrap="square" lIns="91425" tIns="91425" rIns="91425" bIns="91425" anchor="t" anchorCtr="0">
             <a:noAutofit/>
           </a:bodyPr>
           <a:lstStyle/>
           <a:p>
-            <a:pPr indent="0" lvl="0" marL="0" rtl="0" algn="l">
+            <a:pPr marL="0" lvl="0" indent="0" algn="l" rtl="0">
               <a:spcBef>
                 <a:spcPts val="0"/>
               </a:spcBef>
@@ -840,9 +862,6 @@
               </a:spcAft>
               <a:buNone/>
             </a:pPr>
-            <a:r>
-              <a:t/>
-            </a:r>
             <a:endParaRPr/>
           </a:p>
         </p:txBody>
@@ -850,9 +869,11 @@
       <p:sp>
         <p:nvSpPr>
           <p:cNvPr id="92" name="Google Shape;92;p2:notes"/>
-          <p:cNvSpPr/>
+          <p:cNvSpPr>
+            <a:spLocks noGrp="1" noRot="1" noChangeAspect="1"/>
+          </p:cNvSpPr>
           <p:nvPr>
-            <p:ph idx="2" type="sldImg"/>
+            <p:ph type="sldImg" idx="2"/>
           </p:nvPr>
         </p:nvSpPr>
         <p:spPr>
@@ -861,9 +882,13 @@
             <a:ext cx="4572225" cy="3429000"/>
           </a:xfrm>
           <a:custGeom>
-            <a:rect b="b" l="l" r="r" t="t"/>
+            <a:avLst/>
+            <a:gdLst/>
+            <a:ahLst/>
+            <a:cxnLst/>
+            <a:rect l="l" t="t" r="r" b="b"/>
             <a:pathLst>
-              <a:path extrusionOk="0" h="120000" w="120000">
+              <a:path w="120000" h="120000" extrusionOk="0">
                 <a:moveTo>
                   <a:pt x="0" y="0"/>
                 </a:moveTo>
@@ -891,11 +916,11 @@
 </file>
 
 <file path=ppt/notesSlides/notesSlide3.xml><?xml version="1.0" encoding="utf-8"?>
-<p:notes xmlns:a="http://schemas.openxmlformats.org/drawingml/2006/main" xmlns:r="http://schemas.openxmlformats.org/officeDocument/2006/relationships" xmlns:mc="http://schemas.openxmlformats.org/markup-compatibility/2006" xmlns:mv="urn:schemas-microsoft-com:mac:vml" xmlns:p="http://schemas.openxmlformats.org/presentationml/2006/main" xmlns:c="http://schemas.openxmlformats.org/drawingml/2006/chart" xmlns:dgm="http://schemas.openxmlformats.org/drawingml/2006/diagram" xmlns:o="urn:schemas-microsoft-com:office:office" xmlns:v="urn:schemas-microsoft-com:vml" xmlns:pvml="urn:schemas-microsoft-com:office:powerpoint" xmlns:com="http://schemas.openxmlformats.org/drawingml/2006/compatibility" xmlns:p14="http://schemas.microsoft.com/office/powerpoint/2010/main" xmlns:p15="http://schemas.microsoft.com/office/powerpoint/2012/main" xmlns:ahyp="http://schemas.microsoft.com/office/drawing/2018/hyperlinkcolor" showMasterPhAnim="0" showMasterSp="0">
+<p:notes xmlns:a="http://schemas.openxmlformats.org/drawingml/2006/main" xmlns:r="http://schemas.openxmlformats.org/officeDocument/2006/relationships" xmlns:p="http://schemas.openxmlformats.org/presentationml/2006/main" showMasterSp="0" showMasterPhAnim="0">
   <p:cSld>
     <p:spTree>
       <p:nvGrpSpPr>
-        <p:cNvPr id="96" name="Shape 96"/>
+        <p:cNvPr id="1" name="Shape 96"/>
         <p:cNvGrpSpPr/>
         <p:nvPr/>
       </p:nvGrpSpPr>
@@ -910,9 +935,11 @@
       <p:sp>
         <p:nvSpPr>
           <p:cNvPr id="97" name="Google Shape;97;p3:notes"/>
-          <p:cNvSpPr txBox="1"/>
+          <p:cNvSpPr txBox="1">
+            <a:spLocks noGrp="1"/>
+          </p:cNvSpPr>
           <p:nvPr>
-            <p:ph idx="1" type="body"/>
+            <p:ph type="body" idx="1"/>
           </p:nvPr>
         </p:nvSpPr>
         <p:spPr>
@@ -925,12 +952,12 @@
           </a:prstGeom>
         </p:spPr>
         <p:txBody>
-          <a:bodyPr anchorCtr="0" anchor="t" bIns="91425" lIns="91425" spcFirstLastPara="1" rIns="91425" wrap="square" tIns="91425">
+          <a:bodyPr spcFirstLastPara="1" wrap="square" lIns="91425" tIns="91425" rIns="91425" bIns="91425" anchor="t" anchorCtr="0">
             <a:noAutofit/>
           </a:bodyPr>
           <a:lstStyle/>
           <a:p>
-            <a:pPr indent="0" lvl="0" marL="0" rtl="0" algn="l">
+            <a:pPr marL="0" lvl="0" indent="0" algn="l" rtl="0">
               <a:spcBef>
                 <a:spcPts val="0"/>
               </a:spcBef>
@@ -939,9 +966,6 @@
               </a:spcAft>
               <a:buNone/>
             </a:pPr>
-            <a:r>
-              <a:t/>
-            </a:r>
             <a:endParaRPr/>
           </a:p>
         </p:txBody>
@@ -949,9 +973,11 @@
       <p:sp>
         <p:nvSpPr>
           <p:cNvPr id="98" name="Google Shape;98;p3:notes"/>
-          <p:cNvSpPr/>
+          <p:cNvSpPr>
+            <a:spLocks noGrp="1" noRot="1" noChangeAspect="1"/>
+          </p:cNvSpPr>
           <p:nvPr>
-            <p:ph idx="2" type="sldImg"/>
+            <p:ph type="sldImg" idx="2"/>
           </p:nvPr>
         </p:nvSpPr>
         <p:spPr>
@@ -960,9 +986,13 @@
             <a:ext cx="4572225" cy="3429000"/>
           </a:xfrm>
           <a:custGeom>
-            <a:rect b="b" l="l" r="r" t="t"/>
+            <a:avLst/>
+            <a:gdLst/>
+            <a:ahLst/>
+            <a:cxnLst/>
+            <a:rect l="l" t="t" r="r" b="b"/>
             <a:pathLst>
-              <a:path extrusionOk="0" h="120000" w="120000">
+              <a:path w="120000" h="120000" extrusionOk="0">
                 <a:moveTo>
                   <a:pt x="0" y="0"/>
                 </a:moveTo>
@@ -990,11 +1020,11 @@
 </file>
 
 <file path=ppt/notesSlides/notesSlide4.xml><?xml version="1.0" encoding="utf-8"?>
-<p:notes xmlns:a="http://schemas.openxmlformats.org/drawingml/2006/main" xmlns:r="http://schemas.openxmlformats.org/officeDocument/2006/relationships" xmlns:mc="http://schemas.openxmlformats.org/markup-compatibility/2006" xmlns:mv="urn:schemas-microsoft-com:mac:vml" xmlns:p="http://schemas.openxmlformats.org/presentationml/2006/main" xmlns:c="http://schemas.openxmlformats.org/drawingml/2006/chart" xmlns:dgm="http://schemas.openxmlformats.org/drawingml/2006/diagram" xmlns:o="urn:schemas-microsoft-com:office:office" xmlns:v="urn:schemas-microsoft-com:vml" xmlns:pvml="urn:schemas-microsoft-com:office:powerpoint" xmlns:com="http://schemas.openxmlformats.org/drawingml/2006/compatibility" xmlns:p14="http://schemas.microsoft.com/office/powerpoint/2010/main" xmlns:p15="http://schemas.microsoft.com/office/powerpoint/2012/main" xmlns:ahyp="http://schemas.microsoft.com/office/drawing/2018/hyperlinkcolor" showMasterPhAnim="0" showMasterSp="0">
+<p:notes xmlns:a="http://schemas.openxmlformats.org/drawingml/2006/main" xmlns:r="http://schemas.openxmlformats.org/officeDocument/2006/relationships" xmlns:p="http://schemas.openxmlformats.org/presentationml/2006/main" showMasterSp="0" showMasterPhAnim="0">
   <p:cSld>
     <p:spTree>
       <p:nvGrpSpPr>
-        <p:cNvPr id="102" name="Shape 102"/>
+        <p:cNvPr id="1" name="Shape 102"/>
         <p:cNvGrpSpPr/>
         <p:nvPr/>
       </p:nvGrpSpPr>
@@ -1009,9 +1039,11 @@
       <p:sp>
         <p:nvSpPr>
           <p:cNvPr id="103" name="Google Shape;103;p4:notes"/>
-          <p:cNvSpPr txBox="1"/>
+          <p:cNvSpPr txBox="1">
+            <a:spLocks noGrp="1"/>
+          </p:cNvSpPr>
           <p:nvPr>
-            <p:ph idx="1" type="body"/>
+            <p:ph type="body" idx="1"/>
           </p:nvPr>
         </p:nvSpPr>
         <p:spPr>
@@ -1024,12 +1056,12 @@
           </a:prstGeom>
         </p:spPr>
         <p:txBody>
-          <a:bodyPr anchorCtr="0" anchor="t" bIns="91425" lIns="91425" spcFirstLastPara="1" rIns="91425" wrap="square" tIns="91425">
+          <a:bodyPr spcFirstLastPara="1" wrap="square" lIns="91425" tIns="91425" rIns="91425" bIns="91425" anchor="t" anchorCtr="0">
             <a:noAutofit/>
           </a:bodyPr>
           <a:lstStyle/>
           <a:p>
-            <a:pPr indent="0" lvl="0" marL="0" rtl="0" algn="l">
+            <a:pPr marL="0" lvl="0" indent="0" algn="l" rtl="0">
               <a:spcBef>
                 <a:spcPts val="0"/>
               </a:spcBef>
@@ -1038,9 +1070,6 @@
               </a:spcAft>
               <a:buNone/>
             </a:pPr>
-            <a:r>
-              <a:t/>
-            </a:r>
             <a:endParaRPr/>
           </a:p>
         </p:txBody>
@@ -1048,9 +1077,11 @@
       <p:sp>
         <p:nvSpPr>
           <p:cNvPr id="104" name="Google Shape;104;p4:notes"/>
-          <p:cNvSpPr/>
+          <p:cNvSpPr>
+            <a:spLocks noGrp="1" noRot="1" noChangeAspect="1"/>
+          </p:cNvSpPr>
           <p:nvPr>
-            <p:ph idx="2" type="sldImg"/>
+            <p:ph type="sldImg" idx="2"/>
           </p:nvPr>
         </p:nvSpPr>
         <p:spPr>
@@ -1059,9 +1090,13 @@
             <a:ext cx="4572225" cy="3429000"/>
           </a:xfrm>
           <a:custGeom>
-            <a:rect b="b" l="l" r="r" t="t"/>
+            <a:avLst/>
+            <a:gdLst/>
+            <a:ahLst/>
+            <a:cxnLst/>
+            <a:rect l="l" t="t" r="r" b="b"/>
             <a:pathLst>
-              <a:path extrusionOk="0" h="120000" w="120000">
+              <a:path w="120000" h="120000" extrusionOk="0">
                 <a:moveTo>
                   <a:pt x="0" y="0"/>
                 </a:moveTo>
@@ -1089,11 +1124,11 @@
 </file>
 
 <file path=ppt/slideLayouts/slideLayout1.xml><?xml version="1.0" encoding="utf-8"?>
-<p:sldLayout xmlns:a="http://schemas.openxmlformats.org/drawingml/2006/main" xmlns:r="http://schemas.openxmlformats.org/officeDocument/2006/relationships" xmlns:mc="http://schemas.openxmlformats.org/markup-compatibility/2006" xmlns:mv="urn:schemas-microsoft-com:mac:vml" xmlns:p="http://schemas.openxmlformats.org/presentationml/2006/main" xmlns:c="http://schemas.openxmlformats.org/drawingml/2006/chart" xmlns:dgm="http://schemas.openxmlformats.org/drawingml/2006/diagram" xmlns:o="urn:schemas-microsoft-com:office:office" xmlns:v="urn:schemas-microsoft-com:vml" xmlns:pvml="urn:schemas-microsoft-com:office:powerpoint" xmlns:com="http://schemas.openxmlformats.org/drawingml/2006/compatibility" xmlns:p14="http://schemas.microsoft.com/office/powerpoint/2010/main" xmlns:p15="http://schemas.microsoft.com/office/powerpoint/2012/main" xmlns:ahyp="http://schemas.microsoft.com/office/drawing/2018/hyperlinkcolor" matchingName="Title Slide" type="title">
+<p:sldLayout xmlns:a="http://schemas.openxmlformats.org/drawingml/2006/main" xmlns:r="http://schemas.openxmlformats.org/officeDocument/2006/relationships" xmlns:p="http://schemas.openxmlformats.org/presentationml/2006/main" matchingName="Title Slide" type="title">
   <p:cSld name="TITLE">
     <p:spTree>
       <p:nvGrpSpPr>
-        <p:cNvPr id="11" name="Shape 11"/>
+        <p:cNvPr id="1" name="Shape 11"/>
         <p:cNvGrpSpPr/>
         <p:nvPr/>
       </p:nvGrpSpPr>
@@ -1108,7 +1143,9 @@
       <p:sp>
         <p:nvSpPr>
           <p:cNvPr id="12" name="Google Shape;12;p6"/>
-          <p:cNvSpPr txBox="1"/>
+          <p:cNvSpPr txBox="1">
+            <a:spLocks noGrp="1"/>
+          </p:cNvSpPr>
           <p:nvPr>
             <p:ph type="ctrTitle"/>
           </p:nvPr>
@@ -1127,7 +1164,7 @@
           </a:ln>
         </p:spPr>
         <p:txBody>
-          <a:bodyPr anchorCtr="0" anchor="ctr" bIns="45700" lIns="91425" spcFirstLastPara="1" rIns="91425" wrap="square" tIns="45700">
+          <a:bodyPr spcFirstLastPara="1" wrap="square" lIns="91425" tIns="45700" rIns="91425" bIns="45700" anchor="ctr" anchorCtr="0">
             <a:normAutofit/>
           </a:bodyPr>
           <a:lstStyle>
@@ -1234,15 +1271,19 @@
               <a:defRPr/>
             </a:lvl9pPr>
           </a:lstStyle>
-          <a:p/>
+          <a:p>
+            <a:endParaRPr/>
+          </a:p>
         </p:txBody>
       </p:sp>
       <p:sp>
         <p:nvSpPr>
           <p:cNvPr id="13" name="Google Shape;13;p6"/>
-          <p:cNvSpPr txBox="1"/>
+          <p:cNvSpPr txBox="1">
+            <a:spLocks noGrp="1"/>
+          </p:cNvSpPr>
           <p:nvPr>
-            <p:ph idx="1" type="subTitle"/>
+            <p:ph type="subTitle" idx="1"/>
           </p:nvPr>
         </p:nvSpPr>
         <p:spPr>
@@ -1259,7 +1300,7 @@
           </a:ln>
         </p:spPr>
         <p:txBody>
-          <a:bodyPr anchorCtr="0" anchor="t" bIns="45700" lIns="91425" spcFirstLastPara="1" rIns="91425" wrap="square" tIns="45700">
+          <a:bodyPr spcFirstLastPara="1" wrap="square" lIns="91425" tIns="45700" rIns="91425" bIns="45700" anchor="t" anchorCtr="0">
             <a:normAutofit/>
           </a:bodyPr>
           <a:lstStyle>
@@ -1426,15 +1467,19 @@
               </a:defRPr>
             </a:lvl9pPr>
           </a:lstStyle>
-          <a:p/>
+          <a:p>
+            <a:endParaRPr/>
+          </a:p>
         </p:txBody>
       </p:sp>
       <p:sp>
         <p:nvSpPr>
           <p:cNvPr id="14" name="Google Shape;14;p6"/>
-          <p:cNvSpPr txBox="1"/>
+          <p:cNvSpPr txBox="1">
+            <a:spLocks noGrp="1"/>
+          </p:cNvSpPr>
           <p:nvPr>
-            <p:ph idx="10" type="dt"/>
+            <p:ph type="dt" idx="10"/>
           </p:nvPr>
         </p:nvSpPr>
         <p:spPr>
@@ -1451,7 +1496,7 @@
           </a:ln>
         </p:spPr>
         <p:txBody>
-          <a:bodyPr anchorCtr="0" anchor="ctr" bIns="45700" lIns="91425" spcFirstLastPara="1" rIns="91425" wrap="square" tIns="45700">
+          <a:bodyPr spcFirstLastPara="1" wrap="square" lIns="91425" tIns="45700" rIns="91425" bIns="45700" anchor="ctr" anchorCtr="0">
             <a:noAutofit/>
           </a:bodyPr>
           <a:lstStyle>
@@ -1555,15 +1600,19 @@
               <a:defRPr/>
             </a:lvl9pPr>
           </a:lstStyle>
-          <a:p/>
+          <a:p>
+            <a:endParaRPr/>
+          </a:p>
         </p:txBody>
       </p:sp>
       <p:sp>
         <p:nvSpPr>
           <p:cNvPr id="15" name="Google Shape;15;p6"/>
-          <p:cNvSpPr txBox="1"/>
+          <p:cNvSpPr txBox="1">
+            <a:spLocks noGrp="1"/>
+          </p:cNvSpPr>
           <p:nvPr>
-            <p:ph idx="11" type="ftr"/>
+            <p:ph type="ftr" idx="11"/>
           </p:nvPr>
         </p:nvSpPr>
         <p:spPr>
@@ -1580,7 +1629,7 @@
           </a:ln>
         </p:spPr>
         <p:txBody>
-          <a:bodyPr anchorCtr="0" anchor="ctr" bIns="45700" lIns="91425" spcFirstLastPara="1" rIns="91425" wrap="square" tIns="45700">
+          <a:bodyPr spcFirstLastPara="1" wrap="square" lIns="91425" tIns="45700" rIns="91425" bIns="45700" anchor="ctr" anchorCtr="0">
             <a:noAutofit/>
           </a:bodyPr>
           <a:lstStyle>
@@ -1684,15 +1733,19 @@
               <a:defRPr/>
             </a:lvl9pPr>
           </a:lstStyle>
-          <a:p/>
+          <a:p>
+            <a:endParaRPr/>
+          </a:p>
         </p:txBody>
       </p:sp>
       <p:sp>
         <p:nvSpPr>
           <p:cNvPr id="16" name="Google Shape;16;p6"/>
-          <p:cNvSpPr txBox="1"/>
+          <p:cNvSpPr txBox="1">
+            <a:spLocks noGrp="1"/>
+          </p:cNvSpPr>
           <p:nvPr>
-            <p:ph idx="12" type="sldNum"/>
+            <p:ph type="sldNum" idx="12"/>
           </p:nvPr>
         </p:nvSpPr>
         <p:spPr>
@@ -1709,67 +1762,67 @@
           </a:ln>
         </p:spPr>
         <p:txBody>
-          <a:bodyPr anchorCtr="0" anchor="ctr" bIns="45700" lIns="91425" spcFirstLastPara="1" rIns="91425" wrap="square" tIns="45700">
+          <a:bodyPr spcFirstLastPara="1" wrap="square" lIns="91425" tIns="45700" rIns="91425" bIns="45700" anchor="ctr" anchorCtr="0">
             <a:noAutofit/>
           </a:bodyPr>
           <a:lstStyle>
-            <a:lvl1pPr indent="0" lvl="0" marL="0" algn="r">
+            <a:lvl1pPr marL="0" lvl="0" indent="0" algn="r">
               <a:spcBef>
                 <a:spcPts val="0"/>
               </a:spcBef>
               <a:buNone/>
               <a:defRPr/>
             </a:lvl1pPr>
-            <a:lvl2pPr indent="0" lvl="1" marL="0" algn="r">
+            <a:lvl2pPr marL="0" lvl="1" indent="0" algn="r">
               <a:spcBef>
                 <a:spcPts val="0"/>
               </a:spcBef>
               <a:buNone/>
               <a:defRPr/>
             </a:lvl2pPr>
-            <a:lvl3pPr indent="0" lvl="2" marL="0" algn="r">
+            <a:lvl3pPr marL="0" lvl="2" indent="0" algn="r">
               <a:spcBef>
                 <a:spcPts val="0"/>
               </a:spcBef>
               <a:buNone/>
               <a:defRPr/>
             </a:lvl3pPr>
-            <a:lvl4pPr indent="0" lvl="3" marL="0" algn="r">
+            <a:lvl4pPr marL="0" lvl="3" indent="0" algn="r">
               <a:spcBef>
                 <a:spcPts val="0"/>
               </a:spcBef>
               <a:buNone/>
               <a:defRPr/>
             </a:lvl4pPr>
-            <a:lvl5pPr indent="0" lvl="4" marL="0" algn="r">
+            <a:lvl5pPr marL="0" lvl="4" indent="0" algn="r">
               <a:spcBef>
                 <a:spcPts val="0"/>
               </a:spcBef>
               <a:buNone/>
               <a:defRPr/>
             </a:lvl5pPr>
-            <a:lvl6pPr indent="0" lvl="5" marL="0" algn="r">
+            <a:lvl6pPr marL="0" lvl="5" indent="0" algn="r">
               <a:spcBef>
                 <a:spcPts val="0"/>
               </a:spcBef>
               <a:buNone/>
               <a:defRPr/>
             </a:lvl6pPr>
-            <a:lvl7pPr indent="0" lvl="6" marL="0" algn="r">
+            <a:lvl7pPr marL="0" lvl="6" indent="0" algn="r">
               <a:spcBef>
                 <a:spcPts val="0"/>
               </a:spcBef>
               <a:buNone/>
               <a:defRPr/>
             </a:lvl7pPr>
-            <a:lvl8pPr indent="0" lvl="7" marL="0" algn="r">
+            <a:lvl8pPr marL="0" lvl="7" indent="0" algn="r">
               <a:spcBef>
                 <a:spcPts val="0"/>
               </a:spcBef>
               <a:buNone/>
               <a:defRPr/>
             </a:lvl8pPr>
-            <a:lvl9pPr indent="0" lvl="8" marL="0" algn="r">
+            <a:lvl9pPr marL="0" lvl="8" indent="0" algn="r">
               <a:spcBef>
                 <a:spcPts val="0"/>
               </a:spcBef>
@@ -1778,7 +1831,7 @@
             </a:lvl9pPr>
           </a:lstStyle>
           <a:p>
-            <a:pPr indent="0" lvl="0" marL="0" rtl="0" algn="r">
+            <a:pPr marL="0" lvl="0" indent="0" algn="r" rtl="0">
               <a:spcBef>
                 <a:spcPts val="0"/>
               </a:spcBef>
@@ -1804,11 +1857,11 @@
 </file>
 
 <file path=ppt/slideLayouts/slideLayout10.xml><?xml version="1.0" encoding="utf-8"?>
-<p:sldLayout xmlns:a="http://schemas.openxmlformats.org/drawingml/2006/main" xmlns:r="http://schemas.openxmlformats.org/officeDocument/2006/relationships" xmlns:mc="http://schemas.openxmlformats.org/markup-compatibility/2006" xmlns:mv="urn:schemas-microsoft-com:mac:vml" xmlns:p="http://schemas.openxmlformats.org/presentationml/2006/main" xmlns:c="http://schemas.openxmlformats.org/drawingml/2006/chart" xmlns:dgm="http://schemas.openxmlformats.org/drawingml/2006/diagram" xmlns:o="urn:schemas-microsoft-com:office:office" xmlns:v="urn:schemas-microsoft-com:vml" xmlns:pvml="urn:schemas-microsoft-com:office:powerpoint" xmlns:com="http://schemas.openxmlformats.org/drawingml/2006/compatibility" xmlns:p14="http://schemas.microsoft.com/office/powerpoint/2010/main" xmlns:p15="http://schemas.microsoft.com/office/powerpoint/2012/main" xmlns:ahyp="http://schemas.microsoft.com/office/drawing/2018/hyperlinkcolor" matchingName="Title and Vertical Text" type="vertTx">
+<p:sldLayout xmlns:a="http://schemas.openxmlformats.org/drawingml/2006/main" xmlns:r="http://schemas.openxmlformats.org/officeDocument/2006/relationships" xmlns:p="http://schemas.openxmlformats.org/presentationml/2006/main" matchingName="Title and Vertical Text" type="vertTx">
   <p:cSld name="VERTICAL_TEXT">
     <p:spTree>
       <p:nvGrpSpPr>
-        <p:cNvPr id="68" name="Shape 68"/>
+        <p:cNvPr id="1" name="Shape 68"/>
         <p:cNvGrpSpPr/>
         <p:nvPr/>
       </p:nvGrpSpPr>
@@ -1823,7 +1876,9 @@
       <p:sp>
         <p:nvSpPr>
           <p:cNvPr id="69" name="Google Shape;69;p15"/>
-          <p:cNvSpPr txBox="1"/>
+          <p:cNvSpPr txBox="1">
+            <a:spLocks noGrp="1"/>
+          </p:cNvSpPr>
           <p:nvPr>
             <p:ph type="title"/>
           </p:nvPr>
@@ -1842,7 +1897,7 @@
           </a:ln>
         </p:spPr>
         <p:txBody>
-          <a:bodyPr anchorCtr="0" anchor="ctr" bIns="45700" lIns="91425" spcFirstLastPara="1" rIns="91425" wrap="square" tIns="45700">
+          <a:bodyPr spcFirstLastPara="1" wrap="square" lIns="91425" tIns="45700" rIns="91425" bIns="45700" anchor="ctr" anchorCtr="0">
             <a:normAutofit/>
           </a:bodyPr>
           <a:lstStyle>
@@ -1949,15 +2004,19 @@
               <a:defRPr/>
             </a:lvl9pPr>
           </a:lstStyle>
-          <a:p/>
+          <a:p>
+            <a:endParaRPr/>
+          </a:p>
         </p:txBody>
       </p:sp>
       <p:sp>
         <p:nvSpPr>
           <p:cNvPr id="70" name="Google Shape;70;p15"/>
-          <p:cNvSpPr txBox="1"/>
+          <p:cNvSpPr txBox="1">
+            <a:spLocks noGrp="1"/>
+          </p:cNvSpPr>
           <p:nvPr>
-            <p:ph idx="1" type="body"/>
+            <p:ph type="body" idx="1"/>
           </p:nvPr>
         </p:nvSpPr>
         <p:spPr>
@@ -1974,11 +2033,11 @@
           </a:ln>
         </p:spPr>
         <p:txBody>
-          <a:bodyPr anchorCtr="0" anchor="t" bIns="45700" lIns="91425" spcFirstLastPara="1" rIns="91425" wrap="square" tIns="45700">
+          <a:bodyPr spcFirstLastPara="1" wrap="square" lIns="91425" tIns="45700" rIns="91425" bIns="45700" anchor="t" anchorCtr="0">
             <a:normAutofit/>
           </a:bodyPr>
           <a:lstStyle>
-            <a:lvl1pPr indent="-342900" lvl="0" marL="457200" algn="l">
+            <a:lvl1pPr marL="457200" lvl="0" indent="-342900" algn="l">
               <a:spcBef>
                 <a:spcPts val="360"/>
               </a:spcBef>
@@ -1992,7 +2051,7 @@
               <a:buChar char="•"/>
               <a:defRPr/>
             </a:lvl1pPr>
-            <a:lvl2pPr indent="-342900" lvl="1" marL="914400" algn="l">
+            <a:lvl2pPr marL="914400" lvl="1" indent="-342900" algn="l">
               <a:spcBef>
                 <a:spcPts val="360"/>
               </a:spcBef>
@@ -2006,7 +2065,7 @@
               <a:buChar char="–"/>
               <a:defRPr/>
             </a:lvl2pPr>
-            <a:lvl3pPr indent="-342900" lvl="2" marL="1371600" algn="l">
+            <a:lvl3pPr marL="1371600" lvl="2" indent="-342900" algn="l">
               <a:spcBef>
                 <a:spcPts val="360"/>
               </a:spcBef>
@@ -2020,7 +2079,7 @@
               <a:buChar char="•"/>
               <a:defRPr/>
             </a:lvl3pPr>
-            <a:lvl4pPr indent="-342900" lvl="3" marL="1828800" algn="l">
+            <a:lvl4pPr marL="1828800" lvl="3" indent="-342900" algn="l">
               <a:spcBef>
                 <a:spcPts val="360"/>
               </a:spcBef>
@@ -2034,7 +2093,7 @@
               <a:buChar char="–"/>
               <a:defRPr/>
             </a:lvl4pPr>
-            <a:lvl5pPr indent="-342900" lvl="4" marL="2286000" algn="l">
+            <a:lvl5pPr marL="2286000" lvl="4" indent="-342900" algn="l">
               <a:spcBef>
                 <a:spcPts val="360"/>
               </a:spcBef>
@@ -2048,7 +2107,7 @@
               <a:buChar char="»"/>
               <a:defRPr/>
             </a:lvl5pPr>
-            <a:lvl6pPr indent="-342900" lvl="5" marL="2743200" algn="l">
+            <a:lvl6pPr marL="2743200" lvl="5" indent="-342900" algn="l">
               <a:spcBef>
                 <a:spcPts val="360"/>
               </a:spcBef>
@@ -2062,7 +2121,7 @@
               <a:buChar char="•"/>
               <a:defRPr/>
             </a:lvl6pPr>
-            <a:lvl7pPr indent="-342900" lvl="6" marL="3200400" algn="l">
+            <a:lvl7pPr marL="3200400" lvl="6" indent="-342900" algn="l">
               <a:spcBef>
                 <a:spcPts val="360"/>
               </a:spcBef>
@@ -2076,7 +2135,7 @@
               <a:buChar char="•"/>
               <a:defRPr/>
             </a:lvl7pPr>
-            <a:lvl8pPr indent="-342900" lvl="7" marL="3657600" algn="l">
+            <a:lvl8pPr marL="3657600" lvl="7" indent="-342900" algn="l">
               <a:spcBef>
                 <a:spcPts val="360"/>
               </a:spcBef>
@@ -2090,7 +2149,7 @@
               <a:buChar char="•"/>
               <a:defRPr/>
             </a:lvl8pPr>
-            <a:lvl9pPr indent="-342900" lvl="8" marL="4114800" algn="l">
+            <a:lvl9pPr marL="4114800" lvl="8" indent="-342900" algn="l">
               <a:spcBef>
                 <a:spcPts val="360"/>
               </a:spcBef>
@@ -2105,15 +2164,19 @@
               <a:defRPr/>
             </a:lvl9pPr>
           </a:lstStyle>
-          <a:p/>
+          <a:p>
+            <a:endParaRPr/>
+          </a:p>
         </p:txBody>
       </p:sp>
       <p:sp>
         <p:nvSpPr>
           <p:cNvPr id="71" name="Google Shape;71;p15"/>
-          <p:cNvSpPr txBox="1"/>
+          <p:cNvSpPr txBox="1">
+            <a:spLocks noGrp="1"/>
+          </p:cNvSpPr>
           <p:nvPr>
-            <p:ph idx="10" type="dt"/>
+            <p:ph type="dt" idx="10"/>
           </p:nvPr>
         </p:nvSpPr>
         <p:spPr>
@@ -2130,7 +2193,7 @@
           </a:ln>
         </p:spPr>
         <p:txBody>
-          <a:bodyPr anchorCtr="0" anchor="ctr" bIns="45700" lIns="91425" spcFirstLastPara="1" rIns="91425" wrap="square" tIns="45700">
+          <a:bodyPr spcFirstLastPara="1" wrap="square" lIns="91425" tIns="45700" rIns="91425" bIns="45700" anchor="ctr" anchorCtr="0">
             <a:noAutofit/>
           </a:bodyPr>
           <a:lstStyle>
@@ -2234,15 +2297,19 @@
               <a:defRPr/>
             </a:lvl9pPr>
           </a:lstStyle>
-          <a:p/>
+          <a:p>
+            <a:endParaRPr/>
+          </a:p>
         </p:txBody>
       </p:sp>
       <p:sp>
         <p:nvSpPr>
           <p:cNvPr id="72" name="Google Shape;72;p15"/>
-          <p:cNvSpPr txBox="1"/>
+          <p:cNvSpPr txBox="1">
+            <a:spLocks noGrp="1"/>
+          </p:cNvSpPr>
           <p:nvPr>
-            <p:ph idx="11" type="ftr"/>
+            <p:ph type="ftr" idx="11"/>
           </p:nvPr>
         </p:nvSpPr>
         <p:spPr>
@@ -2259,7 +2326,7 @@
           </a:ln>
         </p:spPr>
         <p:txBody>
-          <a:bodyPr anchorCtr="0" anchor="ctr" bIns="45700" lIns="91425" spcFirstLastPara="1" rIns="91425" wrap="square" tIns="45700">
+          <a:bodyPr spcFirstLastPara="1" wrap="square" lIns="91425" tIns="45700" rIns="91425" bIns="45700" anchor="ctr" anchorCtr="0">
             <a:noAutofit/>
           </a:bodyPr>
           <a:lstStyle>
@@ -2363,15 +2430,19 @@
               <a:defRPr/>
             </a:lvl9pPr>
           </a:lstStyle>
-          <a:p/>
+          <a:p>
+            <a:endParaRPr/>
+          </a:p>
         </p:txBody>
       </p:sp>
       <p:sp>
         <p:nvSpPr>
           <p:cNvPr id="73" name="Google Shape;73;p15"/>
-          <p:cNvSpPr txBox="1"/>
+          <p:cNvSpPr txBox="1">
+            <a:spLocks noGrp="1"/>
+          </p:cNvSpPr>
           <p:nvPr>
-            <p:ph idx="12" type="sldNum"/>
+            <p:ph type="sldNum" idx="12"/>
           </p:nvPr>
         </p:nvSpPr>
         <p:spPr>
@@ -2388,67 +2459,67 @@
           </a:ln>
         </p:spPr>
         <p:txBody>
-          <a:bodyPr anchorCtr="0" anchor="ctr" bIns="45700" lIns="91425" spcFirstLastPara="1" rIns="91425" wrap="square" tIns="45700">
+          <a:bodyPr spcFirstLastPara="1" wrap="square" lIns="91425" tIns="45700" rIns="91425" bIns="45700" anchor="ctr" anchorCtr="0">
             <a:noAutofit/>
           </a:bodyPr>
           <a:lstStyle>
-            <a:lvl1pPr indent="0" lvl="0" marL="0" algn="r">
+            <a:lvl1pPr marL="0" lvl="0" indent="0" algn="r">
               <a:spcBef>
                 <a:spcPts val="0"/>
               </a:spcBef>
               <a:buNone/>
               <a:defRPr/>
             </a:lvl1pPr>
-            <a:lvl2pPr indent="0" lvl="1" marL="0" algn="r">
+            <a:lvl2pPr marL="0" lvl="1" indent="0" algn="r">
               <a:spcBef>
                 <a:spcPts val="0"/>
               </a:spcBef>
               <a:buNone/>
               <a:defRPr/>
             </a:lvl2pPr>
-            <a:lvl3pPr indent="0" lvl="2" marL="0" algn="r">
+            <a:lvl3pPr marL="0" lvl="2" indent="0" algn="r">
               <a:spcBef>
                 <a:spcPts val="0"/>
               </a:spcBef>
               <a:buNone/>
               <a:defRPr/>
             </a:lvl3pPr>
-            <a:lvl4pPr indent="0" lvl="3" marL="0" algn="r">
+            <a:lvl4pPr marL="0" lvl="3" indent="0" algn="r">
               <a:spcBef>
                 <a:spcPts val="0"/>
               </a:spcBef>
               <a:buNone/>
               <a:defRPr/>
             </a:lvl4pPr>
-            <a:lvl5pPr indent="0" lvl="4" marL="0" algn="r">
+            <a:lvl5pPr marL="0" lvl="4" indent="0" algn="r">
               <a:spcBef>
                 <a:spcPts val="0"/>
               </a:spcBef>
               <a:buNone/>
               <a:defRPr/>
             </a:lvl5pPr>
-            <a:lvl6pPr indent="0" lvl="5" marL="0" algn="r">
+            <a:lvl6pPr marL="0" lvl="5" indent="0" algn="r">
               <a:spcBef>
                 <a:spcPts val="0"/>
               </a:spcBef>
               <a:buNone/>
               <a:defRPr/>
             </a:lvl6pPr>
-            <a:lvl7pPr indent="0" lvl="6" marL="0" algn="r">
+            <a:lvl7pPr marL="0" lvl="6" indent="0" algn="r">
               <a:spcBef>
                 <a:spcPts val="0"/>
               </a:spcBef>
               <a:buNone/>
               <a:defRPr/>
             </a:lvl7pPr>
-            <a:lvl8pPr indent="0" lvl="7" marL="0" algn="r">
+            <a:lvl8pPr marL="0" lvl="7" indent="0" algn="r">
               <a:spcBef>
                 <a:spcPts val="0"/>
               </a:spcBef>
               <a:buNone/>
               <a:defRPr/>
             </a:lvl8pPr>
-            <a:lvl9pPr indent="0" lvl="8" marL="0" algn="r">
+            <a:lvl9pPr marL="0" lvl="8" indent="0" algn="r">
               <a:spcBef>
                 <a:spcPts val="0"/>
               </a:spcBef>
@@ -2457,7 +2528,7 @@
             </a:lvl9pPr>
           </a:lstStyle>
           <a:p>
-            <a:pPr indent="0" lvl="0" marL="0" rtl="0" algn="r">
+            <a:pPr marL="0" lvl="0" indent="0" algn="r" rtl="0">
               <a:spcBef>
                 <a:spcPts val="0"/>
               </a:spcBef>
@@ -2483,11 +2554,11 @@
 </file>
 
 <file path=ppt/slideLayouts/slideLayout11.xml><?xml version="1.0" encoding="utf-8"?>
-<p:sldLayout xmlns:a="http://schemas.openxmlformats.org/drawingml/2006/main" xmlns:r="http://schemas.openxmlformats.org/officeDocument/2006/relationships" xmlns:mc="http://schemas.openxmlformats.org/markup-compatibility/2006" xmlns:mv="urn:schemas-microsoft-com:mac:vml" xmlns:p="http://schemas.openxmlformats.org/presentationml/2006/main" xmlns:c="http://schemas.openxmlformats.org/drawingml/2006/chart" xmlns:dgm="http://schemas.openxmlformats.org/drawingml/2006/diagram" xmlns:o="urn:schemas-microsoft-com:office:office" xmlns:v="urn:schemas-microsoft-com:vml" xmlns:pvml="urn:schemas-microsoft-com:office:powerpoint" xmlns:com="http://schemas.openxmlformats.org/drawingml/2006/compatibility" xmlns:p14="http://schemas.microsoft.com/office/powerpoint/2010/main" xmlns:p15="http://schemas.microsoft.com/office/powerpoint/2012/main" xmlns:ahyp="http://schemas.microsoft.com/office/drawing/2018/hyperlinkcolor" matchingName="Vertical Title and Text" type="vertTitleAndTx">
+<p:sldLayout xmlns:a="http://schemas.openxmlformats.org/drawingml/2006/main" xmlns:r="http://schemas.openxmlformats.org/officeDocument/2006/relationships" xmlns:p="http://schemas.openxmlformats.org/presentationml/2006/main" matchingName="Vertical Title and Text" type="vertTitleAndTx">
   <p:cSld name="VERTICAL_TITLE_AND_VERTICAL_TEXT">
     <p:spTree>
       <p:nvGrpSpPr>
-        <p:cNvPr id="74" name="Shape 74"/>
+        <p:cNvPr id="1" name="Shape 74"/>
         <p:cNvGrpSpPr/>
         <p:nvPr/>
       </p:nvGrpSpPr>
@@ -2502,7 +2573,9 @@
       <p:sp>
         <p:nvSpPr>
           <p:cNvPr id="75" name="Google Shape;75;p16"/>
-          <p:cNvSpPr txBox="1"/>
+          <p:cNvSpPr txBox="1">
+            <a:spLocks noGrp="1"/>
+          </p:cNvSpPr>
           <p:nvPr>
             <p:ph type="title"/>
           </p:nvPr>
@@ -2521,7 +2594,7 @@
           </a:ln>
         </p:spPr>
         <p:txBody>
-          <a:bodyPr anchorCtr="0" anchor="ctr" bIns="45700" lIns="91425" spcFirstLastPara="1" rIns="91425" wrap="square" tIns="45700">
+          <a:bodyPr spcFirstLastPara="1" wrap="square" lIns="91425" tIns="45700" rIns="91425" bIns="45700" anchor="ctr" anchorCtr="0">
             <a:normAutofit/>
           </a:bodyPr>
           <a:lstStyle>
@@ -2628,15 +2701,19 @@
               <a:defRPr/>
             </a:lvl9pPr>
           </a:lstStyle>
-          <a:p/>
+          <a:p>
+            <a:endParaRPr/>
+          </a:p>
         </p:txBody>
       </p:sp>
       <p:sp>
         <p:nvSpPr>
           <p:cNvPr id="76" name="Google Shape;76;p16"/>
-          <p:cNvSpPr txBox="1"/>
+          <p:cNvSpPr txBox="1">
+            <a:spLocks noGrp="1"/>
+          </p:cNvSpPr>
           <p:nvPr>
-            <p:ph idx="1" type="body"/>
+            <p:ph type="body" idx="1"/>
           </p:nvPr>
         </p:nvSpPr>
         <p:spPr>
@@ -2653,11 +2730,11 @@
           </a:ln>
         </p:spPr>
         <p:txBody>
-          <a:bodyPr anchorCtr="0" anchor="t" bIns="45700" lIns="91425" spcFirstLastPara="1" rIns="91425" wrap="square" tIns="45700">
+          <a:bodyPr spcFirstLastPara="1" wrap="square" lIns="91425" tIns="45700" rIns="91425" bIns="45700" anchor="t" anchorCtr="0">
             <a:normAutofit/>
           </a:bodyPr>
           <a:lstStyle>
-            <a:lvl1pPr indent="-342900" lvl="0" marL="457200" algn="l">
+            <a:lvl1pPr marL="457200" lvl="0" indent="-342900" algn="l">
               <a:spcBef>
                 <a:spcPts val="360"/>
               </a:spcBef>
@@ -2671,7 +2748,7 @@
               <a:buChar char="•"/>
               <a:defRPr/>
             </a:lvl1pPr>
-            <a:lvl2pPr indent="-342900" lvl="1" marL="914400" algn="l">
+            <a:lvl2pPr marL="914400" lvl="1" indent="-342900" algn="l">
               <a:spcBef>
                 <a:spcPts val="360"/>
               </a:spcBef>
@@ -2685,7 +2762,7 @@
               <a:buChar char="–"/>
               <a:defRPr/>
             </a:lvl2pPr>
-            <a:lvl3pPr indent="-342900" lvl="2" marL="1371600" algn="l">
+            <a:lvl3pPr marL="1371600" lvl="2" indent="-342900" algn="l">
               <a:spcBef>
                 <a:spcPts val="360"/>
               </a:spcBef>
@@ -2699,7 +2776,7 @@
               <a:buChar char="•"/>
               <a:defRPr/>
             </a:lvl3pPr>
-            <a:lvl4pPr indent="-342900" lvl="3" marL="1828800" algn="l">
+            <a:lvl4pPr marL="1828800" lvl="3" indent="-342900" algn="l">
               <a:spcBef>
                 <a:spcPts val="360"/>
               </a:spcBef>
@@ -2713,7 +2790,7 @@
               <a:buChar char="–"/>
               <a:defRPr/>
             </a:lvl4pPr>
-            <a:lvl5pPr indent="-342900" lvl="4" marL="2286000" algn="l">
+            <a:lvl5pPr marL="2286000" lvl="4" indent="-342900" algn="l">
               <a:spcBef>
                 <a:spcPts val="360"/>
               </a:spcBef>
@@ -2727,7 +2804,7 @@
               <a:buChar char="»"/>
               <a:defRPr/>
             </a:lvl5pPr>
-            <a:lvl6pPr indent="-342900" lvl="5" marL="2743200" algn="l">
+            <a:lvl6pPr marL="2743200" lvl="5" indent="-342900" algn="l">
               <a:spcBef>
                 <a:spcPts val="360"/>
               </a:spcBef>
@@ -2741,7 +2818,7 @@
               <a:buChar char="•"/>
               <a:defRPr/>
             </a:lvl6pPr>
-            <a:lvl7pPr indent="-342900" lvl="6" marL="3200400" algn="l">
+            <a:lvl7pPr marL="3200400" lvl="6" indent="-342900" algn="l">
               <a:spcBef>
                 <a:spcPts val="360"/>
               </a:spcBef>
@@ -2755,7 +2832,7 @@
               <a:buChar char="•"/>
               <a:defRPr/>
             </a:lvl7pPr>
-            <a:lvl8pPr indent="-342900" lvl="7" marL="3657600" algn="l">
+            <a:lvl8pPr marL="3657600" lvl="7" indent="-342900" algn="l">
               <a:spcBef>
                 <a:spcPts val="360"/>
               </a:spcBef>
@@ -2769,7 +2846,7 @@
               <a:buChar char="•"/>
               <a:defRPr/>
             </a:lvl8pPr>
-            <a:lvl9pPr indent="-342900" lvl="8" marL="4114800" algn="l">
+            <a:lvl9pPr marL="4114800" lvl="8" indent="-342900" algn="l">
               <a:spcBef>
                 <a:spcPts val="360"/>
               </a:spcBef>
@@ -2784,15 +2861,19 @@
               <a:defRPr/>
             </a:lvl9pPr>
           </a:lstStyle>
-          <a:p/>
+          <a:p>
+            <a:endParaRPr/>
+          </a:p>
         </p:txBody>
       </p:sp>
       <p:sp>
         <p:nvSpPr>
           <p:cNvPr id="77" name="Google Shape;77;p16"/>
-          <p:cNvSpPr txBox="1"/>
+          <p:cNvSpPr txBox="1">
+            <a:spLocks noGrp="1"/>
+          </p:cNvSpPr>
           <p:nvPr>
-            <p:ph idx="10" type="dt"/>
+            <p:ph type="dt" idx="10"/>
           </p:nvPr>
         </p:nvSpPr>
         <p:spPr>
@@ -2809,7 +2890,7 @@
           </a:ln>
         </p:spPr>
         <p:txBody>
-          <a:bodyPr anchorCtr="0" anchor="ctr" bIns="45700" lIns="91425" spcFirstLastPara="1" rIns="91425" wrap="square" tIns="45700">
+          <a:bodyPr spcFirstLastPara="1" wrap="square" lIns="91425" tIns="45700" rIns="91425" bIns="45700" anchor="ctr" anchorCtr="0">
             <a:noAutofit/>
           </a:bodyPr>
           <a:lstStyle>
@@ -2913,15 +2994,19 @@
               <a:defRPr/>
             </a:lvl9pPr>
           </a:lstStyle>
-          <a:p/>
+          <a:p>
+            <a:endParaRPr/>
+          </a:p>
         </p:txBody>
       </p:sp>
       <p:sp>
         <p:nvSpPr>
           <p:cNvPr id="78" name="Google Shape;78;p16"/>
-          <p:cNvSpPr txBox="1"/>
+          <p:cNvSpPr txBox="1">
+            <a:spLocks noGrp="1"/>
+          </p:cNvSpPr>
           <p:nvPr>
-            <p:ph idx="11" type="ftr"/>
+            <p:ph type="ftr" idx="11"/>
           </p:nvPr>
         </p:nvSpPr>
         <p:spPr>
@@ -2938,7 +3023,7 @@
           </a:ln>
         </p:spPr>
         <p:txBody>
-          <a:bodyPr anchorCtr="0" anchor="ctr" bIns="45700" lIns="91425" spcFirstLastPara="1" rIns="91425" wrap="square" tIns="45700">
+          <a:bodyPr spcFirstLastPara="1" wrap="square" lIns="91425" tIns="45700" rIns="91425" bIns="45700" anchor="ctr" anchorCtr="0">
             <a:noAutofit/>
           </a:bodyPr>
           <a:lstStyle>
@@ -3042,15 +3127,19 @@
               <a:defRPr/>
             </a:lvl9pPr>
           </a:lstStyle>
-          <a:p/>
+          <a:p>
+            <a:endParaRPr/>
+          </a:p>
         </p:txBody>
       </p:sp>
       <p:sp>
         <p:nvSpPr>
           <p:cNvPr id="79" name="Google Shape;79;p16"/>
-          <p:cNvSpPr txBox="1"/>
+          <p:cNvSpPr txBox="1">
+            <a:spLocks noGrp="1"/>
+          </p:cNvSpPr>
           <p:nvPr>
-            <p:ph idx="12" type="sldNum"/>
+            <p:ph type="sldNum" idx="12"/>
           </p:nvPr>
         </p:nvSpPr>
         <p:spPr>
@@ -3067,67 +3156,67 @@
           </a:ln>
         </p:spPr>
         <p:txBody>
-          <a:bodyPr anchorCtr="0" anchor="ctr" bIns="45700" lIns="91425" spcFirstLastPara="1" rIns="91425" wrap="square" tIns="45700">
+          <a:bodyPr spcFirstLastPara="1" wrap="square" lIns="91425" tIns="45700" rIns="91425" bIns="45700" anchor="ctr" anchorCtr="0">
             <a:noAutofit/>
           </a:bodyPr>
           <a:lstStyle>
-            <a:lvl1pPr indent="0" lvl="0" marL="0" algn="r">
+            <a:lvl1pPr marL="0" lvl="0" indent="0" algn="r">
               <a:spcBef>
                 <a:spcPts val="0"/>
               </a:spcBef>
               <a:buNone/>
               <a:defRPr/>
             </a:lvl1pPr>
-            <a:lvl2pPr indent="0" lvl="1" marL="0" algn="r">
+            <a:lvl2pPr marL="0" lvl="1" indent="0" algn="r">
               <a:spcBef>
                 <a:spcPts val="0"/>
               </a:spcBef>
               <a:buNone/>
               <a:defRPr/>
             </a:lvl2pPr>
-            <a:lvl3pPr indent="0" lvl="2" marL="0" algn="r">
+            <a:lvl3pPr marL="0" lvl="2" indent="0" algn="r">
               <a:spcBef>
                 <a:spcPts val="0"/>
               </a:spcBef>
               <a:buNone/>
               <a:defRPr/>
             </a:lvl3pPr>
-            <a:lvl4pPr indent="0" lvl="3" marL="0" algn="r">
+            <a:lvl4pPr marL="0" lvl="3" indent="0" algn="r">
               <a:spcBef>
                 <a:spcPts val="0"/>
               </a:spcBef>
               <a:buNone/>
               <a:defRPr/>
             </a:lvl4pPr>
-            <a:lvl5pPr indent="0" lvl="4" marL="0" algn="r">
+            <a:lvl5pPr marL="0" lvl="4" indent="0" algn="r">
               <a:spcBef>
                 <a:spcPts val="0"/>
               </a:spcBef>
               <a:buNone/>
               <a:defRPr/>
             </a:lvl5pPr>
-            <a:lvl6pPr indent="0" lvl="5" marL="0" algn="r">
+            <a:lvl6pPr marL="0" lvl="5" indent="0" algn="r">
               <a:spcBef>
                 <a:spcPts val="0"/>
               </a:spcBef>
               <a:buNone/>
               <a:defRPr/>
             </a:lvl6pPr>
-            <a:lvl7pPr indent="0" lvl="6" marL="0" algn="r">
+            <a:lvl7pPr marL="0" lvl="6" indent="0" algn="r">
               <a:spcBef>
                 <a:spcPts val="0"/>
               </a:spcBef>
               <a:buNone/>
               <a:defRPr/>
             </a:lvl7pPr>
-            <a:lvl8pPr indent="0" lvl="7" marL="0" algn="r">
+            <a:lvl8pPr marL="0" lvl="7" indent="0" algn="r">
               <a:spcBef>
                 <a:spcPts val="0"/>
               </a:spcBef>
               <a:buNone/>
               <a:defRPr/>
             </a:lvl8pPr>
-            <a:lvl9pPr indent="0" lvl="8" marL="0" algn="r">
+            <a:lvl9pPr marL="0" lvl="8" indent="0" algn="r">
               <a:spcBef>
                 <a:spcPts val="0"/>
               </a:spcBef>
@@ -3136,7 +3225,7 @@
             </a:lvl9pPr>
           </a:lstStyle>
           <a:p>
-            <a:pPr indent="0" lvl="0" marL="0" rtl="0" algn="r">
+            <a:pPr marL="0" lvl="0" indent="0" algn="r" rtl="0">
               <a:spcBef>
                 <a:spcPts val="0"/>
               </a:spcBef>
@@ -3162,11 +3251,11 @@
 </file>
 
 <file path=ppt/slideLayouts/slideLayout2.xml><?xml version="1.0" encoding="utf-8"?>
-<p:sldLayout xmlns:a="http://schemas.openxmlformats.org/drawingml/2006/main" xmlns:r="http://schemas.openxmlformats.org/officeDocument/2006/relationships" xmlns:mc="http://schemas.openxmlformats.org/markup-compatibility/2006" xmlns:mv="urn:schemas-microsoft-com:mac:vml" xmlns:p="http://schemas.openxmlformats.org/presentationml/2006/main" xmlns:c="http://schemas.openxmlformats.org/drawingml/2006/chart" xmlns:dgm="http://schemas.openxmlformats.org/drawingml/2006/diagram" xmlns:o="urn:schemas-microsoft-com:office:office" xmlns:v="urn:schemas-microsoft-com:vml" xmlns:pvml="urn:schemas-microsoft-com:office:powerpoint" xmlns:com="http://schemas.openxmlformats.org/drawingml/2006/compatibility" xmlns:p14="http://schemas.microsoft.com/office/powerpoint/2010/main" xmlns:p15="http://schemas.microsoft.com/office/powerpoint/2012/main" xmlns:ahyp="http://schemas.microsoft.com/office/drawing/2018/hyperlinkcolor" matchingName="Title and Content" type="obj">
+<p:sldLayout xmlns:a="http://schemas.openxmlformats.org/drawingml/2006/main" xmlns:r="http://schemas.openxmlformats.org/officeDocument/2006/relationships" xmlns:p="http://schemas.openxmlformats.org/presentationml/2006/main" matchingName="Title and Content" type="obj">
   <p:cSld name="OBJECT">
     <p:spTree>
       <p:nvGrpSpPr>
-        <p:cNvPr id="17" name="Shape 17"/>
+        <p:cNvPr id="1" name="Shape 17"/>
         <p:cNvGrpSpPr/>
         <p:nvPr/>
       </p:nvGrpSpPr>
@@ -3181,7 +3270,9 @@
       <p:sp>
         <p:nvSpPr>
           <p:cNvPr id="18" name="Google Shape;18;p7"/>
-          <p:cNvSpPr txBox="1"/>
+          <p:cNvSpPr txBox="1">
+            <a:spLocks noGrp="1"/>
+          </p:cNvSpPr>
           <p:nvPr>
             <p:ph type="title"/>
           </p:nvPr>
@@ -3200,7 +3291,7 @@
           </a:ln>
         </p:spPr>
         <p:txBody>
-          <a:bodyPr anchorCtr="0" anchor="ctr" bIns="45700" lIns="91425" spcFirstLastPara="1" rIns="91425" wrap="square" tIns="45700">
+          <a:bodyPr spcFirstLastPara="1" wrap="square" lIns="91425" tIns="45700" rIns="91425" bIns="45700" anchor="ctr" anchorCtr="0">
             <a:normAutofit/>
           </a:bodyPr>
           <a:lstStyle>
@@ -3307,15 +3398,19 @@
               <a:defRPr/>
             </a:lvl9pPr>
           </a:lstStyle>
-          <a:p/>
+          <a:p>
+            <a:endParaRPr/>
+          </a:p>
         </p:txBody>
       </p:sp>
       <p:sp>
         <p:nvSpPr>
           <p:cNvPr id="19" name="Google Shape;19;p7"/>
-          <p:cNvSpPr txBox="1"/>
+          <p:cNvSpPr txBox="1">
+            <a:spLocks noGrp="1"/>
+          </p:cNvSpPr>
           <p:nvPr>
-            <p:ph idx="1" type="body"/>
+            <p:ph type="body" idx="1"/>
           </p:nvPr>
         </p:nvSpPr>
         <p:spPr>
@@ -3332,11 +3427,11 @@
           </a:ln>
         </p:spPr>
         <p:txBody>
-          <a:bodyPr anchorCtr="0" anchor="t" bIns="45700" lIns="91425" spcFirstLastPara="1" rIns="91425" wrap="square" tIns="45700">
+          <a:bodyPr spcFirstLastPara="1" wrap="square" lIns="91425" tIns="45700" rIns="91425" bIns="45700" anchor="t" anchorCtr="0">
             <a:normAutofit/>
           </a:bodyPr>
           <a:lstStyle>
-            <a:lvl1pPr indent="-342900" lvl="0" marL="457200" algn="l">
+            <a:lvl1pPr marL="457200" lvl="0" indent="-342900" algn="l">
               <a:spcBef>
                 <a:spcPts val="360"/>
               </a:spcBef>
@@ -3350,7 +3445,7 @@
               <a:buChar char="•"/>
               <a:defRPr/>
             </a:lvl1pPr>
-            <a:lvl2pPr indent="-342900" lvl="1" marL="914400" algn="l">
+            <a:lvl2pPr marL="914400" lvl="1" indent="-342900" algn="l">
               <a:spcBef>
                 <a:spcPts val="360"/>
               </a:spcBef>
@@ -3364,7 +3459,7 @@
               <a:buChar char="–"/>
               <a:defRPr/>
             </a:lvl2pPr>
-            <a:lvl3pPr indent="-342900" lvl="2" marL="1371600" algn="l">
+            <a:lvl3pPr marL="1371600" lvl="2" indent="-342900" algn="l">
               <a:spcBef>
                 <a:spcPts val="360"/>
               </a:spcBef>
@@ -3378,7 +3473,7 @@
               <a:buChar char="•"/>
               <a:defRPr/>
             </a:lvl3pPr>
-            <a:lvl4pPr indent="-342900" lvl="3" marL="1828800" algn="l">
+            <a:lvl4pPr marL="1828800" lvl="3" indent="-342900" algn="l">
               <a:spcBef>
                 <a:spcPts val="360"/>
               </a:spcBef>
@@ -3392,7 +3487,7 @@
               <a:buChar char="–"/>
               <a:defRPr/>
             </a:lvl4pPr>
-            <a:lvl5pPr indent="-342900" lvl="4" marL="2286000" algn="l">
+            <a:lvl5pPr marL="2286000" lvl="4" indent="-342900" algn="l">
               <a:spcBef>
                 <a:spcPts val="360"/>
               </a:spcBef>
@@ -3406,7 +3501,7 @@
               <a:buChar char="»"/>
               <a:defRPr/>
             </a:lvl5pPr>
-            <a:lvl6pPr indent="-342900" lvl="5" marL="2743200" algn="l">
+            <a:lvl6pPr marL="2743200" lvl="5" indent="-342900" algn="l">
               <a:spcBef>
                 <a:spcPts val="360"/>
               </a:spcBef>
@@ -3420,7 +3515,7 @@
               <a:buChar char="•"/>
               <a:defRPr/>
             </a:lvl6pPr>
-            <a:lvl7pPr indent="-342900" lvl="6" marL="3200400" algn="l">
+            <a:lvl7pPr marL="3200400" lvl="6" indent="-342900" algn="l">
               <a:spcBef>
                 <a:spcPts val="360"/>
               </a:spcBef>
@@ -3434,7 +3529,7 @@
               <a:buChar char="•"/>
               <a:defRPr/>
             </a:lvl7pPr>
-            <a:lvl8pPr indent="-342900" lvl="7" marL="3657600" algn="l">
+            <a:lvl8pPr marL="3657600" lvl="7" indent="-342900" algn="l">
               <a:spcBef>
                 <a:spcPts val="360"/>
               </a:spcBef>
@@ -3448,7 +3543,7 @@
               <a:buChar char="•"/>
               <a:defRPr/>
             </a:lvl8pPr>
-            <a:lvl9pPr indent="-342900" lvl="8" marL="4114800" algn="l">
+            <a:lvl9pPr marL="4114800" lvl="8" indent="-342900" algn="l">
               <a:spcBef>
                 <a:spcPts val="360"/>
               </a:spcBef>
@@ -3463,15 +3558,19 @@
               <a:defRPr/>
             </a:lvl9pPr>
           </a:lstStyle>
-          <a:p/>
+          <a:p>
+            <a:endParaRPr/>
+          </a:p>
         </p:txBody>
       </p:sp>
       <p:sp>
         <p:nvSpPr>
           <p:cNvPr id="20" name="Google Shape;20;p7"/>
-          <p:cNvSpPr txBox="1"/>
+          <p:cNvSpPr txBox="1">
+            <a:spLocks noGrp="1"/>
+          </p:cNvSpPr>
           <p:nvPr>
-            <p:ph idx="10" type="dt"/>
+            <p:ph type="dt" idx="10"/>
           </p:nvPr>
         </p:nvSpPr>
         <p:spPr>
@@ -3488,7 +3587,7 @@
           </a:ln>
         </p:spPr>
         <p:txBody>
-          <a:bodyPr anchorCtr="0" anchor="ctr" bIns="45700" lIns="91425" spcFirstLastPara="1" rIns="91425" wrap="square" tIns="45700">
+          <a:bodyPr spcFirstLastPara="1" wrap="square" lIns="91425" tIns="45700" rIns="91425" bIns="45700" anchor="ctr" anchorCtr="0">
             <a:noAutofit/>
           </a:bodyPr>
           <a:lstStyle>
@@ -3592,15 +3691,19 @@
               <a:defRPr/>
             </a:lvl9pPr>
           </a:lstStyle>
-          <a:p/>
+          <a:p>
+            <a:endParaRPr/>
+          </a:p>
         </p:txBody>
       </p:sp>
       <p:sp>
         <p:nvSpPr>
           <p:cNvPr id="21" name="Google Shape;21;p7"/>
-          <p:cNvSpPr txBox="1"/>
+          <p:cNvSpPr txBox="1">
+            <a:spLocks noGrp="1"/>
+          </p:cNvSpPr>
           <p:nvPr>
-            <p:ph idx="11" type="ftr"/>
+            <p:ph type="ftr" idx="11"/>
           </p:nvPr>
         </p:nvSpPr>
         <p:spPr>
@@ -3617,7 +3720,7 @@
           </a:ln>
         </p:spPr>
         <p:txBody>
-          <a:bodyPr anchorCtr="0" anchor="ctr" bIns="45700" lIns="91425" spcFirstLastPara="1" rIns="91425" wrap="square" tIns="45700">
+          <a:bodyPr spcFirstLastPara="1" wrap="square" lIns="91425" tIns="45700" rIns="91425" bIns="45700" anchor="ctr" anchorCtr="0">
             <a:noAutofit/>
           </a:bodyPr>
           <a:lstStyle>
@@ -3721,15 +3824,19 @@
               <a:defRPr/>
             </a:lvl9pPr>
           </a:lstStyle>
-          <a:p/>
+          <a:p>
+            <a:endParaRPr/>
+          </a:p>
         </p:txBody>
       </p:sp>
       <p:sp>
         <p:nvSpPr>
           <p:cNvPr id="22" name="Google Shape;22;p7"/>
-          <p:cNvSpPr txBox="1"/>
+          <p:cNvSpPr txBox="1">
+            <a:spLocks noGrp="1"/>
+          </p:cNvSpPr>
           <p:nvPr>
-            <p:ph idx="12" type="sldNum"/>
+            <p:ph type="sldNum" idx="12"/>
           </p:nvPr>
         </p:nvSpPr>
         <p:spPr>
@@ -3746,67 +3853,67 @@
           </a:ln>
         </p:spPr>
         <p:txBody>
-          <a:bodyPr anchorCtr="0" anchor="ctr" bIns="45700" lIns="91425" spcFirstLastPara="1" rIns="91425" wrap="square" tIns="45700">
+          <a:bodyPr spcFirstLastPara="1" wrap="square" lIns="91425" tIns="45700" rIns="91425" bIns="45700" anchor="ctr" anchorCtr="0">
             <a:noAutofit/>
           </a:bodyPr>
           <a:lstStyle>
-            <a:lvl1pPr indent="0" lvl="0" marL="0" algn="r">
+            <a:lvl1pPr marL="0" lvl="0" indent="0" algn="r">
               <a:spcBef>
                 <a:spcPts val="0"/>
               </a:spcBef>
               <a:buNone/>
               <a:defRPr/>
             </a:lvl1pPr>
-            <a:lvl2pPr indent="0" lvl="1" marL="0" algn="r">
+            <a:lvl2pPr marL="0" lvl="1" indent="0" algn="r">
               <a:spcBef>
                 <a:spcPts val="0"/>
               </a:spcBef>
               <a:buNone/>
               <a:defRPr/>
             </a:lvl2pPr>
-            <a:lvl3pPr indent="0" lvl="2" marL="0" algn="r">
+            <a:lvl3pPr marL="0" lvl="2" indent="0" algn="r">
               <a:spcBef>
                 <a:spcPts val="0"/>
               </a:spcBef>
               <a:buNone/>
               <a:defRPr/>
             </a:lvl3pPr>
-            <a:lvl4pPr indent="0" lvl="3" marL="0" algn="r">
+            <a:lvl4pPr marL="0" lvl="3" indent="0" algn="r">
               <a:spcBef>
                 <a:spcPts val="0"/>
               </a:spcBef>
               <a:buNone/>
               <a:defRPr/>
             </a:lvl4pPr>
-            <a:lvl5pPr indent="0" lvl="4" marL="0" algn="r">
+            <a:lvl5pPr marL="0" lvl="4" indent="0" algn="r">
               <a:spcBef>
                 <a:spcPts val="0"/>
               </a:spcBef>
               <a:buNone/>
               <a:defRPr/>
             </a:lvl5pPr>
-            <a:lvl6pPr indent="0" lvl="5" marL="0" algn="r">
+            <a:lvl6pPr marL="0" lvl="5" indent="0" algn="r">
               <a:spcBef>
                 <a:spcPts val="0"/>
               </a:spcBef>
               <a:buNone/>
               <a:defRPr/>
             </a:lvl6pPr>
-            <a:lvl7pPr indent="0" lvl="6" marL="0" algn="r">
+            <a:lvl7pPr marL="0" lvl="6" indent="0" algn="r">
               <a:spcBef>
                 <a:spcPts val="0"/>
               </a:spcBef>
               <a:buNone/>
               <a:defRPr/>
             </a:lvl7pPr>
-            <a:lvl8pPr indent="0" lvl="7" marL="0" algn="r">
+            <a:lvl8pPr marL="0" lvl="7" indent="0" algn="r">
               <a:spcBef>
                 <a:spcPts val="0"/>
               </a:spcBef>
               <a:buNone/>
               <a:defRPr/>
             </a:lvl8pPr>
-            <a:lvl9pPr indent="0" lvl="8" marL="0" algn="r">
+            <a:lvl9pPr marL="0" lvl="8" indent="0" algn="r">
               <a:spcBef>
                 <a:spcPts val="0"/>
               </a:spcBef>
@@ -3815,7 +3922,7 @@
             </a:lvl9pPr>
           </a:lstStyle>
           <a:p>
-            <a:pPr indent="0" lvl="0" marL="0" rtl="0" algn="r">
+            <a:pPr marL="0" lvl="0" indent="0" algn="r" rtl="0">
               <a:spcBef>
                 <a:spcPts val="0"/>
               </a:spcBef>
@@ -3841,11 +3948,11 @@
 </file>
 
 <file path=ppt/slideLayouts/slideLayout3.xml><?xml version="1.0" encoding="utf-8"?>
-<p:sldLayout xmlns:a="http://schemas.openxmlformats.org/drawingml/2006/main" xmlns:r="http://schemas.openxmlformats.org/officeDocument/2006/relationships" xmlns:mc="http://schemas.openxmlformats.org/markup-compatibility/2006" xmlns:mv="urn:schemas-microsoft-com:mac:vml" xmlns:p="http://schemas.openxmlformats.org/presentationml/2006/main" xmlns:c="http://schemas.openxmlformats.org/drawingml/2006/chart" xmlns:dgm="http://schemas.openxmlformats.org/drawingml/2006/diagram" xmlns:o="urn:schemas-microsoft-com:office:office" xmlns:v="urn:schemas-microsoft-com:vml" xmlns:pvml="urn:schemas-microsoft-com:office:powerpoint" xmlns:com="http://schemas.openxmlformats.org/drawingml/2006/compatibility" xmlns:p14="http://schemas.microsoft.com/office/powerpoint/2010/main" xmlns:p15="http://schemas.microsoft.com/office/powerpoint/2012/main" xmlns:ahyp="http://schemas.microsoft.com/office/drawing/2018/hyperlinkcolor" matchingName="Section Header" type="secHead">
+<p:sldLayout xmlns:a="http://schemas.openxmlformats.org/drawingml/2006/main" xmlns:r="http://schemas.openxmlformats.org/officeDocument/2006/relationships" xmlns:p="http://schemas.openxmlformats.org/presentationml/2006/main" matchingName="Section Header" type="secHead">
   <p:cSld name="SECTION_HEADER">
     <p:spTree>
       <p:nvGrpSpPr>
-        <p:cNvPr id="23" name="Shape 23"/>
+        <p:cNvPr id="1" name="Shape 23"/>
         <p:cNvGrpSpPr/>
         <p:nvPr/>
       </p:nvGrpSpPr>
@@ -3860,7 +3967,9 @@
       <p:sp>
         <p:nvSpPr>
           <p:cNvPr id="24" name="Google Shape;24;p8"/>
-          <p:cNvSpPr txBox="1"/>
+          <p:cNvSpPr txBox="1">
+            <a:spLocks noGrp="1"/>
+          </p:cNvSpPr>
           <p:nvPr>
             <p:ph type="title"/>
           </p:nvPr>
@@ -3879,7 +3988,7 @@
           </a:ln>
         </p:spPr>
         <p:txBody>
-          <a:bodyPr anchorCtr="0" anchor="t" bIns="45700" lIns="91425" spcFirstLastPara="1" rIns="91425" wrap="square" tIns="45700">
+          <a:bodyPr spcFirstLastPara="1" wrap="square" lIns="91425" tIns="45700" rIns="91425" bIns="45700" anchor="t" anchorCtr="0">
             <a:normAutofit/>
           </a:bodyPr>
           <a:lstStyle>
@@ -3896,7 +4005,7 @@
               <a:buSzPts val="4000"/>
               <a:buFont typeface="Calibri"/>
               <a:buNone/>
-              <a:defRPr b="1" sz="4000" cap="none"/>
+              <a:defRPr sz="4000" b="1" cap="none"/>
             </a:lvl1pPr>
             <a:lvl2pPr lvl="1">
               <a:spcBef>
@@ -3987,15 +4096,19 @@
               <a:defRPr/>
             </a:lvl9pPr>
           </a:lstStyle>
-          <a:p/>
+          <a:p>
+            <a:endParaRPr/>
+          </a:p>
         </p:txBody>
       </p:sp>
       <p:sp>
         <p:nvSpPr>
           <p:cNvPr id="25" name="Google Shape;25;p8"/>
-          <p:cNvSpPr txBox="1"/>
+          <p:cNvSpPr txBox="1">
+            <a:spLocks noGrp="1"/>
+          </p:cNvSpPr>
           <p:nvPr>
-            <p:ph idx="1" type="body"/>
+            <p:ph type="body" idx="1"/>
           </p:nvPr>
         </p:nvSpPr>
         <p:spPr>
@@ -4012,11 +4125,11 @@
           </a:ln>
         </p:spPr>
         <p:txBody>
-          <a:bodyPr anchorCtr="0" anchor="b" bIns="45700" lIns="91425" spcFirstLastPara="1" rIns="91425" wrap="square" tIns="45700">
+          <a:bodyPr spcFirstLastPara="1" wrap="square" lIns="91425" tIns="45700" rIns="91425" bIns="45700" anchor="b" anchorCtr="0">
             <a:normAutofit/>
           </a:bodyPr>
           <a:lstStyle>
-            <a:lvl1pPr indent="-228600" lvl="0" marL="457200" algn="l">
+            <a:lvl1pPr marL="457200" lvl="0" indent="-228600" algn="l">
               <a:spcBef>
                 <a:spcPts val="400"/>
               </a:spcBef>
@@ -4034,7 +4147,7 @@
                 </a:solidFill>
               </a:defRPr>
             </a:lvl1pPr>
-            <a:lvl2pPr indent="-228600" lvl="1" marL="914400" algn="l">
+            <a:lvl2pPr marL="914400" lvl="1" indent="-228600" algn="l">
               <a:spcBef>
                 <a:spcPts val="360"/>
               </a:spcBef>
@@ -4052,7 +4165,7 @@
                 </a:solidFill>
               </a:defRPr>
             </a:lvl2pPr>
-            <a:lvl3pPr indent="-228600" lvl="2" marL="1371600" algn="l">
+            <a:lvl3pPr marL="1371600" lvl="2" indent="-228600" algn="l">
               <a:spcBef>
                 <a:spcPts val="320"/>
               </a:spcBef>
@@ -4070,7 +4183,7 @@
                 </a:solidFill>
               </a:defRPr>
             </a:lvl3pPr>
-            <a:lvl4pPr indent="-228600" lvl="3" marL="1828800" algn="l">
+            <a:lvl4pPr marL="1828800" lvl="3" indent="-228600" algn="l">
               <a:spcBef>
                 <a:spcPts val="280"/>
               </a:spcBef>
@@ -4088,7 +4201,7 @@
                 </a:solidFill>
               </a:defRPr>
             </a:lvl4pPr>
-            <a:lvl5pPr indent="-228600" lvl="4" marL="2286000" algn="l">
+            <a:lvl5pPr marL="2286000" lvl="4" indent="-228600" algn="l">
               <a:spcBef>
                 <a:spcPts val="280"/>
               </a:spcBef>
@@ -4106,7 +4219,7 @@
                 </a:solidFill>
               </a:defRPr>
             </a:lvl5pPr>
-            <a:lvl6pPr indent="-228600" lvl="5" marL="2743200" algn="l">
+            <a:lvl6pPr marL="2743200" lvl="5" indent="-228600" algn="l">
               <a:spcBef>
                 <a:spcPts val="280"/>
               </a:spcBef>
@@ -4124,7 +4237,7 @@
                 </a:solidFill>
               </a:defRPr>
             </a:lvl6pPr>
-            <a:lvl7pPr indent="-228600" lvl="6" marL="3200400" algn="l">
+            <a:lvl7pPr marL="3200400" lvl="6" indent="-228600" algn="l">
               <a:spcBef>
                 <a:spcPts val="280"/>
               </a:spcBef>
@@ -4142,7 +4255,7 @@
                 </a:solidFill>
               </a:defRPr>
             </a:lvl7pPr>
-            <a:lvl8pPr indent="-228600" lvl="7" marL="3657600" algn="l">
+            <a:lvl8pPr marL="3657600" lvl="7" indent="-228600" algn="l">
               <a:spcBef>
                 <a:spcPts val="280"/>
               </a:spcBef>
@@ -4160,7 +4273,7 @@
                 </a:solidFill>
               </a:defRPr>
             </a:lvl8pPr>
-            <a:lvl9pPr indent="-228600" lvl="8" marL="4114800" algn="l">
+            <a:lvl9pPr marL="4114800" lvl="8" indent="-228600" algn="l">
               <a:spcBef>
                 <a:spcPts val="280"/>
               </a:spcBef>
@@ -4179,15 +4292,19 @@
               </a:defRPr>
             </a:lvl9pPr>
           </a:lstStyle>
-          <a:p/>
+          <a:p>
+            <a:endParaRPr/>
+          </a:p>
         </p:txBody>
       </p:sp>
       <p:sp>
         <p:nvSpPr>
           <p:cNvPr id="26" name="Google Shape;26;p8"/>
-          <p:cNvSpPr txBox="1"/>
+          <p:cNvSpPr txBox="1">
+            <a:spLocks noGrp="1"/>
+          </p:cNvSpPr>
           <p:nvPr>
-            <p:ph idx="10" type="dt"/>
+            <p:ph type="dt" idx="10"/>
           </p:nvPr>
         </p:nvSpPr>
         <p:spPr>
@@ -4204,7 +4321,7 @@
           </a:ln>
         </p:spPr>
         <p:txBody>
-          <a:bodyPr anchorCtr="0" anchor="ctr" bIns="45700" lIns="91425" spcFirstLastPara="1" rIns="91425" wrap="square" tIns="45700">
+          <a:bodyPr spcFirstLastPara="1" wrap="square" lIns="91425" tIns="45700" rIns="91425" bIns="45700" anchor="ctr" anchorCtr="0">
             <a:noAutofit/>
           </a:bodyPr>
           <a:lstStyle>
@@ -4308,15 +4425,19 @@
               <a:defRPr/>
             </a:lvl9pPr>
           </a:lstStyle>
-          <a:p/>
+          <a:p>
+            <a:endParaRPr/>
+          </a:p>
         </p:txBody>
       </p:sp>
       <p:sp>
         <p:nvSpPr>
           <p:cNvPr id="27" name="Google Shape;27;p8"/>
-          <p:cNvSpPr txBox="1"/>
+          <p:cNvSpPr txBox="1">
+            <a:spLocks noGrp="1"/>
+          </p:cNvSpPr>
           <p:nvPr>
-            <p:ph idx="11" type="ftr"/>
+            <p:ph type="ftr" idx="11"/>
           </p:nvPr>
         </p:nvSpPr>
         <p:spPr>
@@ -4333,7 +4454,7 @@
           </a:ln>
         </p:spPr>
         <p:txBody>
-          <a:bodyPr anchorCtr="0" anchor="ctr" bIns="45700" lIns="91425" spcFirstLastPara="1" rIns="91425" wrap="square" tIns="45700">
+          <a:bodyPr spcFirstLastPara="1" wrap="square" lIns="91425" tIns="45700" rIns="91425" bIns="45700" anchor="ctr" anchorCtr="0">
             <a:noAutofit/>
           </a:bodyPr>
           <a:lstStyle>
@@ -4437,15 +4558,19 @@
               <a:defRPr/>
             </a:lvl9pPr>
           </a:lstStyle>
-          <a:p/>
+          <a:p>
+            <a:endParaRPr/>
+          </a:p>
         </p:txBody>
       </p:sp>
       <p:sp>
         <p:nvSpPr>
           <p:cNvPr id="28" name="Google Shape;28;p8"/>
-          <p:cNvSpPr txBox="1"/>
+          <p:cNvSpPr txBox="1">
+            <a:spLocks noGrp="1"/>
+          </p:cNvSpPr>
           <p:nvPr>
-            <p:ph idx="12" type="sldNum"/>
+            <p:ph type="sldNum" idx="12"/>
           </p:nvPr>
         </p:nvSpPr>
         <p:spPr>
@@ -4462,67 +4587,67 @@
           </a:ln>
         </p:spPr>
         <p:txBody>
-          <a:bodyPr anchorCtr="0" anchor="ctr" bIns="45700" lIns="91425" spcFirstLastPara="1" rIns="91425" wrap="square" tIns="45700">
+          <a:bodyPr spcFirstLastPara="1" wrap="square" lIns="91425" tIns="45700" rIns="91425" bIns="45700" anchor="ctr" anchorCtr="0">
             <a:noAutofit/>
           </a:bodyPr>
           <a:lstStyle>
-            <a:lvl1pPr indent="0" lvl="0" marL="0" algn="r">
+            <a:lvl1pPr marL="0" lvl="0" indent="0" algn="r">
               <a:spcBef>
                 <a:spcPts val="0"/>
               </a:spcBef>
               <a:buNone/>
               <a:defRPr/>
             </a:lvl1pPr>
-            <a:lvl2pPr indent="0" lvl="1" marL="0" algn="r">
+            <a:lvl2pPr marL="0" lvl="1" indent="0" algn="r">
               <a:spcBef>
                 <a:spcPts val="0"/>
               </a:spcBef>
               <a:buNone/>
               <a:defRPr/>
             </a:lvl2pPr>
-            <a:lvl3pPr indent="0" lvl="2" marL="0" algn="r">
+            <a:lvl3pPr marL="0" lvl="2" indent="0" algn="r">
               <a:spcBef>
                 <a:spcPts val="0"/>
               </a:spcBef>
               <a:buNone/>
               <a:defRPr/>
             </a:lvl3pPr>
-            <a:lvl4pPr indent="0" lvl="3" marL="0" algn="r">
+            <a:lvl4pPr marL="0" lvl="3" indent="0" algn="r">
               <a:spcBef>
                 <a:spcPts val="0"/>
               </a:spcBef>
               <a:buNone/>
               <a:defRPr/>
             </a:lvl4pPr>
-            <a:lvl5pPr indent="0" lvl="4" marL="0" algn="r">
+            <a:lvl5pPr marL="0" lvl="4" indent="0" algn="r">
               <a:spcBef>
                 <a:spcPts val="0"/>
               </a:spcBef>
               <a:buNone/>
               <a:defRPr/>
             </a:lvl5pPr>
-            <a:lvl6pPr indent="0" lvl="5" marL="0" algn="r">
+            <a:lvl6pPr marL="0" lvl="5" indent="0" algn="r">
               <a:spcBef>
                 <a:spcPts val="0"/>
               </a:spcBef>
               <a:buNone/>
               <a:defRPr/>
             </a:lvl6pPr>
-            <a:lvl7pPr indent="0" lvl="6" marL="0" algn="r">
+            <a:lvl7pPr marL="0" lvl="6" indent="0" algn="r">
               <a:spcBef>
                 <a:spcPts val="0"/>
               </a:spcBef>
               <a:buNone/>
               <a:defRPr/>
             </a:lvl7pPr>
-            <a:lvl8pPr indent="0" lvl="7" marL="0" algn="r">
+            <a:lvl8pPr marL="0" lvl="7" indent="0" algn="r">
               <a:spcBef>
                 <a:spcPts val="0"/>
               </a:spcBef>
               <a:buNone/>
               <a:defRPr/>
             </a:lvl8pPr>
-            <a:lvl9pPr indent="0" lvl="8" marL="0" algn="r">
+            <a:lvl9pPr marL="0" lvl="8" indent="0" algn="r">
               <a:spcBef>
                 <a:spcPts val="0"/>
               </a:spcBef>
@@ -4531,7 +4656,7 @@
             </a:lvl9pPr>
           </a:lstStyle>
           <a:p>
-            <a:pPr indent="0" lvl="0" marL="0" rtl="0" algn="r">
+            <a:pPr marL="0" lvl="0" indent="0" algn="r" rtl="0">
               <a:spcBef>
                 <a:spcPts val="0"/>
               </a:spcBef>
@@ -4557,11 +4682,11 @@
 </file>
 
 <file path=ppt/slideLayouts/slideLayout4.xml><?xml version="1.0" encoding="utf-8"?>
-<p:sldLayout xmlns:a="http://schemas.openxmlformats.org/drawingml/2006/main" xmlns:r="http://schemas.openxmlformats.org/officeDocument/2006/relationships" xmlns:mc="http://schemas.openxmlformats.org/markup-compatibility/2006" xmlns:mv="urn:schemas-microsoft-com:mac:vml" xmlns:p="http://schemas.openxmlformats.org/presentationml/2006/main" xmlns:c="http://schemas.openxmlformats.org/drawingml/2006/chart" xmlns:dgm="http://schemas.openxmlformats.org/drawingml/2006/diagram" xmlns:o="urn:schemas-microsoft-com:office:office" xmlns:v="urn:schemas-microsoft-com:vml" xmlns:pvml="urn:schemas-microsoft-com:office:powerpoint" xmlns:com="http://schemas.openxmlformats.org/drawingml/2006/compatibility" xmlns:p14="http://schemas.microsoft.com/office/powerpoint/2010/main" xmlns:p15="http://schemas.microsoft.com/office/powerpoint/2012/main" xmlns:ahyp="http://schemas.microsoft.com/office/drawing/2018/hyperlinkcolor" matchingName="Two Content" type="twoObj">
+<p:sldLayout xmlns:a="http://schemas.openxmlformats.org/drawingml/2006/main" xmlns:r="http://schemas.openxmlformats.org/officeDocument/2006/relationships" xmlns:p="http://schemas.openxmlformats.org/presentationml/2006/main" matchingName="Two Content" type="twoObj">
   <p:cSld name="TWO_OBJECTS">
     <p:spTree>
       <p:nvGrpSpPr>
-        <p:cNvPr id="29" name="Shape 29"/>
+        <p:cNvPr id="1" name="Shape 29"/>
         <p:cNvGrpSpPr/>
         <p:nvPr/>
       </p:nvGrpSpPr>
@@ -4576,7 +4701,9 @@
       <p:sp>
         <p:nvSpPr>
           <p:cNvPr id="30" name="Google Shape;30;p9"/>
-          <p:cNvSpPr txBox="1"/>
+          <p:cNvSpPr txBox="1">
+            <a:spLocks noGrp="1"/>
+          </p:cNvSpPr>
           <p:nvPr>
             <p:ph type="title"/>
           </p:nvPr>
@@ -4595,7 +4722,7 @@
           </a:ln>
         </p:spPr>
         <p:txBody>
-          <a:bodyPr anchorCtr="0" anchor="ctr" bIns="45700" lIns="91425" spcFirstLastPara="1" rIns="91425" wrap="square" tIns="45700">
+          <a:bodyPr spcFirstLastPara="1" wrap="square" lIns="91425" tIns="45700" rIns="91425" bIns="45700" anchor="ctr" anchorCtr="0">
             <a:normAutofit/>
           </a:bodyPr>
           <a:lstStyle>
@@ -4702,15 +4829,19 @@
               <a:defRPr/>
             </a:lvl9pPr>
           </a:lstStyle>
-          <a:p/>
+          <a:p>
+            <a:endParaRPr/>
+          </a:p>
         </p:txBody>
       </p:sp>
       <p:sp>
         <p:nvSpPr>
           <p:cNvPr id="31" name="Google Shape;31;p9"/>
-          <p:cNvSpPr txBox="1"/>
+          <p:cNvSpPr txBox="1">
+            <a:spLocks noGrp="1"/>
+          </p:cNvSpPr>
           <p:nvPr>
-            <p:ph idx="1" type="body"/>
+            <p:ph type="body" idx="1"/>
           </p:nvPr>
         </p:nvSpPr>
         <p:spPr>
@@ -4727,11 +4858,11 @@
           </a:ln>
         </p:spPr>
         <p:txBody>
-          <a:bodyPr anchorCtr="0" anchor="t" bIns="45700" lIns="91425" spcFirstLastPara="1" rIns="91425" wrap="square" tIns="45700">
+          <a:bodyPr spcFirstLastPara="1" wrap="square" lIns="91425" tIns="45700" rIns="91425" bIns="45700" anchor="t" anchorCtr="0">
             <a:normAutofit/>
           </a:bodyPr>
           <a:lstStyle>
-            <a:lvl1pPr indent="-406400" lvl="0" marL="457200" algn="l">
+            <a:lvl1pPr marL="457200" lvl="0" indent="-406400" algn="l">
               <a:spcBef>
                 <a:spcPts val="560"/>
               </a:spcBef>
@@ -4745,7 +4876,7 @@
               <a:buChar char="•"/>
               <a:defRPr sz="2800"/>
             </a:lvl1pPr>
-            <a:lvl2pPr indent="-381000" lvl="1" marL="914400" algn="l">
+            <a:lvl2pPr marL="914400" lvl="1" indent="-381000" algn="l">
               <a:spcBef>
                 <a:spcPts val="480"/>
               </a:spcBef>
@@ -4759,7 +4890,7 @@
               <a:buChar char="–"/>
               <a:defRPr sz="2400"/>
             </a:lvl2pPr>
-            <a:lvl3pPr indent="-355600" lvl="2" marL="1371600" algn="l">
+            <a:lvl3pPr marL="1371600" lvl="2" indent="-355600" algn="l">
               <a:spcBef>
                 <a:spcPts val="400"/>
               </a:spcBef>
@@ -4773,7 +4904,7 @@
               <a:buChar char="•"/>
               <a:defRPr sz="2000"/>
             </a:lvl3pPr>
-            <a:lvl4pPr indent="-342900" lvl="3" marL="1828800" algn="l">
+            <a:lvl4pPr marL="1828800" lvl="3" indent="-342900" algn="l">
               <a:spcBef>
                 <a:spcPts val="360"/>
               </a:spcBef>
@@ -4787,7 +4918,7 @@
               <a:buChar char="–"/>
               <a:defRPr sz="1800"/>
             </a:lvl4pPr>
-            <a:lvl5pPr indent="-342900" lvl="4" marL="2286000" algn="l">
+            <a:lvl5pPr marL="2286000" lvl="4" indent="-342900" algn="l">
               <a:spcBef>
                 <a:spcPts val="360"/>
               </a:spcBef>
@@ -4801,7 +4932,7 @@
               <a:buChar char="»"/>
               <a:defRPr sz="1800"/>
             </a:lvl5pPr>
-            <a:lvl6pPr indent="-342900" lvl="5" marL="2743200" algn="l">
+            <a:lvl6pPr marL="2743200" lvl="5" indent="-342900" algn="l">
               <a:spcBef>
                 <a:spcPts val="360"/>
               </a:spcBef>
@@ -4815,7 +4946,7 @@
               <a:buChar char="•"/>
               <a:defRPr sz="1800"/>
             </a:lvl6pPr>
-            <a:lvl7pPr indent="-342900" lvl="6" marL="3200400" algn="l">
+            <a:lvl7pPr marL="3200400" lvl="6" indent="-342900" algn="l">
               <a:spcBef>
                 <a:spcPts val="360"/>
               </a:spcBef>
@@ -4829,7 +4960,7 @@
               <a:buChar char="•"/>
               <a:defRPr sz="1800"/>
             </a:lvl7pPr>
-            <a:lvl8pPr indent="-342900" lvl="7" marL="3657600" algn="l">
+            <a:lvl8pPr marL="3657600" lvl="7" indent="-342900" algn="l">
               <a:spcBef>
                 <a:spcPts val="360"/>
               </a:spcBef>
@@ -4843,7 +4974,7 @@
               <a:buChar char="•"/>
               <a:defRPr sz="1800"/>
             </a:lvl8pPr>
-            <a:lvl9pPr indent="-342900" lvl="8" marL="4114800" algn="l">
+            <a:lvl9pPr marL="4114800" lvl="8" indent="-342900" algn="l">
               <a:spcBef>
                 <a:spcPts val="360"/>
               </a:spcBef>
@@ -4858,15 +4989,19 @@
               <a:defRPr sz="1800"/>
             </a:lvl9pPr>
           </a:lstStyle>
-          <a:p/>
+          <a:p>
+            <a:endParaRPr/>
+          </a:p>
         </p:txBody>
       </p:sp>
       <p:sp>
         <p:nvSpPr>
           <p:cNvPr id="32" name="Google Shape;32;p9"/>
-          <p:cNvSpPr txBox="1"/>
+          <p:cNvSpPr txBox="1">
+            <a:spLocks noGrp="1"/>
+          </p:cNvSpPr>
           <p:nvPr>
-            <p:ph idx="2" type="body"/>
+            <p:ph type="body" idx="2"/>
           </p:nvPr>
         </p:nvSpPr>
         <p:spPr>
@@ -4883,11 +5018,11 @@
           </a:ln>
         </p:spPr>
         <p:txBody>
-          <a:bodyPr anchorCtr="0" anchor="t" bIns="45700" lIns="91425" spcFirstLastPara="1" rIns="91425" wrap="square" tIns="45700">
+          <a:bodyPr spcFirstLastPara="1" wrap="square" lIns="91425" tIns="45700" rIns="91425" bIns="45700" anchor="t" anchorCtr="0">
             <a:normAutofit/>
           </a:bodyPr>
           <a:lstStyle>
-            <a:lvl1pPr indent="-406400" lvl="0" marL="457200" algn="l">
+            <a:lvl1pPr marL="457200" lvl="0" indent="-406400" algn="l">
               <a:spcBef>
                 <a:spcPts val="560"/>
               </a:spcBef>
@@ -4901,7 +5036,7 @@
               <a:buChar char="•"/>
               <a:defRPr sz="2800"/>
             </a:lvl1pPr>
-            <a:lvl2pPr indent="-381000" lvl="1" marL="914400" algn="l">
+            <a:lvl2pPr marL="914400" lvl="1" indent="-381000" algn="l">
               <a:spcBef>
                 <a:spcPts val="480"/>
               </a:spcBef>
@@ -4915,7 +5050,7 @@
               <a:buChar char="–"/>
               <a:defRPr sz="2400"/>
             </a:lvl2pPr>
-            <a:lvl3pPr indent="-355600" lvl="2" marL="1371600" algn="l">
+            <a:lvl3pPr marL="1371600" lvl="2" indent="-355600" algn="l">
               <a:spcBef>
                 <a:spcPts val="400"/>
               </a:spcBef>
@@ -4929,7 +5064,7 @@
               <a:buChar char="•"/>
               <a:defRPr sz="2000"/>
             </a:lvl3pPr>
-            <a:lvl4pPr indent="-342900" lvl="3" marL="1828800" algn="l">
+            <a:lvl4pPr marL="1828800" lvl="3" indent="-342900" algn="l">
               <a:spcBef>
                 <a:spcPts val="360"/>
               </a:spcBef>
@@ -4943,7 +5078,7 @@
               <a:buChar char="–"/>
               <a:defRPr sz="1800"/>
             </a:lvl4pPr>
-            <a:lvl5pPr indent="-342900" lvl="4" marL="2286000" algn="l">
+            <a:lvl5pPr marL="2286000" lvl="4" indent="-342900" algn="l">
               <a:spcBef>
                 <a:spcPts val="360"/>
               </a:spcBef>
@@ -4957,7 +5092,7 @@
               <a:buChar char="»"/>
               <a:defRPr sz="1800"/>
             </a:lvl5pPr>
-            <a:lvl6pPr indent="-342900" lvl="5" marL="2743200" algn="l">
+            <a:lvl6pPr marL="2743200" lvl="5" indent="-342900" algn="l">
               <a:spcBef>
                 <a:spcPts val="360"/>
               </a:spcBef>
@@ -4971,7 +5106,7 @@
               <a:buChar char="•"/>
               <a:defRPr sz="1800"/>
             </a:lvl6pPr>
-            <a:lvl7pPr indent="-342900" lvl="6" marL="3200400" algn="l">
+            <a:lvl7pPr marL="3200400" lvl="6" indent="-342900" algn="l">
               <a:spcBef>
                 <a:spcPts val="360"/>
               </a:spcBef>
@@ -4985,7 +5120,7 @@
               <a:buChar char="•"/>
               <a:defRPr sz="1800"/>
             </a:lvl7pPr>
-            <a:lvl8pPr indent="-342900" lvl="7" marL="3657600" algn="l">
+            <a:lvl8pPr marL="3657600" lvl="7" indent="-342900" algn="l">
               <a:spcBef>
                 <a:spcPts val="360"/>
               </a:spcBef>
@@ -4999,7 +5134,7 @@
               <a:buChar char="•"/>
               <a:defRPr sz="1800"/>
             </a:lvl8pPr>
-            <a:lvl9pPr indent="-342900" lvl="8" marL="4114800" algn="l">
+            <a:lvl9pPr marL="4114800" lvl="8" indent="-342900" algn="l">
               <a:spcBef>
                 <a:spcPts val="360"/>
               </a:spcBef>
@@ -5014,15 +5149,19 @@
               <a:defRPr sz="1800"/>
             </a:lvl9pPr>
           </a:lstStyle>
-          <a:p/>
+          <a:p>
+            <a:endParaRPr/>
+          </a:p>
         </p:txBody>
       </p:sp>
       <p:sp>
         <p:nvSpPr>
           <p:cNvPr id="33" name="Google Shape;33;p9"/>
-          <p:cNvSpPr txBox="1"/>
+          <p:cNvSpPr txBox="1">
+            <a:spLocks noGrp="1"/>
+          </p:cNvSpPr>
           <p:nvPr>
-            <p:ph idx="10" type="dt"/>
+            <p:ph type="dt" idx="10"/>
           </p:nvPr>
         </p:nvSpPr>
         <p:spPr>
@@ -5039,7 +5178,7 @@
           </a:ln>
         </p:spPr>
         <p:txBody>
-          <a:bodyPr anchorCtr="0" anchor="ctr" bIns="45700" lIns="91425" spcFirstLastPara="1" rIns="91425" wrap="square" tIns="45700">
+          <a:bodyPr spcFirstLastPara="1" wrap="square" lIns="91425" tIns="45700" rIns="91425" bIns="45700" anchor="ctr" anchorCtr="0">
             <a:noAutofit/>
           </a:bodyPr>
           <a:lstStyle>
@@ -5143,15 +5282,19 @@
               <a:defRPr/>
             </a:lvl9pPr>
           </a:lstStyle>
-          <a:p/>
+          <a:p>
+            <a:endParaRPr/>
+          </a:p>
         </p:txBody>
       </p:sp>
       <p:sp>
         <p:nvSpPr>
           <p:cNvPr id="34" name="Google Shape;34;p9"/>
-          <p:cNvSpPr txBox="1"/>
+          <p:cNvSpPr txBox="1">
+            <a:spLocks noGrp="1"/>
+          </p:cNvSpPr>
           <p:nvPr>
-            <p:ph idx="11" type="ftr"/>
+            <p:ph type="ftr" idx="11"/>
           </p:nvPr>
         </p:nvSpPr>
         <p:spPr>
@@ -5168,7 +5311,7 @@
           </a:ln>
         </p:spPr>
         <p:txBody>
-          <a:bodyPr anchorCtr="0" anchor="ctr" bIns="45700" lIns="91425" spcFirstLastPara="1" rIns="91425" wrap="square" tIns="45700">
+          <a:bodyPr spcFirstLastPara="1" wrap="square" lIns="91425" tIns="45700" rIns="91425" bIns="45700" anchor="ctr" anchorCtr="0">
             <a:noAutofit/>
           </a:bodyPr>
           <a:lstStyle>
@@ -5272,15 +5415,19 @@
               <a:defRPr/>
             </a:lvl9pPr>
           </a:lstStyle>
-          <a:p/>
+          <a:p>
+            <a:endParaRPr/>
+          </a:p>
         </p:txBody>
       </p:sp>
       <p:sp>
         <p:nvSpPr>
           <p:cNvPr id="35" name="Google Shape;35;p9"/>
-          <p:cNvSpPr txBox="1"/>
+          <p:cNvSpPr txBox="1">
+            <a:spLocks noGrp="1"/>
+          </p:cNvSpPr>
           <p:nvPr>
-            <p:ph idx="12" type="sldNum"/>
+            <p:ph type="sldNum" idx="12"/>
           </p:nvPr>
         </p:nvSpPr>
         <p:spPr>
@@ -5297,67 +5444,67 @@
           </a:ln>
         </p:spPr>
         <p:txBody>
-          <a:bodyPr anchorCtr="0" anchor="ctr" bIns="45700" lIns="91425" spcFirstLastPara="1" rIns="91425" wrap="square" tIns="45700">
+          <a:bodyPr spcFirstLastPara="1" wrap="square" lIns="91425" tIns="45700" rIns="91425" bIns="45700" anchor="ctr" anchorCtr="0">
             <a:noAutofit/>
           </a:bodyPr>
           <a:lstStyle>
-            <a:lvl1pPr indent="0" lvl="0" marL="0" algn="r">
+            <a:lvl1pPr marL="0" lvl="0" indent="0" algn="r">
               <a:spcBef>
                 <a:spcPts val="0"/>
               </a:spcBef>
               <a:buNone/>
               <a:defRPr/>
             </a:lvl1pPr>
-            <a:lvl2pPr indent="0" lvl="1" marL="0" algn="r">
+            <a:lvl2pPr marL="0" lvl="1" indent="0" algn="r">
               <a:spcBef>
                 <a:spcPts val="0"/>
               </a:spcBef>
               <a:buNone/>
               <a:defRPr/>
             </a:lvl2pPr>
-            <a:lvl3pPr indent="0" lvl="2" marL="0" algn="r">
+            <a:lvl3pPr marL="0" lvl="2" indent="0" algn="r">
               <a:spcBef>
                 <a:spcPts val="0"/>
               </a:spcBef>
               <a:buNone/>
               <a:defRPr/>
             </a:lvl3pPr>
-            <a:lvl4pPr indent="0" lvl="3" marL="0" algn="r">
+            <a:lvl4pPr marL="0" lvl="3" indent="0" algn="r">
               <a:spcBef>
                 <a:spcPts val="0"/>
               </a:spcBef>
               <a:buNone/>
               <a:defRPr/>
             </a:lvl4pPr>
-            <a:lvl5pPr indent="0" lvl="4" marL="0" algn="r">
+            <a:lvl5pPr marL="0" lvl="4" indent="0" algn="r">
               <a:spcBef>
                 <a:spcPts val="0"/>
               </a:spcBef>
               <a:buNone/>
               <a:defRPr/>
             </a:lvl5pPr>
-            <a:lvl6pPr indent="0" lvl="5" marL="0" algn="r">
+            <a:lvl6pPr marL="0" lvl="5" indent="0" algn="r">
               <a:spcBef>
                 <a:spcPts val="0"/>
               </a:spcBef>
               <a:buNone/>
               <a:defRPr/>
             </a:lvl6pPr>
-            <a:lvl7pPr indent="0" lvl="6" marL="0" algn="r">
+            <a:lvl7pPr marL="0" lvl="6" indent="0" algn="r">
               <a:spcBef>
                 <a:spcPts val="0"/>
               </a:spcBef>
               <a:buNone/>
               <a:defRPr/>
             </a:lvl7pPr>
-            <a:lvl8pPr indent="0" lvl="7" marL="0" algn="r">
+            <a:lvl8pPr marL="0" lvl="7" indent="0" algn="r">
               <a:spcBef>
                 <a:spcPts val="0"/>
               </a:spcBef>
               <a:buNone/>
               <a:defRPr/>
             </a:lvl8pPr>
-            <a:lvl9pPr indent="0" lvl="8" marL="0" algn="r">
+            <a:lvl9pPr marL="0" lvl="8" indent="0" algn="r">
               <a:spcBef>
                 <a:spcPts val="0"/>
               </a:spcBef>
@@ -5366,7 +5513,7 @@
             </a:lvl9pPr>
           </a:lstStyle>
           <a:p>
-            <a:pPr indent="0" lvl="0" marL="0" rtl="0" algn="r">
+            <a:pPr marL="0" lvl="0" indent="0" algn="r" rtl="0">
               <a:spcBef>
                 <a:spcPts val="0"/>
               </a:spcBef>
@@ -5392,11 +5539,11 @@
 </file>
 
 <file path=ppt/slideLayouts/slideLayout5.xml><?xml version="1.0" encoding="utf-8"?>
-<p:sldLayout xmlns:a="http://schemas.openxmlformats.org/drawingml/2006/main" xmlns:r="http://schemas.openxmlformats.org/officeDocument/2006/relationships" xmlns:mc="http://schemas.openxmlformats.org/markup-compatibility/2006" xmlns:mv="urn:schemas-microsoft-com:mac:vml" xmlns:p="http://schemas.openxmlformats.org/presentationml/2006/main" xmlns:c="http://schemas.openxmlformats.org/drawingml/2006/chart" xmlns:dgm="http://schemas.openxmlformats.org/drawingml/2006/diagram" xmlns:o="urn:schemas-microsoft-com:office:office" xmlns:v="urn:schemas-microsoft-com:vml" xmlns:pvml="urn:schemas-microsoft-com:office:powerpoint" xmlns:com="http://schemas.openxmlformats.org/drawingml/2006/compatibility" xmlns:p14="http://schemas.microsoft.com/office/powerpoint/2010/main" xmlns:p15="http://schemas.microsoft.com/office/powerpoint/2012/main" xmlns:ahyp="http://schemas.microsoft.com/office/drawing/2018/hyperlinkcolor" matchingName="Comparison" type="twoTxTwoObj">
+<p:sldLayout xmlns:a="http://schemas.openxmlformats.org/drawingml/2006/main" xmlns:r="http://schemas.openxmlformats.org/officeDocument/2006/relationships" xmlns:p="http://schemas.openxmlformats.org/presentationml/2006/main" matchingName="Comparison" type="twoTxTwoObj">
   <p:cSld name="TWO_OBJECTS_WITH_TEXT">
     <p:spTree>
       <p:nvGrpSpPr>
-        <p:cNvPr id="36" name="Shape 36"/>
+        <p:cNvPr id="1" name="Shape 36"/>
         <p:cNvGrpSpPr/>
         <p:nvPr/>
       </p:nvGrpSpPr>
@@ -5411,7 +5558,9 @@
       <p:sp>
         <p:nvSpPr>
           <p:cNvPr id="37" name="Google Shape;37;p10"/>
-          <p:cNvSpPr txBox="1"/>
+          <p:cNvSpPr txBox="1">
+            <a:spLocks noGrp="1"/>
+          </p:cNvSpPr>
           <p:nvPr>
             <p:ph type="title"/>
           </p:nvPr>
@@ -5430,7 +5579,7 @@
           </a:ln>
         </p:spPr>
         <p:txBody>
-          <a:bodyPr anchorCtr="0" anchor="ctr" bIns="45700" lIns="91425" spcFirstLastPara="1" rIns="91425" wrap="square" tIns="45700">
+          <a:bodyPr spcFirstLastPara="1" wrap="square" lIns="91425" tIns="45700" rIns="91425" bIns="45700" anchor="ctr" anchorCtr="0">
             <a:normAutofit/>
           </a:bodyPr>
           <a:lstStyle>
@@ -5538,15 +5687,19 @@
               <a:defRPr/>
             </a:lvl9pPr>
           </a:lstStyle>
-          <a:p/>
+          <a:p>
+            <a:endParaRPr/>
+          </a:p>
         </p:txBody>
       </p:sp>
       <p:sp>
         <p:nvSpPr>
           <p:cNvPr id="38" name="Google Shape;38;p10"/>
-          <p:cNvSpPr txBox="1"/>
+          <p:cNvSpPr txBox="1">
+            <a:spLocks noGrp="1"/>
+          </p:cNvSpPr>
           <p:nvPr>
-            <p:ph idx="1" type="body"/>
+            <p:ph type="body" idx="1"/>
           </p:nvPr>
         </p:nvSpPr>
         <p:spPr>
@@ -5563,11 +5716,11 @@
           </a:ln>
         </p:spPr>
         <p:txBody>
-          <a:bodyPr anchorCtr="0" anchor="b" bIns="45700" lIns="91425" spcFirstLastPara="1" rIns="91425" wrap="square" tIns="45700">
+          <a:bodyPr spcFirstLastPara="1" wrap="square" lIns="91425" tIns="45700" rIns="91425" bIns="45700" anchor="b" anchorCtr="0">
             <a:normAutofit/>
           </a:bodyPr>
           <a:lstStyle>
-            <a:lvl1pPr indent="-228600" lvl="0" marL="457200" algn="l">
+            <a:lvl1pPr marL="457200" lvl="0" indent="-228600" algn="l">
               <a:spcBef>
                 <a:spcPts val="480"/>
               </a:spcBef>
@@ -5579,9 +5732,9 @@
               </a:buClr>
               <a:buSzPts val="2400"/>
               <a:buNone/>
-              <a:defRPr b="1" sz="2400"/>
+              <a:defRPr sz="2400" b="1"/>
             </a:lvl1pPr>
-            <a:lvl2pPr indent="-228600" lvl="1" marL="914400" algn="l">
+            <a:lvl2pPr marL="914400" lvl="1" indent="-228600" algn="l">
               <a:spcBef>
                 <a:spcPts val="400"/>
               </a:spcBef>
@@ -5593,9 +5746,9 @@
               </a:buClr>
               <a:buSzPts val="2000"/>
               <a:buNone/>
-              <a:defRPr b="1" sz="2000"/>
+              <a:defRPr sz="2000" b="1"/>
             </a:lvl2pPr>
-            <a:lvl3pPr indent="-228600" lvl="2" marL="1371600" algn="l">
+            <a:lvl3pPr marL="1371600" lvl="2" indent="-228600" algn="l">
               <a:spcBef>
                 <a:spcPts val="360"/>
               </a:spcBef>
@@ -5607,9 +5760,9 @@
               </a:buClr>
               <a:buSzPts val="1800"/>
               <a:buNone/>
-              <a:defRPr b="1" sz="1800"/>
+              <a:defRPr sz="1800" b="1"/>
             </a:lvl3pPr>
-            <a:lvl4pPr indent="-228600" lvl="3" marL="1828800" algn="l">
+            <a:lvl4pPr marL="1828800" lvl="3" indent="-228600" algn="l">
               <a:spcBef>
                 <a:spcPts val="320"/>
               </a:spcBef>
@@ -5621,9 +5774,9 @@
               </a:buClr>
               <a:buSzPts val="1600"/>
               <a:buNone/>
-              <a:defRPr b="1" sz="1600"/>
+              <a:defRPr sz="1600" b="1"/>
             </a:lvl4pPr>
-            <a:lvl5pPr indent="-228600" lvl="4" marL="2286000" algn="l">
+            <a:lvl5pPr marL="2286000" lvl="4" indent="-228600" algn="l">
               <a:spcBef>
                 <a:spcPts val="320"/>
               </a:spcBef>
@@ -5635,9 +5788,9 @@
               </a:buClr>
               <a:buSzPts val="1600"/>
               <a:buNone/>
-              <a:defRPr b="1" sz="1600"/>
+              <a:defRPr sz="1600" b="1"/>
             </a:lvl5pPr>
-            <a:lvl6pPr indent="-228600" lvl="5" marL="2743200" algn="l">
+            <a:lvl6pPr marL="2743200" lvl="5" indent="-228600" algn="l">
               <a:spcBef>
                 <a:spcPts val="320"/>
               </a:spcBef>
@@ -5649,9 +5802,9 @@
               </a:buClr>
               <a:buSzPts val="1600"/>
               <a:buNone/>
-              <a:defRPr b="1" sz="1600"/>
+              <a:defRPr sz="1600" b="1"/>
             </a:lvl6pPr>
-            <a:lvl7pPr indent="-228600" lvl="6" marL="3200400" algn="l">
+            <a:lvl7pPr marL="3200400" lvl="6" indent="-228600" algn="l">
               <a:spcBef>
                 <a:spcPts val="320"/>
               </a:spcBef>
@@ -5663,9 +5816,9 @@
               </a:buClr>
               <a:buSzPts val="1600"/>
               <a:buNone/>
-              <a:defRPr b="1" sz="1600"/>
+              <a:defRPr sz="1600" b="1"/>
             </a:lvl7pPr>
-            <a:lvl8pPr indent="-228600" lvl="7" marL="3657600" algn="l">
+            <a:lvl8pPr marL="3657600" lvl="7" indent="-228600" algn="l">
               <a:spcBef>
                 <a:spcPts val="320"/>
               </a:spcBef>
@@ -5677,9 +5830,9 @@
               </a:buClr>
               <a:buSzPts val="1600"/>
               <a:buNone/>
-              <a:defRPr b="1" sz="1600"/>
+              <a:defRPr sz="1600" b="1"/>
             </a:lvl8pPr>
-            <a:lvl9pPr indent="-228600" lvl="8" marL="4114800" algn="l">
+            <a:lvl9pPr marL="4114800" lvl="8" indent="-228600" algn="l">
               <a:spcBef>
                 <a:spcPts val="320"/>
               </a:spcBef>
@@ -5691,18 +5844,22 @@
               </a:buClr>
               <a:buSzPts val="1600"/>
               <a:buNone/>
-              <a:defRPr b="1" sz="1600"/>
+              <a:defRPr sz="1600" b="1"/>
             </a:lvl9pPr>
           </a:lstStyle>
-          <a:p/>
+          <a:p>
+            <a:endParaRPr/>
+          </a:p>
         </p:txBody>
       </p:sp>
       <p:sp>
         <p:nvSpPr>
           <p:cNvPr id="39" name="Google Shape;39;p10"/>
-          <p:cNvSpPr txBox="1"/>
+          <p:cNvSpPr txBox="1">
+            <a:spLocks noGrp="1"/>
+          </p:cNvSpPr>
           <p:nvPr>
-            <p:ph idx="2" type="body"/>
+            <p:ph type="body" idx="2"/>
           </p:nvPr>
         </p:nvSpPr>
         <p:spPr>
@@ -5719,11 +5876,11 @@
           </a:ln>
         </p:spPr>
         <p:txBody>
-          <a:bodyPr anchorCtr="0" anchor="t" bIns="45700" lIns="91425" spcFirstLastPara="1" rIns="91425" wrap="square" tIns="45700">
+          <a:bodyPr spcFirstLastPara="1" wrap="square" lIns="91425" tIns="45700" rIns="91425" bIns="45700" anchor="t" anchorCtr="0">
             <a:normAutofit/>
           </a:bodyPr>
           <a:lstStyle>
-            <a:lvl1pPr indent="-381000" lvl="0" marL="457200" algn="l">
+            <a:lvl1pPr marL="457200" lvl="0" indent="-381000" algn="l">
               <a:spcBef>
                 <a:spcPts val="480"/>
               </a:spcBef>
@@ -5737,7 +5894,7 @@
               <a:buChar char="•"/>
               <a:defRPr sz="2400"/>
             </a:lvl1pPr>
-            <a:lvl2pPr indent="-355600" lvl="1" marL="914400" algn="l">
+            <a:lvl2pPr marL="914400" lvl="1" indent="-355600" algn="l">
               <a:spcBef>
                 <a:spcPts val="400"/>
               </a:spcBef>
@@ -5751,7 +5908,7 @@
               <a:buChar char="–"/>
               <a:defRPr sz="2000"/>
             </a:lvl2pPr>
-            <a:lvl3pPr indent="-342900" lvl="2" marL="1371600" algn="l">
+            <a:lvl3pPr marL="1371600" lvl="2" indent="-342900" algn="l">
               <a:spcBef>
                 <a:spcPts val="360"/>
               </a:spcBef>
@@ -5765,7 +5922,7 @@
               <a:buChar char="•"/>
               <a:defRPr sz="1800"/>
             </a:lvl3pPr>
-            <a:lvl4pPr indent="-330200" lvl="3" marL="1828800" algn="l">
+            <a:lvl4pPr marL="1828800" lvl="3" indent="-330200" algn="l">
               <a:spcBef>
                 <a:spcPts val="320"/>
               </a:spcBef>
@@ -5779,7 +5936,7 @@
               <a:buChar char="–"/>
               <a:defRPr sz="1600"/>
             </a:lvl4pPr>
-            <a:lvl5pPr indent="-330200" lvl="4" marL="2286000" algn="l">
+            <a:lvl5pPr marL="2286000" lvl="4" indent="-330200" algn="l">
               <a:spcBef>
                 <a:spcPts val="320"/>
               </a:spcBef>
@@ -5793,7 +5950,7 @@
               <a:buChar char="»"/>
               <a:defRPr sz="1600"/>
             </a:lvl5pPr>
-            <a:lvl6pPr indent="-330200" lvl="5" marL="2743200" algn="l">
+            <a:lvl6pPr marL="2743200" lvl="5" indent="-330200" algn="l">
               <a:spcBef>
                 <a:spcPts val="320"/>
               </a:spcBef>
@@ -5807,7 +5964,7 @@
               <a:buChar char="•"/>
               <a:defRPr sz="1600"/>
             </a:lvl6pPr>
-            <a:lvl7pPr indent="-330200" lvl="6" marL="3200400" algn="l">
+            <a:lvl7pPr marL="3200400" lvl="6" indent="-330200" algn="l">
               <a:spcBef>
                 <a:spcPts val="320"/>
               </a:spcBef>
@@ -5821,7 +5978,7 @@
               <a:buChar char="•"/>
               <a:defRPr sz="1600"/>
             </a:lvl7pPr>
-            <a:lvl8pPr indent="-330200" lvl="7" marL="3657600" algn="l">
+            <a:lvl8pPr marL="3657600" lvl="7" indent="-330200" algn="l">
               <a:spcBef>
                 <a:spcPts val="320"/>
               </a:spcBef>
@@ -5835,7 +5992,7 @@
               <a:buChar char="•"/>
               <a:defRPr sz="1600"/>
             </a:lvl8pPr>
-            <a:lvl9pPr indent="-330200" lvl="8" marL="4114800" algn="l">
+            <a:lvl9pPr marL="4114800" lvl="8" indent="-330200" algn="l">
               <a:spcBef>
                 <a:spcPts val="320"/>
               </a:spcBef>
@@ -5850,15 +6007,19 @@
               <a:defRPr sz="1600"/>
             </a:lvl9pPr>
           </a:lstStyle>
-          <a:p/>
+          <a:p>
+            <a:endParaRPr/>
+          </a:p>
         </p:txBody>
       </p:sp>
       <p:sp>
         <p:nvSpPr>
           <p:cNvPr id="40" name="Google Shape;40;p10"/>
-          <p:cNvSpPr txBox="1"/>
+          <p:cNvSpPr txBox="1">
+            <a:spLocks noGrp="1"/>
+          </p:cNvSpPr>
           <p:nvPr>
-            <p:ph idx="3" type="body"/>
+            <p:ph type="body" idx="3"/>
           </p:nvPr>
         </p:nvSpPr>
         <p:spPr>
@@ -5875,11 +6036,11 @@
           </a:ln>
         </p:spPr>
         <p:txBody>
-          <a:bodyPr anchorCtr="0" anchor="b" bIns="45700" lIns="91425" spcFirstLastPara="1" rIns="91425" wrap="square" tIns="45700">
+          <a:bodyPr spcFirstLastPara="1" wrap="square" lIns="91425" tIns="45700" rIns="91425" bIns="45700" anchor="b" anchorCtr="0">
             <a:normAutofit/>
           </a:bodyPr>
           <a:lstStyle>
-            <a:lvl1pPr indent="-228600" lvl="0" marL="457200" algn="l">
+            <a:lvl1pPr marL="457200" lvl="0" indent="-228600" algn="l">
               <a:spcBef>
                 <a:spcPts val="480"/>
               </a:spcBef>
@@ -5891,9 +6052,9 @@
               </a:buClr>
               <a:buSzPts val="2400"/>
               <a:buNone/>
-              <a:defRPr b="1" sz="2400"/>
+              <a:defRPr sz="2400" b="1"/>
             </a:lvl1pPr>
-            <a:lvl2pPr indent="-228600" lvl="1" marL="914400" algn="l">
+            <a:lvl2pPr marL="914400" lvl="1" indent="-228600" algn="l">
               <a:spcBef>
                 <a:spcPts val="400"/>
               </a:spcBef>
@@ -5905,9 +6066,9 @@
               </a:buClr>
               <a:buSzPts val="2000"/>
               <a:buNone/>
-              <a:defRPr b="1" sz="2000"/>
+              <a:defRPr sz="2000" b="1"/>
             </a:lvl2pPr>
-            <a:lvl3pPr indent="-228600" lvl="2" marL="1371600" algn="l">
+            <a:lvl3pPr marL="1371600" lvl="2" indent="-228600" algn="l">
               <a:spcBef>
                 <a:spcPts val="360"/>
               </a:spcBef>
@@ -5919,9 +6080,9 @@
               </a:buClr>
               <a:buSzPts val="1800"/>
               <a:buNone/>
-              <a:defRPr b="1" sz="1800"/>
+              <a:defRPr sz="1800" b="1"/>
             </a:lvl3pPr>
-            <a:lvl4pPr indent="-228600" lvl="3" marL="1828800" algn="l">
+            <a:lvl4pPr marL="1828800" lvl="3" indent="-228600" algn="l">
               <a:spcBef>
                 <a:spcPts val="320"/>
               </a:spcBef>
@@ -5933,9 +6094,9 @@
               </a:buClr>
               <a:buSzPts val="1600"/>
               <a:buNone/>
-              <a:defRPr b="1" sz="1600"/>
+              <a:defRPr sz="1600" b="1"/>
             </a:lvl4pPr>
-            <a:lvl5pPr indent="-228600" lvl="4" marL="2286000" algn="l">
+            <a:lvl5pPr marL="2286000" lvl="4" indent="-228600" algn="l">
               <a:spcBef>
                 <a:spcPts val="320"/>
               </a:spcBef>
@@ -5947,9 +6108,9 @@
               </a:buClr>
               <a:buSzPts val="1600"/>
               <a:buNone/>
-              <a:defRPr b="1" sz="1600"/>
+              <a:defRPr sz="1600" b="1"/>
             </a:lvl5pPr>
-            <a:lvl6pPr indent="-228600" lvl="5" marL="2743200" algn="l">
+            <a:lvl6pPr marL="2743200" lvl="5" indent="-228600" algn="l">
               <a:spcBef>
                 <a:spcPts val="320"/>
               </a:spcBef>
@@ -5961,9 +6122,9 @@
               </a:buClr>
               <a:buSzPts val="1600"/>
               <a:buNone/>
-              <a:defRPr b="1" sz="1600"/>
+              <a:defRPr sz="1600" b="1"/>
             </a:lvl6pPr>
-            <a:lvl7pPr indent="-228600" lvl="6" marL="3200400" algn="l">
+            <a:lvl7pPr marL="3200400" lvl="6" indent="-228600" algn="l">
               <a:spcBef>
                 <a:spcPts val="320"/>
               </a:spcBef>
@@ -5975,9 +6136,9 @@
               </a:buClr>
               <a:buSzPts val="1600"/>
               <a:buNone/>
-              <a:defRPr b="1" sz="1600"/>
+              <a:defRPr sz="1600" b="1"/>
             </a:lvl7pPr>
-            <a:lvl8pPr indent="-228600" lvl="7" marL="3657600" algn="l">
+            <a:lvl8pPr marL="3657600" lvl="7" indent="-228600" algn="l">
               <a:spcBef>
                 <a:spcPts val="320"/>
               </a:spcBef>
@@ -5989,9 +6150,9 @@
               </a:buClr>
               <a:buSzPts val="1600"/>
               <a:buNone/>
-              <a:defRPr b="1" sz="1600"/>
+              <a:defRPr sz="1600" b="1"/>
             </a:lvl8pPr>
-            <a:lvl9pPr indent="-228600" lvl="8" marL="4114800" algn="l">
+            <a:lvl9pPr marL="4114800" lvl="8" indent="-228600" algn="l">
               <a:spcBef>
                 <a:spcPts val="320"/>
               </a:spcBef>
@@ -6003,18 +6164,22 @@
               </a:buClr>
               <a:buSzPts val="1600"/>
               <a:buNone/>
-              <a:defRPr b="1" sz="1600"/>
+              <a:defRPr sz="1600" b="1"/>
             </a:lvl9pPr>
           </a:lstStyle>
-          <a:p/>
+          <a:p>
+            <a:endParaRPr/>
+          </a:p>
         </p:txBody>
       </p:sp>
       <p:sp>
         <p:nvSpPr>
           <p:cNvPr id="41" name="Google Shape;41;p10"/>
-          <p:cNvSpPr txBox="1"/>
+          <p:cNvSpPr txBox="1">
+            <a:spLocks noGrp="1"/>
+          </p:cNvSpPr>
           <p:nvPr>
-            <p:ph idx="4" type="body"/>
+            <p:ph type="body" idx="4"/>
           </p:nvPr>
         </p:nvSpPr>
         <p:spPr>
@@ -6031,11 +6196,11 @@
           </a:ln>
         </p:spPr>
         <p:txBody>
-          <a:bodyPr anchorCtr="0" anchor="t" bIns="45700" lIns="91425" spcFirstLastPara="1" rIns="91425" wrap="square" tIns="45700">
+          <a:bodyPr spcFirstLastPara="1" wrap="square" lIns="91425" tIns="45700" rIns="91425" bIns="45700" anchor="t" anchorCtr="0">
             <a:normAutofit/>
           </a:bodyPr>
           <a:lstStyle>
-            <a:lvl1pPr indent="-381000" lvl="0" marL="457200" algn="l">
+            <a:lvl1pPr marL="457200" lvl="0" indent="-381000" algn="l">
               <a:spcBef>
                 <a:spcPts val="480"/>
               </a:spcBef>
@@ -6049,7 +6214,7 @@
               <a:buChar char="•"/>
               <a:defRPr sz="2400"/>
             </a:lvl1pPr>
-            <a:lvl2pPr indent="-355600" lvl="1" marL="914400" algn="l">
+            <a:lvl2pPr marL="914400" lvl="1" indent="-355600" algn="l">
               <a:spcBef>
                 <a:spcPts val="400"/>
               </a:spcBef>
@@ -6063,7 +6228,7 @@
               <a:buChar char="–"/>
               <a:defRPr sz="2000"/>
             </a:lvl2pPr>
-            <a:lvl3pPr indent="-342900" lvl="2" marL="1371600" algn="l">
+            <a:lvl3pPr marL="1371600" lvl="2" indent="-342900" algn="l">
               <a:spcBef>
                 <a:spcPts val="360"/>
               </a:spcBef>
@@ -6077,7 +6242,7 @@
               <a:buChar char="•"/>
               <a:defRPr sz="1800"/>
             </a:lvl3pPr>
-            <a:lvl4pPr indent="-330200" lvl="3" marL="1828800" algn="l">
+            <a:lvl4pPr marL="1828800" lvl="3" indent="-330200" algn="l">
               <a:spcBef>
                 <a:spcPts val="320"/>
               </a:spcBef>
@@ -6091,7 +6256,7 @@
               <a:buChar char="–"/>
               <a:defRPr sz="1600"/>
             </a:lvl4pPr>
-            <a:lvl5pPr indent="-330200" lvl="4" marL="2286000" algn="l">
+            <a:lvl5pPr marL="2286000" lvl="4" indent="-330200" algn="l">
               <a:spcBef>
                 <a:spcPts val="320"/>
               </a:spcBef>
@@ -6105,7 +6270,7 @@
               <a:buChar char="»"/>
               <a:defRPr sz="1600"/>
             </a:lvl5pPr>
-            <a:lvl6pPr indent="-330200" lvl="5" marL="2743200" algn="l">
+            <a:lvl6pPr marL="2743200" lvl="5" indent="-330200" algn="l">
               <a:spcBef>
                 <a:spcPts val="320"/>
               </a:spcBef>
@@ -6119,7 +6284,7 @@
               <a:buChar char="•"/>
               <a:defRPr sz="1600"/>
             </a:lvl6pPr>
-            <a:lvl7pPr indent="-330200" lvl="6" marL="3200400" algn="l">
+            <a:lvl7pPr marL="3200400" lvl="6" indent="-330200" algn="l">
               <a:spcBef>
                 <a:spcPts val="320"/>
               </a:spcBef>
@@ -6133,7 +6298,7 @@
               <a:buChar char="•"/>
               <a:defRPr sz="1600"/>
             </a:lvl7pPr>
-            <a:lvl8pPr indent="-330200" lvl="7" marL="3657600" algn="l">
+            <a:lvl8pPr marL="3657600" lvl="7" indent="-330200" algn="l">
               <a:spcBef>
                 <a:spcPts val="320"/>
               </a:spcBef>
@@ -6147,7 +6312,7 @@
               <a:buChar char="•"/>
               <a:defRPr sz="1600"/>
             </a:lvl8pPr>
-            <a:lvl9pPr indent="-330200" lvl="8" marL="4114800" algn="l">
+            <a:lvl9pPr marL="4114800" lvl="8" indent="-330200" algn="l">
               <a:spcBef>
                 <a:spcPts val="320"/>
               </a:spcBef>
@@ -6162,15 +6327,19 @@
               <a:defRPr sz="1600"/>
             </a:lvl9pPr>
           </a:lstStyle>
-          <a:p/>
+          <a:p>
+            <a:endParaRPr/>
+          </a:p>
         </p:txBody>
       </p:sp>
       <p:sp>
         <p:nvSpPr>
           <p:cNvPr id="42" name="Google Shape;42;p10"/>
-          <p:cNvSpPr txBox="1"/>
+          <p:cNvSpPr txBox="1">
+            <a:spLocks noGrp="1"/>
+          </p:cNvSpPr>
           <p:nvPr>
-            <p:ph idx="10" type="dt"/>
+            <p:ph type="dt" idx="10"/>
           </p:nvPr>
         </p:nvSpPr>
         <p:spPr>
@@ -6187,7 +6356,7 @@
           </a:ln>
         </p:spPr>
         <p:txBody>
-          <a:bodyPr anchorCtr="0" anchor="ctr" bIns="45700" lIns="91425" spcFirstLastPara="1" rIns="91425" wrap="square" tIns="45700">
+          <a:bodyPr spcFirstLastPara="1" wrap="square" lIns="91425" tIns="45700" rIns="91425" bIns="45700" anchor="ctr" anchorCtr="0">
             <a:noAutofit/>
           </a:bodyPr>
           <a:lstStyle>
@@ -6291,15 +6460,19 @@
               <a:defRPr/>
             </a:lvl9pPr>
           </a:lstStyle>
-          <a:p/>
+          <a:p>
+            <a:endParaRPr/>
+          </a:p>
         </p:txBody>
       </p:sp>
       <p:sp>
         <p:nvSpPr>
           <p:cNvPr id="43" name="Google Shape;43;p10"/>
-          <p:cNvSpPr txBox="1"/>
+          <p:cNvSpPr txBox="1">
+            <a:spLocks noGrp="1"/>
+          </p:cNvSpPr>
           <p:nvPr>
-            <p:ph idx="11" type="ftr"/>
+            <p:ph type="ftr" idx="11"/>
           </p:nvPr>
         </p:nvSpPr>
         <p:spPr>
@@ -6316,7 +6489,7 @@
           </a:ln>
         </p:spPr>
         <p:txBody>
-          <a:bodyPr anchorCtr="0" anchor="ctr" bIns="45700" lIns="91425" spcFirstLastPara="1" rIns="91425" wrap="square" tIns="45700">
+          <a:bodyPr spcFirstLastPara="1" wrap="square" lIns="91425" tIns="45700" rIns="91425" bIns="45700" anchor="ctr" anchorCtr="0">
             <a:noAutofit/>
           </a:bodyPr>
           <a:lstStyle>
@@ -6420,15 +6593,19 @@
               <a:defRPr/>
             </a:lvl9pPr>
           </a:lstStyle>
-          <a:p/>
+          <a:p>
+            <a:endParaRPr/>
+          </a:p>
         </p:txBody>
       </p:sp>
       <p:sp>
         <p:nvSpPr>
           <p:cNvPr id="44" name="Google Shape;44;p10"/>
-          <p:cNvSpPr txBox="1"/>
+          <p:cNvSpPr txBox="1">
+            <a:spLocks noGrp="1"/>
+          </p:cNvSpPr>
           <p:nvPr>
-            <p:ph idx="12" type="sldNum"/>
+            <p:ph type="sldNum" idx="12"/>
           </p:nvPr>
         </p:nvSpPr>
         <p:spPr>
@@ -6445,67 +6622,67 @@
           </a:ln>
         </p:spPr>
         <p:txBody>
-          <a:bodyPr anchorCtr="0" anchor="ctr" bIns="45700" lIns="91425" spcFirstLastPara="1" rIns="91425" wrap="square" tIns="45700">
+          <a:bodyPr spcFirstLastPara="1" wrap="square" lIns="91425" tIns="45700" rIns="91425" bIns="45700" anchor="ctr" anchorCtr="0">
             <a:noAutofit/>
           </a:bodyPr>
           <a:lstStyle>
-            <a:lvl1pPr indent="0" lvl="0" marL="0" algn="r">
+            <a:lvl1pPr marL="0" lvl="0" indent="0" algn="r">
               <a:spcBef>
                 <a:spcPts val="0"/>
               </a:spcBef>
               <a:buNone/>
               <a:defRPr/>
             </a:lvl1pPr>
-            <a:lvl2pPr indent="0" lvl="1" marL="0" algn="r">
+            <a:lvl2pPr marL="0" lvl="1" indent="0" algn="r">
               <a:spcBef>
                 <a:spcPts val="0"/>
               </a:spcBef>
               <a:buNone/>
               <a:defRPr/>
             </a:lvl2pPr>
-            <a:lvl3pPr indent="0" lvl="2" marL="0" algn="r">
+            <a:lvl3pPr marL="0" lvl="2" indent="0" algn="r">
               <a:spcBef>
                 <a:spcPts val="0"/>
               </a:spcBef>
               <a:buNone/>
               <a:defRPr/>
             </a:lvl3pPr>
-            <a:lvl4pPr indent="0" lvl="3" marL="0" algn="r">
+            <a:lvl4pPr marL="0" lvl="3" indent="0" algn="r">
               <a:spcBef>
                 <a:spcPts val="0"/>
               </a:spcBef>
               <a:buNone/>
               <a:defRPr/>
             </a:lvl4pPr>
-            <a:lvl5pPr indent="0" lvl="4" marL="0" algn="r">
+            <a:lvl5pPr marL="0" lvl="4" indent="0" algn="r">
               <a:spcBef>
                 <a:spcPts val="0"/>
               </a:spcBef>
               <a:buNone/>
               <a:defRPr/>
             </a:lvl5pPr>
-            <a:lvl6pPr indent="0" lvl="5" marL="0" algn="r">
+            <a:lvl6pPr marL="0" lvl="5" indent="0" algn="r">
               <a:spcBef>
                 <a:spcPts val="0"/>
               </a:spcBef>
               <a:buNone/>
               <a:defRPr/>
             </a:lvl6pPr>
-            <a:lvl7pPr indent="0" lvl="6" marL="0" algn="r">
+            <a:lvl7pPr marL="0" lvl="6" indent="0" algn="r">
               <a:spcBef>
                 <a:spcPts val="0"/>
               </a:spcBef>
               <a:buNone/>
               <a:defRPr/>
             </a:lvl7pPr>
-            <a:lvl8pPr indent="0" lvl="7" marL="0" algn="r">
+            <a:lvl8pPr marL="0" lvl="7" indent="0" algn="r">
               <a:spcBef>
                 <a:spcPts val="0"/>
               </a:spcBef>
               <a:buNone/>
               <a:defRPr/>
             </a:lvl8pPr>
-            <a:lvl9pPr indent="0" lvl="8" marL="0" algn="r">
+            <a:lvl9pPr marL="0" lvl="8" indent="0" algn="r">
               <a:spcBef>
                 <a:spcPts val="0"/>
               </a:spcBef>
@@ -6514,7 +6691,7 @@
             </a:lvl9pPr>
           </a:lstStyle>
           <a:p>
-            <a:pPr indent="0" lvl="0" marL="0" rtl="0" algn="r">
+            <a:pPr marL="0" lvl="0" indent="0" algn="r" rtl="0">
               <a:spcBef>
                 <a:spcPts val="0"/>
               </a:spcBef>
@@ -6540,11 +6717,11 @@
 </file>
 
 <file path=ppt/slideLayouts/slideLayout6.xml><?xml version="1.0" encoding="utf-8"?>
-<p:sldLayout xmlns:a="http://schemas.openxmlformats.org/drawingml/2006/main" xmlns:r="http://schemas.openxmlformats.org/officeDocument/2006/relationships" xmlns:mc="http://schemas.openxmlformats.org/markup-compatibility/2006" xmlns:mv="urn:schemas-microsoft-com:mac:vml" xmlns:p="http://schemas.openxmlformats.org/presentationml/2006/main" xmlns:c="http://schemas.openxmlformats.org/drawingml/2006/chart" xmlns:dgm="http://schemas.openxmlformats.org/drawingml/2006/diagram" xmlns:o="urn:schemas-microsoft-com:office:office" xmlns:v="urn:schemas-microsoft-com:vml" xmlns:pvml="urn:schemas-microsoft-com:office:powerpoint" xmlns:com="http://schemas.openxmlformats.org/drawingml/2006/compatibility" xmlns:p14="http://schemas.microsoft.com/office/powerpoint/2010/main" xmlns:p15="http://schemas.microsoft.com/office/powerpoint/2012/main" xmlns:ahyp="http://schemas.microsoft.com/office/drawing/2018/hyperlinkcolor" matchingName="Title Only" type="titleOnly">
+<p:sldLayout xmlns:a="http://schemas.openxmlformats.org/drawingml/2006/main" xmlns:r="http://schemas.openxmlformats.org/officeDocument/2006/relationships" xmlns:p="http://schemas.openxmlformats.org/presentationml/2006/main" matchingName="Title Only" type="titleOnly">
   <p:cSld name="TITLE_ONLY">
     <p:spTree>
       <p:nvGrpSpPr>
-        <p:cNvPr id="45" name="Shape 45"/>
+        <p:cNvPr id="1" name="Shape 45"/>
         <p:cNvGrpSpPr/>
         <p:nvPr/>
       </p:nvGrpSpPr>
@@ -6559,7 +6736,9 @@
       <p:sp>
         <p:nvSpPr>
           <p:cNvPr id="46" name="Google Shape;46;p11"/>
-          <p:cNvSpPr txBox="1"/>
+          <p:cNvSpPr txBox="1">
+            <a:spLocks noGrp="1"/>
+          </p:cNvSpPr>
           <p:nvPr>
             <p:ph type="title"/>
           </p:nvPr>
@@ -6578,7 +6757,7 @@
           </a:ln>
         </p:spPr>
         <p:txBody>
-          <a:bodyPr anchorCtr="0" anchor="ctr" bIns="45700" lIns="91425" spcFirstLastPara="1" rIns="91425" wrap="square" tIns="45700">
+          <a:bodyPr spcFirstLastPara="1" wrap="square" lIns="91425" tIns="45700" rIns="91425" bIns="45700" anchor="ctr" anchorCtr="0">
             <a:normAutofit/>
           </a:bodyPr>
           <a:lstStyle>
@@ -6685,15 +6864,19 @@
               <a:defRPr/>
             </a:lvl9pPr>
           </a:lstStyle>
-          <a:p/>
+          <a:p>
+            <a:endParaRPr/>
+          </a:p>
         </p:txBody>
       </p:sp>
       <p:sp>
         <p:nvSpPr>
           <p:cNvPr id="47" name="Google Shape;47;p11"/>
-          <p:cNvSpPr txBox="1"/>
+          <p:cNvSpPr txBox="1">
+            <a:spLocks noGrp="1"/>
+          </p:cNvSpPr>
           <p:nvPr>
-            <p:ph idx="10" type="dt"/>
+            <p:ph type="dt" idx="10"/>
           </p:nvPr>
         </p:nvSpPr>
         <p:spPr>
@@ -6710,7 +6893,7 @@
           </a:ln>
         </p:spPr>
         <p:txBody>
-          <a:bodyPr anchorCtr="0" anchor="ctr" bIns="45700" lIns="91425" spcFirstLastPara="1" rIns="91425" wrap="square" tIns="45700">
+          <a:bodyPr spcFirstLastPara="1" wrap="square" lIns="91425" tIns="45700" rIns="91425" bIns="45700" anchor="ctr" anchorCtr="0">
             <a:noAutofit/>
           </a:bodyPr>
           <a:lstStyle>
@@ -6814,15 +6997,19 @@
               <a:defRPr/>
             </a:lvl9pPr>
           </a:lstStyle>
-          <a:p/>
+          <a:p>
+            <a:endParaRPr/>
+          </a:p>
         </p:txBody>
       </p:sp>
       <p:sp>
         <p:nvSpPr>
           <p:cNvPr id="48" name="Google Shape;48;p11"/>
-          <p:cNvSpPr txBox="1"/>
+          <p:cNvSpPr txBox="1">
+            <a:spLocks noGrp="1"/>
+          </p:cNvSpPr>
           <p:nvPr>
-            <p:ph idx="11" type="ftr"/>
+            <p:ph type="ftr" idx="11"/>
           </p:nvPr>
         </p:nvSpPr>
         <p:spPr>
@@ -6839,7 +7026,7 @@
           </a:ln>
         </p:spPr>
         <p:txBody>
-          <a:bodyPr anchorCtr="0" anchor="ctr" bIns="45700" lIns="91425" spcFirstLastPara="1" rIns="91425" wrap="square" tIns="45700">
+          <a:bodyPr spcFirstLastPara="1" wrap="square" lIns="91425" tIns="45700" rIns="91425" bIns="45700" anchor="ctr" anchorCtr="0">
             <a:noAutofit/>
           </a:bodyPr>
           <a:lstStyle>
@@ -6943,15 +7130,19 @@
               <a:defRPr/>
             </a:lvl9pPr>
           </a:lstStyle>
-          <a:p/>
+          <a:p>
+            <a:endParaRPr/>
+          </a:p>
         </p:txBody>
       </p:sp>
       <p:sp>
         <p:nvSpPr>
           <p:cNvPr id="49" name="Google Shape;49;p11"/>
-          <p:cNvSpPr txBox="1"/>
+          <p:cNvSpPr txBox="1">
+            <a:spLocks noGrp="1"/>
+          </p:cNvSpPr>
           <p:nvPr>
-            <p:ph idx="12" type="sldNum"/>
+            <p:ph type="sldNum" idx="12"/>
           </p:nvPr>
         </p:nvSpPr>
         <p:spPr>
@@ -6968,67 +7159,67 @@
           </a:ln>
         </p:spPr>
         <p:txBody>
-          <a:bodyPr anchorCtr="0" anchor="ctr" bIns="45700" lIns="91425" spcFirstLastPara="1" rIns="91425" wrap="square" tIns="45700">
+          <a:bodyPr spcFirstLastPara="1" wrap="square" lIns="91425" tIns="45700" rIns="91425" bIns="45700" anchor="ctr" anchorCtr="0">
             <a:noAutofit/>
           </a:bodyPr>
           <a:lstStyle>
-            <a:lvl1pPr indent="0" lvl="0" marL="0" algn="r">
+            <a:lvl1pPr marL="0" lvl="0" indent="0" algn="r">
               <a:spcBef>
                 <a:spcPts val="0"/>
               </a:spcBef>
               <a:buNone/>
               <a:defRPr/>
             </a:lvl1pPr>
-            <a:lvl2pPr indent="0" lvl="1" marL="0" algn="r">
+            <a:lvl2pPr marL="0" lvl="1" indent="0" algn="r">
               <a:spcBef>
                 <a:spcPts val="0"/>
               </a:spcBef>
               <a:buNone/>
               <a:defRPr/>
             </a:lvl2pPr>
-            <a:lvl3pPr indent="0" lvl="2" marL="0" algn="r">
+            <a:lvl3pPr marL="0" lvl="2" indent="0" algn="r">
               <a:spcBef>
                 <a:spcPts val="0"/>
               </a:spcBef>
               <a:buNone/>
               <a:defRPr/>
             </a:lvl3pPr>
-            <a:lvl4pPr indent="0" lvl="3" marL="0" algn="r">
+            <a:lvl4pPr marL="0" lvl="3" indent="0" algn="r">
               <a:spcBef>
                 <a:spcPts val="0"/>
               </a:spcBef>
               <a:buNone/>
               <a:defRPr/>
             </a:lvl4pPr>
-            <a:lvl5pPr indent="0" lvl="4" marL="0" algn="r">
+            <a:lvl5pPr marL="0" lvl="4" indent="0" algn="r">
               <a:spcBef>
                 <a:spcPts val="0"/>
               </a:spcBef>
               <a:buNone/>
               <a:defRPr/>
             </a:lvl5pPr>
-            <a:lvl6pPr indent="0" lvl="5" marL="0" algn="r">
+            <a:lvl6pPr marL="0" lvl="5" indent="0" algn="r">
               <a:spcBef>
                 <a:spcPts val="0"/>
               </a:spcBef>
               <a:buNone/>
               <a:defRPr/>
             </a:lvl6pPr>
-            <a:lvl7pPr indent="0" lvl="6" marL="0" algn="r">
+            <a:lvl7pPr marL="0" lvl="6" indent="0" algn="r">
               <a:spcBef>
                 <a:spcPts val="0"/>
               </a:spcBef>
               <a:buNone/>
               <a:defRPr/>
             </a:lvl7pPr>
-            <a:lvl8pPr indent="0" lvl="7" marL="0" algn="r">
+            <a:lvl8pPr marL="0" lvl="7" indent="0" algn="r">
               <a:spcBef>
                 <a:spcPts val="0"/>
               </a:spcBef>
               <a:buNone/>
               <a:defRPr/>
             </a:lvl8pPr>
-            <a:lvl9pPr indent="0" lvl="8" marL="0" algn="r">
+            <a:lvl9pPr marL="0" lvl="8" indent="0" algn="r">
               <a:spcBef>
                 <a:spcPts val="0"/>
               </a:spcBef>
@@ -7037,7 +7228,7 @@
             </a:lvl9pPr>
           </a:lstStyle>
           <a:p>
-            <a:pPr indent="0" lvl="0" marL="0" rtl="0" algn="r">
+            <a:pPr marL="0" lvl="0" indent="0" algn="r" rtl="0">
               <a:spcBef>
                 <a:spcPts val="0"/>
               </a:spcBef>
@@ -7063,11 +7254,11 @@
 </file>
 
 <file path=ppt/slideLayouts/slideLayout7.xml><?xml version="1.0" encoding="utf-8"?>
-<p:sldLayout xmlns:a="http://schemas.openxmlformats.org/drawingml/2006/main" xmlns:r="http://schemas.openxmlformats.org/officeDocument/2006/relationships" xmlns:mc="http://schemas.openxmlformats.org/markup-compatibility/2006" xmlns:mv="urn:schemas-microsoft-com:mac:vml" xmlns:p="http://schemas.openxmlformats.org/presentationml/2006/main" xmlns:c="http://schemas.openxmlformats.org/drawingml/2006/chart" xmlns:dgm="http://schemas.openxmlformats.org/drawingml/2006/diagram" xmlns:o="urn:schemas-microsoft-com:office:office" xmlns:v="urn:schemas-microsoft-com:vml" xmlns:pvml="urn:schemas-microsoft-com:office:powerpoint" xmlns:com="http://schemas.openxmlformats.org/drawingml/2006/compatibility" xmlns:p14="http://schemas.microsoft.com/office/powerpoint/2010/main" xmlns:p15="http://schemas.microsoft.com/office/powerpoint/2012/main" xmlns:ahyp="http://schemas.microsoft.com/office/drawing/2018/hyperlinkcolor" matchingName="Blank" type="blank">
+<p:sldLayout xmlns:a="http://schemas.openxmlformats.org/drawingml/2006/main" xmlns:r="http://schemas.openxmlformats.org/officeDocument/2006/relationships" xmlns:p="http://schemas.openxmlformats.org/presentationml/2006/main" matchingName="Blank" type="blank">
   <p:cSld name="BLANK">
     <p:spTree>
       <p:nvGrpSpPr>
-        <p:cNvPr id="50" name="Shape 50"/>
+        <p:cNvPr id="1" name="Shape 50"/>
         <p:cNvGrpSpPr/>
         <p:nvPr/>
       </p:nvGrpSpPr>
@@ -7082,9 +7273,11 @@
       <p:sp>
         <p:nvSpPr>
           <p:cNvPr id="51" name="Google Shape;51;p12"/>
-          <p:cNvSpPr txBox="1"/>
+          <p:cNvSpPr txBox="1">
+            <a:spLocks noGrp="1"/>
+          </p:cNvSpPr>
           <p:nvPr>
-            <p:ph idx="10" type="dt"/>
+            <p:ph type="dt" idx="10"/>
           </p:nvPr>
         </p:nvSpPr>
         <p:spPr>
@@ -7101,7 +7294,7 @@
           </a:ln>
         </p:spPr>
         <p:txBody>
-          <a:bodyPr anchorCtr="0" anchor="ctr" bIns="45700" lIns="91425" spcFirstLastPara="1" rIns="91425" wrap="square" tIns="45700">
+          <a:bodyPr spcFirstLastPara="1" wrap="square" lIns="91425" tIns="45700" rIns="91425" bIns="45700" anchor="ctr" anchorCtr="0">
             <a:noAutofit/>
           </a:bodyPr>
           <a:lstStyle>
@@ -7205,15 +7398,19 @@
               <a:defRPr/>
             </a:lvl9pPr>
           </a:lstStyle>
-          <a:p/>
+          <a:p>
+            <a:endParaRPr/>
+          </a:p>
         </p:txBody>
       </p:sp>
       <p:sp>
         <p:nvSpPr>
           <p:cNvPr id="52" name="Google Shape;52;p12"/>
-          <p:cNvSpPr txBox="1"/>
+          <p:cNvSpPr txBox="1">
+            <a:spLocks noGrp="1"/>
+          </p:cNvSpPr>
           <p:nvPr>
-            <p:ph idx="11" type="ftr"/>
+            <p:ph type="ftr" idx="11"/>
           </p:nvPr>
         </p:nvSpPr>
         <p:spPr>
@@ -7230,7 +7427,7 @@
           </a:ln>
         </p:spPr>
         <p:txBody>
-          <a:bodyPr anchorCtr="0" anchor="ctr" bIns="45700" lIns="91425" spcFirstLastPara="1" rIns="91425" wrap="square" tIns="45700">
+          <a:bodyPr spcFirstLastPara="1" wrap="square" lIns="91425" tIns="45700" rIns="91425" bIns="45700" anchor="ctr" anchorCtr="0">
             <a:noAutofit/>
           </a:bodyPr>
           <a:lstStyle>
@@ -7334,15 +7531,19 @@
               <a:defRPr/>
             </a:lvl9pPr>
           </a:lstStyle>
-          <a:p/>
+          <a:p>
+            <a:endParaRPr/>
+          </a:p>
         </p:txBody>
       </p:sp>
       <p:sp>
         <p:nvSpPr>
           <p:cNvPr id="53" name="Google Shape;53;p12"/>
-          <p:cNvSpPr txBox="1"/>
+          <p:cNvSpPr txBox="1">
+            <a:spLocks noGrp="1"/>
+          </p:cNvSpPr>
           <p:nvPr>
-            <p:ph idx="12" type="sldNum"/>
+            <p:ph type="sldNum" idx="12"/>
           </p:nvPr>
         </p:nvSpPr>
         <p:spPr>
@@ -7359,67 +7560,67 @@
           </a:ln>
         </p:spPr>
         <p:txBody>
-          <a:bodyPr anchorCtr="0" anchor="ctr" bIns="45700" lIns="91425" spcFirstLastPara="1" rIns="91425" wrap="square" tIns="45700">
+          <a:bodyPr spcFirstLastPara="1" wrap="square" lIns="91425" tIns="45700" rIns="91425" bIns="45700" anchor="ctr" anchorCtr="0">
             <a:noAutofit/>
           </a:bodyPr>
           <a:lstStyle>
-            <a:lvl1pPr indent="0" lvl="0" marL="0" algn="r">
+            <a:lvl1pPr marL="0" lvl="0" indent="0" algn="r">
               <a:spcBef>
                 <a:spcPts val="0"/>
               </a:spcBef>
               <a:buNone/>
               <a:defRPr/>
             </a:lvl1pPr>
-            <a:lvl2pPr indent="0" lvl="1" marL="0" algn="r">
+            <a:lvl2pPr marL="0" lvl="1" indent="0" algn="r">
               <a:spcBef>
                 <a:spcPts val="0"/>
               </a:spcBef>
               <a:buNone/>
               <a:defRPr/>
             </a:lvl2pPr>
-            <a:lvl3pPr indent="0" lvl="2" marL="0" algn="r">
+            <a:lvl3pPr marL="0" lvl="2" indent="0" algn="r">
               <a:spcBef>
                 <a:spcPts val="0"/>
               </a:spcBef>
               <a:buNone/>
               <a:defRPr/>
             </a:lvl3pPr>
-            <a:lvl4pPr indent="0" lvl="3" marL="0" algn="r">
+            <a:lvl4pPr marL="0" lvl="3" indent="0" algn="r">
               <a:spcBef>
                 <a:spcPts val="0"/>
               </a:spcBef>
               <a:buNone/>
               <a:defRPr/>
             </a:lvl4pPr>
-            <a:lvl5pPr indent="0" lvl="4" marL="0" algn="r">
+            <a:lvl5pPr marL="0" lvl="4" indent="0" algn="r">
               <a:spcBef>
                 <a:spcPts val="0"/>
               </a:spcBef>
               <a:buNone/>
               <a:defRPr/>
             </a:lvl5pPr>
-            <a:lvl6pPr indent="0" lvl="5" marL="0" algn="r">
+            <a:lvl6pPr marL="0" lvl="5" indent="0" algn="r">
               <a:spcBef>
                 <a:spcPts val="0"/>
               </a:spcBef>
               <a:buNone/>
               <a:defRPr/>
             </a:lvl6pPr>
-            <a:lvl7pPr indent="0" lvl="6" marL="0" algn="r">
+            <a:lvl7pPr marL="0" lvl="6" indent="0" algn="r">
               <a:spcBef>
                 <a:spcPts val="0"/>
               </a:spcBef>
               <a:buNone/>
               <a:defRPr/>
             </a:lvl7pPr>
-            <a:lvl8pPr indent="0" lvl="7" marL="0" algn="r">
+            <a:lvl8pPr marL="0" lvl="7" indent="0" algn="r">
               <a:spcBef>
                 <a:spcPts val="0"/>
               </a:spcBef>
               <a:buNone/>
               <a:defRPr/>
             </a:lvl8pPr>
-            <a:lvl9pPr indent="0" lvl="8" marL="0" algn="r">
+            <a:lvl9pPr marL="0" lvl="8" indent="0" algn="r">
               <a:spcBef>
                 <a:spcPts val="0"/>
               </a:spcBef>
@@ -7428,7 +7629,7 @@
             </a:lvl9pPr>
           </a:lstStyle>
           <a:p>
-            <a:pPr indent="0" lvl="0" marL="0" rtl="0" algn="r">
+            <a:pPr marL="0" lvl="0" indent="0" algn="r" rtl="0">
               <a:spcBef>
                 <a:spcPts val="0"/>
               </a:spcBef>
@@ -7454,11 +7655,11 @@
 </file>
 
 <file path=ppt/slideLayouts/slideLayout8.xml><?xml version="1.0" encoding="utf-8"?>
-<p:sldLayout xmlns:a="http://schemas.openxmlformats.org/drawingml/2006/main" xmlns:r="http://schemas.openxmlformats.org/officeDocument/2006/relationships" xmlns:mc="http://schemas.openxmlformats.org/markup-compatibility/2006" xmlns:mv="urn:schemas-microsoft-com:mac:vml" xmlns:p="http://schemas.openxmlformats.org/presentationml/2006/main" xmlns:c="http://schemas.openxmlformats.org/drawingml/2006/chart" xmlns:dgm="http://schemas.openxmlformats.org/drawingml/2006/diagram" xmlns:o="urn:schemas-microsoft-com:office:office" xmlns:v="urn:schemas-microsoft-com:vml" xmlns:pvml="urn:schemas-microsoft-com:office:powerpoint" xmlns:com="http://schemas.openxmlformats.org/drawingml/2006/compatibility" xmlns:p14="http://schemas.microsoft.com/office/powerpoint/2010/main" xmlns:p15="http://schemas.microsoft.com/office/powerpoint/2012/main" xmlns:ahyp="http://schemas.microsoft.com/office/drawing/2018/hyperlinkcolor" matchingName="Content with Caption" type="objTx">
+<p:sldLayout xmlns:a="http://schemas.openxmlformats.org/drawingml/2006/main" xmlns:r="http://schemas.openxmlformats.org/officeDocument/2006/relationships" xmlns:p="http://schemas.openxmlformats.org/presentationml/2006/main" matchingName="Content with Caption" type="objTx">
   <p:cSld name="OBJECT_WITH_CAPTION_TEXT">
     <p:spTree>
       <p:nvGrpSpPr>
-        <p:cNvPr id="54" name="Shape 54"/>
+        <p:cNvPr id="1" name="Shape 54"/>
         <p:cNvGrpSpPr/>
         <p:nvPr/>
       </p:nvGrpSpPr>
@@ -7473,7 +7674,9 @@
       <p:sp>
         <p:nvSpPr>
           <p:cNvPr id="55" name="Google Shape;55;p13"/>
-          <p:cNvSpPr txBox="1"/>
+          <p:cNvSpPr txBox="1">
+            <a:spLocks noGrp="1"/>
+          </p:cNvSpPr>
           <p:nvPr>
             <p:ph type="title"/>
           </p:nvPr>
@@ -7492,7 +7695,7 @@
           </a:ln>
         </p:spPr>
         <p:txBody>
-          <a:bodyPr anchorCtr="0" anchor="b" bIns="45700" lIns="91425" spcFirstLastPara="1" rIns="91425" wrap="square" tIns="45700">
+          <a:bodyPr spcFirstLastPara="1" wrap="square" lIns="91425" tIns="45700" rIns="91425" bIns="45700" anchor="b" anchorCtr="0">
             <a:normAutofit/>
           </a:bodyPr>
           <a:lstStyle>
@@ -7509,7 +7712,7 @@
               <a:buSzPts val="2000"/>
               <a:buFont typeface="Calibri"/>
               <a:buNone/>
-              <a:defRPr b="1" sz="2000"/>
+              <a:defRPr sz="2000" b="1"/>
             </a:lvl1pPr>
             <a:lvl2pPr lvl="1">
               <a:spcBef>
@@ -7600,15 +7803,19 @@
               <a:defRPr/>
             </a:lvl9pPr>
           </a:lstStyle>
-          <a:p/>
+          <a:p>
+            <a:endParaRPr/>
+          </a:p>
         </p:txBody>
       </p:sp>
       <p:sp>
         <p:nvSpPr>
           <p:cNvPr id="56" name="Google Shape;56;p13"/>
-          <p:cNvSpPr txBox="1"/>
+          <p:cNvSpPr txBox="1">
+            <a:spLocks noGrp="1"/>
+          </p:cNvSpPr>
           <p:nvPr>
-            <p:ph idx="1" type="body"/>
+            <p:ph type="body" idx="1"/>
           </p:nvPr>
         </p:nvSpPr>
         <p:spPr>
@@ -7625,11 +7832,11 @@
           </a:ln>
         </p:spPr>
         <p:txBody>
-          <a:bodyPr anchorCtr="0" anchor="t" bIns="45700" lIns="91425" spcFirstLastPara="1" rIns="91425" wrap="square" tIns="45700">
+          <a:bodyPr spcFirstLastPara="1" wrap="square" lIns="91425" tIns="45700" rIns="91425" bIns="45700" anchor="t" anchorCtr="0">
             <a:normAutofit/>
           </a:bodyPr>
           <a:lstStyle>
-            <a:lvl1pPr indent="-431800" lvl="0" marL="457200" algn="l">
+            <a:lvl1pPr marL="457200" lvl="0" indent="-431800" algn="l">
               <a:spcBef>
                 <a:spcPts val="640"/>
               </a:spcBef>
@@ -7643,7 +7850,7 @@
               <a:buChar char="•"/>
               <a:defRPr sz="3200"/>
             </a:lvl1pPr>
-            <a:lvl2pPr indent="-406400" lvl="1" marL="914400" algn="l">
+            <a:lvl2pPr marL="914400" lvl="1" indent="-406400" algn="l">
               <a:spcBef>
                 <a:spcPts val="560"/>
               </a:spcBef>
@@ -7657,7 +7864,7 @@
               <a:buChar char="–"/>
               <a:defRPr sz="2800"/>
             </a:lvl2pPr>
-            <a:lvl3pPr indent="-381000" lvl="2" marL="1371600" algn="l">
+            <a:lvl3pPr marL="1371600" lvl="2" indent="-381000" algn="l">
               <a:spcBef>
                 <a:spcPts val="480"/>
               </a:spcBef>
@@ -7671,7 +7878,7 @@
               <a:buChar char="•"/>
               <a:defRPr sz="2400"/>
             </a:lvl3pPr>
-            <a:lvl4pPr indent="-355600" lvl="3" marL="1828800" algn="l">
+            <a:lvl4pPr marL="1828800" lvl="3" indent="-355600" algn="l">
               <a:spcBef>
                 <a:spcPts val="400"/>
               </a:spcBef>
@@ -7685,7 +7892,7 @@
               <a:buChar char="–"/>
               <a:defRPr sz="2000"/>
             </a:lvl4pPr>
-            <a:lvl5pPr indent="-355600" lvl="4" marL="2286000" algn="l">
+            <a:lvl5pPr marL="2286000" lvl="4" indent="-355600" algn="l">
               <a:spcBef>
                 <a:spcPts val="400"/>
               </a:spcBef>
@@ -7699,7 +7906,7 @@
               <a:buChar char="»"/>
               <a:defRPr sz="2000"/>
             </a:lvl5pPr>
-            <a:lvl6pPr indent="-355600" lvl="5" marL="2743200" algn="l">
+            <a:lvl6pPr marL="2743200" lvl="5" indent="-355600" algn="l">
               <a:spcBef>
                 <a:spcPts val="400"/>
               </a:spcBef>
@@ -7713,7 +7920,7 @@
               <a:buChar char="•"/>
               <a:defRPr sz="2000"/>
             </a:lvl6pPr>
-            <a:lvl7pPr indent="-355600" lvl="6" marL="3200400" algn="l">
+            <a:lvl7pPr marL="3200400" lvl="6" indent="-355600" algn="l">
               <a:spcBef>
                 <a:spcPts val="400"/>
               </a:spcBef>
@@ -7727,7 +7934,7 @@
               <a:buChar char="•"/>
               <a:defRPr sz="2000"/>
             </a:lvl7pPr>
-            <a:lvl8pPr indent="-355600" lvl="7" marL="3657600" algn="l">
+            <a:lvl8pPr marL="3657600" lvl="7" indent="-355600" algn="l">
               <a:spcBef>
                 <a:spcPts val="400"/>
               </a:spcBef>
@@ -7741,7 +7948,7 @@
               <a:buChar char="•"/>
               <a:defRPr sz="2000"/>
             </a:lvl8pPr>
-            <a:lvl9pPr indent="-355600" lvl="8" marL="4114800" algn="l">
+            <a:lvl9pPr marL="4114800" lvl="8" indent="-355600" algn="l">
               <a:spcBef>
                 <a:spcPts val="400"/>
               </a:spcBef>
@@ -7756,15 +7963,19 @@
               <a:defRPr sz="2000"/>
             </a:lvl9pPr>
           </a:lstStyle>
-          <a:p/>
+          <a:p>
+            <a:endParaRPr/>
+          </a:p>
         </p:txBody>
       </p:sp>
       <p:sp>
         <p:nvSpPr>
           <p:cNvPr id="57" name="Google Shape;57;p13"/>
-          <p:cNvSpPr txBox="1"/>
+          <p:cNvSpPr txBox="1">
+            <a:spLocks noGrp="1"/>
+          </p:cNvSpPr>
           <p:nvPr>
-            <p:ph idx="2" type="body"/>
+            <p:ph type="body" idx="2"/>
           </p:nvPr>
         </p:nvSpPr>
         <p:spPr>
@@ -7781,11 +7992,11 @@
           </a:ln>
         </p:spPr>
         <p:txBody>
-          <a:bodyPr anchorCtr="0" anchor="t" bIns="45700" lIns="91425" spcFirstLastPara="1" rIns="91425" wrap="square" tIns="45700">
+          <a:bodyPr spcFirstLastPara="1" wrap="square" lIns="91425" tIns="45700" rIns="91425" bIns="45700" anchor="t" anchorCtr="0">
             <a:normAutofit/>
           </a:bodyPr>
           <a:lstStyle>
-            <a:lvl1pPr indent="-228600" lvl="0" marL="457200" algn="l">
+            <a:lvl1pPr marL="457200" lvl="0" indent="-228600" algn="l">
               <a:spcBef>
                 <a:spcPts val="280"/>
               </a:spcBef>
@@ -7799,7 +8010,7 @@
               <a:buNone/>
               <a:defRPr sz="1400"/>
             </a:lvl1pPr>
-            <a:lvl2pPr indent="-228600" lvl="1" marL="914400" algn="l">
+            <a:lvl2pPr marL="914400" lvl="1" indent="-228600" algn="l">
               <a:spcBef>
                 <a:spcPts val="240"/>
               </a:spcBef>
@@ -7813,7 +8024,7 @@
               <a:buNone/>
               <a:defRPr sz="1200"/>
             </a:lvl2pPr>
-            <a:lvl3pPr indent="-228600" lvl="2" marL="1371600" algn="l">
+            <a:lvl3pPr marL="1371600" lvl="2" indent="-228600" algn="l">
               <a:spcBef>
                 <a:spcPts val="200"/>
               </a:spcBef>
@@ -7827,7 +8038,7 @@
               <a:buNone/>
               <a:defRPr sz="1000"/>
             </a:lvl3pPr>
-            <a:lvl4pPr indent="-228600" lvl="3" marL="1828800" algn="l">
+            <a:lvl4pPr marL="1828800" lvl="3" indent="-228600" algn="l">
               <a:spcBef>
                 <a:spcPts val="180"/>
               </a:spcBef>
@@ -7841,7 +8052,7 @@
               <a:buNone/>
               <a:defRPr sz="900"/>
             </a:lvl4pPr>
-            <a:lvl5pPr indent="-228600" lvl="4" marL="2286000" algn="l">
+            <a:lvl5pPr marL="2286000" lvl="4" indent="-228600" algn="l">
               <a:spcBef>
                 <a:spcPts val="180"/>
               </a:spcBef>
@@ -7855,7 +8066,7 @@
               <a:buNone/>
               <a:defRPr sz="900"/>
             </a:lvl5pPr>
-            <a:lvl6pPr indent="-228600" lvl="5" marL="2743200" algn="l">
+            <a:lvl6pPr marL="2743200" lvl="5" indent="-228600" algn="l">
               <a:spcBef>
                 <a:spcPts val="180"/>
               </a:spcBef>
@@ -7869,7 +8080,7 @@
               <a:buNone/>
               <a:defRPr sz="900"/>
             </a:lvl6pPr>
-            <a:lvl7pPr indent="-228600" lvl="6" marL="3200400" algn="l">
+            <a:lvl7pPr marL="3200400" lvl="6" indent="-228600" algn="l">
               <a:spcBef>
                 <a:spcPts val="180"/>
               </a:spcBef>
@@ -7883,7 +8094,7 @@
               <a:buNone/>
               <a:defRPr sz="900"/>
             </a:lvl7pPr>
-            <a:lvl8pPr indent="-228600" lvl="7" marL="3657600" algn="l">
+            <a:lvl8pPr marL="3657600" lvl="7" indent="-228600" algn="l">
               <a:spcBef>
                 <a:spcPts val="180"/>
               </a:spcBef>
@@ -7897,7 +8108,7 @@
               <a:buNone/>
               <a:defRPr sz="900"/>
             </a:lvl8pPr>
-            <a:lvl9pPr indent="-228600" lvl="8" marL="4114800" algn="l">
+            <a:lvl9pPr marL="4114800" lvl="8" indent="-228600" algn="l">
               <a:spcBef>
                 <a:spcPts val="180"/>
               </a:spcBef>
@@ -7912,15 +8123,19 @@
               <a:defRPr sz="900"/>
             </a:lvl9pPr>
           </a:lstStyle>
-          <a:p/>
+          <a:p>
+            <a:endParaRPr/>
+          </a:p>
         </p:txBody>
       </p:sp>
       <p:sp>
         <p:nvSpPr>
           <p:cNvPr id="58" name="Google Shape;58;p13"/>
-          <p:cNvSpPr txBox="1"/>
+          <p:cNvSpPr txBox="1">
+            <a:spLocks noGrp="1"/>
+          </p:cNvSpPr>
           <p:nvPr>
-            <p:ph idx="10" type="dt"/>
+            <p:ph type="dt" idx="10"/>
           </p:nvPr>
         </p:nvSpPr>
         <p:spPr>
@@ -7937,7 +8152,7 @@
           </a:ln>
         </p:spPr>
         <p:txBody>
-          <a:bodyPr anchorCtr="0" anchor="ctr" bIns="45700" lIns="91425" spcFirstLastPara="1" rIns="91425" wrap="square" tIns="45700">
+          <a:bodyPr spcFirstLastPara="1" wrap="square" lIns="91425" tIns="45700" rIns="91425" bIns="45700" anchor="ctr" anchorCtr="0">
             <a:noAutofit/>
           </a:bodyPr>
           <a:lstStyle>
@@ -8041,15 +8256,19 @@
               <a:defRPr/>
             </a:lvl9pPr>
           </a:lstStyle>
-          <a:p/>
+          <a:p>
+            <a:endParaRPr/>
+          </a:p>
         </p:txBody>
       </p:sp>
       <p:sp>
         <p:nvSpPr>
           <p:cNvPr id="59" name="Google Shape;59;p13"/>
-          <p:cNvSpPr txBox="1"/>
+          <p:cNvSpPr txBox="1">
+            <a:spLocks noGrp="1"/>
+          </p:cNvSpPr>
           <p:nvPr>
-            <p:ph idx="11" type="ftr"/>
+            <p:ph type="ftr" idx="11"/>
           </p:nvPr>
         </p:nvSpPr>
         <p:spPr>
@@ -8066,7 +8285,7 @@
           </a:ln>
         </p:spPr>
         <p:txBody>
-          <a:bodyPr anchorCtr="0" anchor="ctr" bIns="45700" lIns="91425" spcFirstLastPara="1" rIns="91425" wrap="square" tIns="45700">
+          <a:bodyPr spcFirstLastPara="1" wrap="square" lIns="91425" tIns="45700" rIns="91425" bIns="45700" anchor="ctr" anchorCtr="0">
             <a:noAutofit/>
           </a:bodyPr>
           <a:lstStyle>
@@ -8170,15 +8389,19 @@
               <a:defRPr/>
             </a:lvl9pPr>
           </a:lstStyle>
-          <a:p/>
+          <a:p>
+            <a:endParaRPr/>
+          </a:p>
         </p:txBody>
       </p:sp>
       <p:sp>
         <p:nvSpPr>
           <p:cNvPr id="60" name="Google Shape;60;p13"/>
-          <p:cNvSpPr txBox="1"/>
+          <p:cNvSpPr txBox="1">
+            <a:spLocks noGrp="1"/>
+          </p:cNvSpPr>
           <p:nvPr>
-            <p:ph idx="12" type="sldNum"/>
+            <p:ph type="sldNum" idx="12"/>
           </p:nvPr>
         </p:nvSpPr>
         <p:spPr>
@@ -8195,67 +8418,67 @@
           </a:ln>
         </p:spPr>
         <p:txBody>
-          <a:bodyPr anchorCtr="0" anchor="ctr" bIns="45700" lIns="91425" spcFirstLastPara="1" rIns="91425" wrap="square" tIns="45700">
+          <a:bodyPr spcFirstLastPara="1" wrap="square" lIns="91425" tIns="45700" rIns="91425" bIns="45700" anchor="ctr" anchorCtr="0">
             <a:noAutofit/>
           </a:bodyPr>
           <a:lstStyle>
-            <a:lvl1pPr indent="0" lvl="0" marL="0" algn="r">
+            <a:lvl1pPr marL="0" lvl="0" indent="0" algn="r">
               <a:spcBef>
                 <a:spcPts val="0"/>
               </a:spcBef>
               <a:buNone/>
               <a:defRPr/>
             </a:lvl1pPr>
-            <a:lvl2pPr indent="0" lvl="1" marL="0" algn="r">
+            <a:lvl2pPr marL="0" lvl="1" indent="0" algn="r">
               <a:spcBef>
                 <a:spcPts val="0"/>
               </a:spcBef>
               <a:buNone/>
               <a:defRPr/>
             </a:lvl2pPr>
-            <a:lvl3pPr indent="0" lvl="2" marL="0" algn="r">
+            <a:lvl3pPr marL="0" lvl="2" indent="0" algn="r">
               <a:spcBef>
                 <a:spcPts val="0"/>
               </a:spcBef>
               <a:buNone/>
               <a:defRPr/>
             </a:lvl3pPr>
-            <a:lvl4pPr indent="0" lvl="3" marL="0" algn="r">
+            <a:lvl4pPr marL="0" lvl="3" indent="0" algn="r">
               <a:spcBef>
                 <a:spcPts val="0"/>
               </a:spcBef>
               <a:buNone/>
               <a:defRPr/>
             </a:lvl4pPr>
-            <a:lvl5pPr indent="0" lvl="4" marL="0" algn="r">
+            <a:lvl5pPr marL="0" lvl="4" indent="0" algn="r">
               <a:spcBef>
                 <a:spcPts val="0"/>
               </a:spcBef>
               <a:buNone/>
               <a:defRPr/>
             </a:lvl5pPr>
-            <a:lvl6pPr indent="0" lvl="5" marL="0" algn="r">
+            <a:lvl6pPr marL="0" lvl="5" indent="0" algn="r">
               <a:spcBef>
                 <a:spcPts val="0"/>
               </a:spcBef>
               <a:buNone/>
               <a:defRPr/>
             </a:lvl6pPr>
-            <a:lvl7pPr indent="0" lvl="6" marL="0" algn="r">
+            <a:lvl7pPr marL="0" lvl="6" indent="0" algn="r">
               <a:spcBef>
                 <a:spcPts val="0"/>
               </a:spcBef>
               <a:buNone/>
               <a:defRPr/>
             </a:lvl7pPr>
-            <a:lvl8pPr indent="0" lvl="7" marL="0" algn="r">
+            <a:lvl8pPr marL="0" lvl="7" indent="0" algn="r">
               <a:spcBef>
                 <a:spcPts val="0"/>
               </a:spcBef>
               <a:buNone/>
               <a:defRPr/>
             </a:lvl8pPr>
-            <a:lvl9pPr indent="0" lvl="8" marL="0" algn="r">
+            <a:lvl9pPr marL="0" lvl="8" indent="0" algn="r">
               <a:spcBef>
                 <a:spcPts val="0"/>
               </a:spcBef>
@@ -8264,7 +8487,7 @@
             </a:lvl9pPr>
           </a:lstStyle>
           <a:p>
-            <a:pPr indent="0" lvl="0" marL="0" rtl="0" algn="r">
+            <a:pPr marL="0" lvl="0" indent="0" algn="r" rtl="0">
               <a:spcBef>
                 <a:spcPts val="0"/>
               </a:spcBef>
@@ -8290,11 +8513,11 @@
 </file>
 
 <file path=ppt/slideLayouts/slideLayout9.xml><?xml version="1.0" encoding="utf-8"?>
-<p:sldLayout xmlns:a="http://schemas.openxmlformats.org/drawingml/2006/main" xmlns:r="http://schemas.openxmlformats.org/officeDocument/2006/relationships" xmlns:mc="http://schemas.openxmlformats.org/markup-compatibility/2006" xmlns:mv="urn:schemas-microsoft-com:mac:vml" xmlns:p="http://schemas.openxmlformats.org/presentationml/2006/main" xmlns:c="http://schemas.openxmlformats.org/drawingml/2006/chart" xmlns:dgm="http://schemas.openxmlformats.org/drawingml/2006/diagram" xmlns:o="urn:schemas-microsoft-com:office:office" xmlns:v="urn:schemas-microsoft-com:vml" xmlns:pvml="urn:schemas-microsoft-com:office:powerpoint" xmlns:com="http://schemas.openxmlformats.org/drawingml/2006/compatibility" xmlns:p14="http://schemas.microsoft.com/office/powerpoint/2010/main" xmlns:p15="http://schemas.microsoft.com/office/powerpoint/2012/main" xmlns:ahyp="http://schemas.microsoft.com/office/drawing/2018/hyperlinkcolor" matchingName="Picture with Caption" type="picTx">
+<p:sldLayout xmlns:a="http://schemas.openxmlformats.org/drawingml/2006/main" xmlns:r="http://schemas.openxmlformats.org/officeDocument/2006/relationships" xmlns:p="http://schemas.openxmlformats.org/presentationml/2006/main" matchingName="Picture with Caption" type="picTx">
   <p:cSld name="PICTURE_WITH_CAPTION_TEXT">
     <p:spTree>
       <p:nvGrpSpPr>
-        <p:cNvPr id="61" name="Shape 61"/>
+        <p:cNvPr id="1" name="Shape 61"/>
         <p:cNvGrpSpPr/>
         <p:nvPr/>
       </p:nvGrpSpPr>
@@ -8309,7 +8532,9 @@
       <p:sp>
         <p:nvSpPr>
           <p:cNvPr id="62" name="Google Shape;62;p14"/>
-          <p:cNvSpPr txBox="1"/>
+          <p:cNvSpPr txBox="1">
+            <a:spLocks noGrp="1"/>
+          </p:cNvSpPr>
           <p:nvPr>
             <p:ph type="title"/>
           </p:nvPr>
@@ -8328,7 +8553,7 @@
           </a:ln>
         </p:spPr>
         <p:txBody>
-          <a:bodyPr anchorCtr="0" anchor="b" bIns="45700" lIns="91425" spcFirstLastPara="1" rIns="91425" wrap="square" tIns="45700">
+          <a:bodyPr spcFirstLastPara="1" wrap="square" lIns="91425" tIns="45700" rIns="91425" bIns="45700" anchor="b" anchorCtr="0">
             <a:normAutofit/>
           </a:bodyPr>
           <a:lstStyle>
@@ -8345,7 +8570,7 @@
               <a:buSzPts val="2000"/>
               <a:buFont typeface="Calibri"/>
               <a:buNone/>
-              <a:defRPr b="1" sz="2000"/>
+              <a:defRPr sz="2000" b="1"/>
             </a:lvl1pPr>
             <a:lvl2pPr lvl="1">
               <a:spcBef>
@@ -8436,15 +8661,19 @@
               <a:defRPr/>
             </a:lvl9pPr>
           </a:lstStyle>
-          <a:p/>
+          <a:p>
+            <a:endParaRPr/>
+          </a:p>
         </p:txBody>
       </p:sp>
       <p:sp>
         <p:nvSpPr>
           <p:cNvPr id="63" name="Google Shape;63;p14"/>
-          <p:cNvSpPr/>
+          <p:cNvSpPr>
+            <a:spLocks noGrp="1"/>
+          </p:cNvSpPr>
           <p:nvPr>
-            <p:ph idx="2" type="pic"/>
+            <p:ph type="pic" idx="2"/>
           </p:nvPr>
         </p:nvSpPr>
         <p:spPr>
@@ -8461,11 +8690,11 @@
           </a:ln>
         </p:spPr>
         <p:txBody>
-          <a:bodyPr anchorCtr="0" anchor="t" bIns="45700" lIns="91425" spcFirstLastPara="1" rIns="91425" wrap="square" tIns="45700">
+          <a:bodyPr spcFirstLastPara="1" wrap="square" lIns="91425" tIns="45700" rIns="91425" bIns="45700" anchor="t" anchorCtr="0">
             <a:normAutofit/>
           </a:bodyPr>
           <a:lstStyle>
-            <a:lvl1pPr lvl="0" marR="0" rtl="0" algn="l">
+            <a:lvl1pPr marR="0" lvl="0" algn="l" rtl="0">
               <a:spcBef>
                 <a:spcPts val="640"/>
               </a:spcBef>
@@ -8478,7 +8707,7 @@
               <a:buSzPts val="3200"/>
               <a:buFont typeface="Arial"/>
               <a:buNone/>
-              <a:defRPr b="0" i="0" sz="3200" u="none" cap="none" strike="noStrike">
+              <a:defRPr sz="3200" b="0" i="0" u="none" strike="noStrike" cap="none">
                 <a:solidFill>
                   <a:schemeClr val="dk1"/>
                 </a:solidFill>
@@ -8488,7 +8717,7 @@
                 <a:sym typeface="Calibri"/>
               </a:defRPr>
             </a:lvl1pPr>
-            <a:lvl2pPr lvl="1" marR="0" rtl="0" algn="l">
+            <a:lvl2pPr marR="0" lvl="1" algn="l" rtl="0">
               <a:spcBef>
                 <a:spcPts val="560"/>
               </a:spcBef>
@@ -8501,7 +8730,7 @@
               <a:buSzPts val="2800"/>
               <a:buFont typeface="Arial"/>
               <a:buNone/>
-              <a:defRPr b="0" i="0" sz="2800" u="none" cap="none" strike="noStrike">
+              <a:defRPr sz="2800" b="0" i="0" u="none" strike="noStrike" cap="none">
                 <a:solidFill>
                   <a:schemeClr val="dk1"/>
                 </a:solidFill>
@@ -8511,7 +8740,7 @@
                 <a:sym typeface="Calibri"/>
               </a:defRPr>
             </a:lvl2pPr>
-            <a:lvl3pPr lvl="2" marR="0" rtl="0" algn="l">
+            <a:lvl3pPr marR="0" lvl="2" algn="l" rtl="0">
               <a:spcBef>
                 <a:spcPts val="480"/>
               </a:spcBef>
@@ -8524,7 +8753,7 @@
               <a:buSzPts val="2400"/>
               <a:buFont typeface="Arial"/>
               <a:buNone/>
-              <a:defRPr b="0" i="0" sz="2400" u="none" cap="none" strike="noStrike">
+              <a:defRPr sz="2400" b="0" i="0" u="none" strike="noStrike" cap="none">
                 <a:solidFill>
                   <a:schemeClr val="dk1"/>
                 </a:solidFill>
@@ -8534,7 +8763,7 @@
                 <a:sym typeface="Calibri"/>
               </a:defRPr>
             </a:lvl3pPr>
-            <a:lvl4pPr lvl="3" marR="0" rtl="0" algn="l">
+            <a:lvl4pPr marR="0" lvl="3" algn="l" rtl="0">
               <a:spcBef>
                 <a:spcPts val="400"/>
               </a:spcBef>
@@ -8547,7 +8776,7 @@
               <a:buSzPts val="2000"/>
               <a:buFont typeface="Arial"/>
               <a:buNone/>
-              <a:defRPr b="0" i="0" sz="2000" u="none" cap="none" strike="noStrike">
+              <a:defRPr sz="2000" b="0" i="0" u="none" strike="noStrike" cap="none">
                 <a:solidFill>
                   <a:schemeClr val="dk1"/>
                 </a:solidFill>
@@ -8557,7 +8786,7 @@
                 <a:sym typeface="Calibri"/>
               </a:defRPr>
             </a:lvl4pPr>
-            <a:lvl5pPr lvl="4" marR="0" rtl="0" algn="l">
+            <a:lvl5pPr marR="0" lvl="4" algn="l" rtl="0">
               <a:spcBef>
                 <a:spcPts val="400"/>
               </a:spcBef>
@@ -8570,7 +8799,7 @@
               <a:buSzPts val="2000"/>
               <a:buFont typeface="Arial"/>
               <a:buNone/>
-              <a:defRPr b="0" i="0" sz="2000" u="none" cap="none" strike="noStrike">
+              <a:defRPr sz="2000" b="0" i="0" u="none" strike="noStrike" cap="none">
                 <a:solidFill>
                   <a:schemeClr val="dk1"/>
                 </a:solidFill>
@@ -8580,7 +8809,7 @@
                 <a:sym typeface="Calibri"/>
               </a:defRPr>
             </a:lvl5pPr>
-            <a:lvl6pPr lvl="5" marR="0" rtl="0" algn="l">
+            <a:lvl6pPr marR="0" lvl="5" algn="l" rtl="0">
               <a:spcBef>
                 <a:spcPts val="400"/>
               </a:spcBef>
@@ -8593,7 +8822,7 @@
               <a:buSzPts val="2000"/>
               <a:buFont typeface="Arial"/>
               <a:buNone/>
-              <a:defRPr b="0" i="0" sz="2000" u="none" cap="none" strike="noStrike">
+              <a:defRPr sz="2000" b="0" i="0" u="none" strike="noStrike" cap="none">
                 <a:solidFill>
                   <a:schemeClr val="dk1"/>
                 </a:solidFill>
@@ -8603,7 +8832,7 @@
                 <a:sym typeface="Calibri"/>
               </a:defRPr>
             </a:lvl6pPr>
-            <a:lvl7pPr lvl="6" marR="0" rtl="0" algn="l">
+            <a:lvl7pPr marR="0" lvl="6" algn="l" rtl="0">
               <a:spcBef>
                 <a:spcPts val="400"/>
               </a:spcBef>
@@ -8616,7 +8845,7 @@
               <a:buSzPts val="2000"/>
               <a:buFont typeface="Arial"/>
               <a:buNone/>
-              <a:defRPr b="0" i="0" sz="2000" u="none" cap="none" strike="noStrike">
+              <a:defRPr sz="2000" b="0" i="0" u="none" strike="noStrike" cap="none">
                 <a:solidFill>
                   <a:schemeClr val="dk1"/>
                 </a:solidFill>
@@ -8626,7 +8855,7 @@
                 <a:sym typeface="Calibri"/>
               </a:defRPr>
             </a:lvl7pPr>
-            <a:lvl8pPr lvl="7" marR="0" rtl="0" algn="l">
+            <a:lvl8pPr marR="0" lvl="7" algn="l" rtl="0">
               <a:spcBef>
                 <a:spcPts val="400"/>
               </a:spcBef>
@@ -8639,7 +8868,7 @@
               <a:buSzPts val="2000"/>
               <a:buFont typeface="Arial"/>
               <a:buNone/>
-              <a:defRPr b="0" i="0" sz="2000" u="none" cap="none" strike="noStrike">
+              <a:defRPr sz="2000" b="0" i="0" u="none" strike="noStrike" cap="none">
                 <a:solidFill>
                   <a:schemeClr val="dk1"/>
                 </a:solidFill>
@@ -8649,7 +8878,7 @@
                 <a:sym typeface="Calibri"/>
               </a:defRPr>
             </a:lvl8pPr>
-            <a:lvl9pPr lvl="8" marR="0" rtl="0" algn="l">
+            <a:lvl9pPr marR="0" lvl="8" algn="l" rtl="0">
               <a:spcBef>
                 <a:spcPts val="400"/>
               </a:spcBef>
@@ -8662,7 +8891,7 @@
               <a:buSzPts val="2000"/>
               <a:buFont typeface="Arial"/>
               <a:buNone/>
-              <a:defRPr b="0" i="0" sz="2000" u="none" cap="none" strike="noStrike">
+              <a:defRPr sz="2000" b="0" i="0" u="none" strike="noStrike" cap="none">
                 <a:solidFill>
                   <a:schemeClr val="dk1"/>
                 </a:solidFill>
@@ -8673,15 +8902,19 @@
               </a:defRPr>
             </a:lvl9pPr>
           </a:lstStyle>
-          <a:p/>
+          <a:p>
+            <a:endParaRPr/>
+          </a:p>
         </p:txBody>
       </p:sp>
       <p:sp>
         <p:nvSpPr>
           <p:cNvPr id="64" name="Google Shape;64;p14"/>
-          <p:cNvSpPr txBox="1"/>
+          <p:cNvSpPr txBox="1">
+            <a:spLocks noGrp="1"/>
+          </p:cNvSpPr>
           <p:nvPr>
-            <p:ph idx="1" type="body"/>
+            <p:ph type="body" idx="1"/>
           </p:nvPr>
         </p:nvSpPr>
         <p:spPr>
@@ -8698,11 +8931,11 @@
           </a:ln>
         </p:spPr>
         <p:txBody>
-          <a:bodyPr anchorCtr="0" anchor="t" bIns="45700" lIns="91425" spcFirstLastPara="1" rIns="91425" wrap="square" tIns="45700">
+          <a:bodyPr spcFirstLastPara="1" wrap="square" lIns="91425" tIns="45700" rIns="91425" bIns="45700" anchor="t" anchorCtr="0">
             <a:normAutofit/>
           </a:bodyPr>
           <a:lstStyle>
-            <a:lvl1pPr indent="-228600" lvl="0" marL="457200" algn="l">
+            <a:lvl1pPr marL="457200" lvl="0" indent="-228600" algn="l">
               <a:spcBef>
                 <a:spcPts val="280"/>
               </a:spcBef>
@@ -8716,7 +8949,7 @@
               <a:buNone/>
               <a:defRPr sz="1400"/>
             </a:lvl1pPr>
-            <a:lvl2pPr indent="-228600" lvl="1" marL="914400" algn="l">
+            <a:lvl2pPr marL="914400" lvl="1" indent="-228600" algn="l">
               <a:spcBef>
                 <a:spcPts val="240"/>
               </a:spcBef>
@@ -8730,7 +8963,7 @@
               <a:buNone/>
               <a:defRPr sz="1200"/>
             </a:lvl2pPr>
-            <a:lvl3pPr indent="-228600" lvl="2" marL="1371600" algn="l">
+            <a:lvl3pPr marL="1371600" lvl="2" indent="-228600" algn="l">
               <a:spcBef>
                 <a:spcPts val="200"/>
               </a:spcBef>
@@ -8744,7 +8977,7 @@
               <a:buNone/>
               <a:defRPr sz="1000"/>
             </a:lvl3pPr>
-            <a:lvl4pPr indent="-228600" lvl="3" marL="1828800" algn="l">
+            <a:lvl4pPr marL="1828800" lvl="3" indent="-228600" algn="l">
               <a:spcBef>
                 <a:spcPts val="180"/>
               </a:spcBef>
@@ -8758,7 +8991,7 @@
               <a:buNone/>
               <a:defRPr sz="900"/>
             </a:lvl4pPr>
-            <a:lvl5pPr indent="-228600" lvl="4" marL="2286000" algn="l">
+            <a:lvl5pPr marL="2286000" lvl="4" indent="-228600" algn="l">
               <a:spcBef>
                 <a:spcPts val="180"/>
               </a:spcBef>
@@ -8772,7 +9005,7 @@
               <a:buNone/>
               <a:defRPr sz="900"/>
             </a:lvl5pPr>
-            <a:lvl6pPr indent="-228600" lvl="5" marL="2743200" algn="l">
+            <a:lvl6pPr marL="2743200" lvl="5" indent="-228600" algn="l">
               <a:spcBef>
                 <a:spcPts val="180"/>
               </a:spcBef>
@@ -8786,7 +9019,7 @@
               <a:buNone/>
               <a:defRPr sz="900"/>
             </a:lvl6pPr>
-            <a:lvl7pPr indent="-228600" lvl="6" marL="3200400" algn="l">
+            <a:lvl7pPr marL="3200400" lvl="6" indent="-228600" algn="l">
               <a:spcBef>
                 <a:spcPts val="180"/>
               </a:spcBef>
@@ -8800,7 +9033,7 @@
               <a:buNone/>
               <a:defRPr sz="900"/>
             </a:lvl7pPr>
-            <a:lvl8pPr indent="-228600" lvl="7" marL="3657600" algn="l">
+            <a:lvl8pPr marL="3657600" lvl="7" indent="-228600" algn="l">
               <a:spcBef>
                 <a:spcPts val="180"/>
               </a:spcBef>
@@ -8814,7 +9047,7 @@
               <a:buNone/>
               <a:defRPr sz="900"/>
             </a:lvl8pPr>
-            <a:lvl9pPr indent="-228600" lvl="8" marL="4114800" algn="l">
+            <a:lvl9pPr marL="4114800" lvl="8" indent="-228600" algn="l">
               <a:spcBef>
                 <a:spcPts val="180"/>
               </a:spcBef>
@@ -8829,15 +9062,19 @@
               <a:defRPr sz="900"/>
             </a:lvl9pPr>
           </a:lstStyle>
-          <a:p/>
+          <a:p>
+            <a:endParaRPr/>
+          </a:p>
         </p:txBody>
       </p:sp>
       <p:sp>
         <p:nvSpPr>
           <p:cNvPr id="65" name="Google Shape;65;p14"/>
-          <p:cNvSpPr txBox="1"/>
+          <p:cNvSpPr txBox="1">
+            <a:spLocks noGrp="1"/>
+          </p:cNvSpPr>
           <p:nvPr>
-            <p:ph idx="10" type="dt"/>
+            <p:ph type="dt" idx="10"/>
           </p:nvPr>
         </p:nvSpPr>
         <p:spPr>
@@ -8854,7 +9091,7 @@
           </a:ln>
         </p:spPr>
         <p:txBody>
-          <a:bodyPr anchorCtr="0" anchor="ctr" bIns="45700" lIns="91425" spcFirstLastPara="1" rIns="91425" wrap="square" tIns="45700">
+          <a:bodyPr spcFirstLastPara="1" wrap="square" lIns="91425" tIns="45700" rIns="91425" bIns="45700" anchor="ctr" anchorCtr="0">
             <a:noAutofit/>
           </a:bodyPr>
           <a:lstStyle>
@@ -8958,15 +9195,19 @@
               <a:defRPr/>
             </a:lvl9pPr>
           </a:lstStyle>
-          <a:p/>
+          <a:p>
+            <a:endParaRPr/>
+          </a:p>
         </p:txBody>
       </p:sp>
       <p:sp>
         <p:nvSpPr>
           <p:cNvPr id="66" name="Google Shape;66;p14"/>
-          <p:cNvSpPr txBox="1"/>
+          <p:cNvSpPr txBox="1">
+            <a:spLocks noGrp="1"/>
+          </p:cNvSpPr>
           <p:nvPr>
-            <p:ph idx="11" type="ftr"/>
+            <p:ph type="ftr" idx="11"/>
           </p:nvPr>
         </p:nvSpPr>
         <p:spPr>
@@ -8983,7 +9224,7 @@
           </a:ln>
         </p:spPr>
         <p:txBody>
-          <a:bodyPr anchorCtr="0" anchor="ctr" bIns="45700" lIns="91425" spcFirstLastPara="1" rIns="91425" wrap="square" tIns="45700">
+          <a:bodyPr spcFirstLastPara="1" wrap="square" lIns="91425" tIns="45700" rIns="91425" bIns="45700" anchor="ctr" anchorCtr="0">
             <a:noAutofit/>
           </a:bodyPr>
           <a:lstStyle>
@@ -9087,15 +9328,19 @@
               <a:defRPr/>
             </a:lvl9pPr>
           </a:lstStyle>
-          <a:p/>
+          <a:p>
+            <a:endParaRPr/>
+          </a:p>
         </p:txBody>
       </p:sp>
       <p:sp>
         <p:nvSpPr>
           <p:cNvPr id="67" name="Google Shape;67;p14"/>
-          <p:cNvSpPr txBox="1"/>
+          <p:cNvSpPr txBox="1">
+            <a:spLocks noGrp="1"/>
+          </p:cNvSpPr>
           <p:nvPr>
-            <p:ph idx="12" type="sldNum"/>
+            <p:ph type="sldNum" idx="12"/>
           </p:nvPr>
         </p:nvSpPr>
         <p:spPr>
@@ -9112,67 +9357,67 @@
           </a:ln>
         </p:spPr>
         <p:txBody>
-          <a:bodyPr anchorCtr="0" anchor="ctr" bIns="45700" lIns="91425" spcFirstLastPara="1" rIns="91425" wrap="square" tIns="45700">
+          <a:bodyPr spcFirstLastPara="1" wrap="square" lIns="91425" tIns="45700" rIns="91425" bIns="45700" anchor="ctr" anchorCtr="0">
             <a:noAutofit/>
           </a:bodyPr>
           <a:lstStyle>
-            <a:lvl1pPr indent="0" lvl="0" marL="0" algn="r">
+            <a:lvl1pPr marL="0" lvl="0" indent="0" algn="r">
               <a:spcBef>
                 <a:spcPts val="0"/>
               </a:spcBef>
               <a:buNone/>
               <a:defRPr/>
             </a:lvl1pPr>
-            <a:lvl2pPr indent="0" lvl="1" marL="0" algn="r">
+            <a:lvl2pPr marL="0" lvl="1" indent="0" algn="r">
               <a:spcBef>
                 <a:spcPts val="0"/>
               </a:spcBef>
               <a:buNone/>
               <a:defRPr/>
             </a:lvl2pPr>
-            <a:lvl3pPr indent="0" lvl="2" marL="0" algn="r">
+            <a:lvl3pPr marL="0" lvl="2" indent="0" algn="r">
               <a:spcBef>
                 <a:spcPts val="0"/>
               </a:spcBef>
               <a:buNone/>
               <a:defRPr/>
             </a:lvl3pPr>
-            <a:lvl4pPr indent="0" lvl="3" marL="0" algn="r">
+            <a:lvl4pPr marL="0" lvl="3" indent="0" algn="r">
               <a:spcBef>
                 <a:spcPts val="0"/>
               </a:spcBef>
               <a:buNone/>
               <a:defRPr/>
             </a:lvl4pPr>
-            <a:lvl5pPr indent="0" lvl="4" marL="0" algn="r">
+            <a:lvl5pPr marL="0" lvl="4" indent="0" algn="r">
               <a:spcBef>
                 <a:spcPts val="0"/>
               </a:spcBef>
               <a:buNone/>
               <a:defRPr/>
             </a:lvl5pPr>
-            <a:lvl6pPr indent="0" lvl="5" marL="0" algn="r">
+            <a:lvl6pPr marL="0" lvl="5" indent="0" algn="r">
               <a:spcBef>
                 <a:spcPts val="0"/>
               </a:spcBef>
               <a:buNone/>
               <a:defRPr/>
             </a:lvl6pPr>
-            <a:lvl7pPr indent="0" lvl="6" marL="0" algn="r">
+            <a:lvl7pPr marL="0" lvl="6" indent="0" algn="r">
               <a:spcBef>
                 <a:spcPts val="0"/>
               </a:spcBef>
               <a:buNone/>
               <a:defRPr/>
             </a:lvl7pPr>
-            <a:lvl8pPr indent="0" lvl="7" marL="0" algn="r">
+            <a:lvl8pPr marL="0" lvl="7" indent="0" algn="r">
               <a:spcBef>
                 <a:spcPts val="0"/>
               </a:spcBef>
               <a:buNone/>
               <a:defRPr/>
             </a:lvl8pPr>
-            <a:lvl9pPr indent="0" lvl="8" marL="0" algn="r">
+            <a:lvl9pPr marL="0" lvl="8" indent="0" algn="r">
               <a:spcBef>
                 <a:spcPts val="0"/>
               </a:spcBef>
@@ -9181,7 +9426,7 @@
             </a:lvl9pPr>
           </a:lstStyle>
           <a:p>
-            <a:pPr indent="0" lvl="0" marL="0" rtl="0" algn="r">
+            <a:pPr marL="0" lvl="0" indent="0" algn="r" rtl="0">
               <a:spcBef>
                 <a:spcPts val="0"/>
               </a:spcBef>
@@ -9207,18 +9452,19 @@
 </file>
 
 <file path=ppt/slideMasters/slideMaster1.xml><?xml version="1.0" encoding="utf-8"?>
-<p:sldMaster xmlns:a="http://schemas.openxmlformats.org/drawingml/2006/main" xmlns:r="http://schemas.openxmlformats.org/officeDocument/2006/relationships" xmlns:mc="http://schemas.openxmlformats.org/markup-compatibility/2006" xmlns:mv="urn:schemas-microsoft-com:mac:vml" xmlns:p="http://schemas.openxmlformats.org/presentationml/2006/main" xmlns:c="http://schemas.openxmlformats.org/drawingml/2006/chart" xmlns:dgm="http://schemas.openxmlformats.org/drawingml/2006/diagram" xmlns:o="urn:schemas-microsoft-com:office:office" xmlns:v="urn:schemas-microsoft-com:vml" xmlns:pvml="urn:schemas-microsoft-com:office:powerpoint" xmlns:com="http://schemas.openxmlformats.org/drawingml/2006/compatibility" xmlns:p14="http://schemas.microsoft.com/office/powerpoint/2010/main" xmlns:p15="http://schemas.microsoft.com/office/powerpoint/2012/main" xmlns:ahyp="http://schemas.microsoft.com/office/drawing/2018/hyperlinkcolor">
+<p:sldMaster xmlns:a="http://schemas.openxmlformats.org/drawingml/2006/main" xmlns:r="http://schemas.openxmlformats.org/officeDocument/2006/relationships" xmlns:p="http://schemas.openxmlformats.org/presentationml/2006/main">
   <p:cSld>
     <p:bg>
       <p:bgPr>
         <a:solidFill>
           <a:schemeClr val="lt1"/>
         </a:solidFill>
+        <a:effectLst/>
       </p:bgPr>
     </p:bg>
     <p:spTree>
       <p:nvGrpSpPr>
-        <p:cNvPr id="5" name="Shape 5"/>
+        <p:cNvPr id="1" name="Shape 5"/>
         <p:cNvGrpSpPr/>
         <p:nvPr/>
       </p:nvGrpSpPr>
@@ -9233,7 +9479,9 @@
       <p:sp>
         <p:nvSpPr>
           <p:cNvPr id="6" name="Google Shape;6;p5"/>
-          <p:cNvSpPr txBox="1"/>
+          <p:cNvSpPr txBox="1">
+            <a:spLocks noGrp="1"/>
+          </p:cNvSpPr>
           <p:nvPr>
             <p:ph type="title"/>
           </p:nvPr>
@@ -9252,11 +9500,11 @@
           </a:ln>
         </p:spPr>
         <p:txBody>
-          <a:bodyPr anchorCtr="0" anchor="ctr" bIns="45700" lIns="91425" spcFirstLastPara="1" rIns="91425" wrap="square" tIns="45700">
+          <a:bodyPr spcFirstLastPara="1" wrap="square" lIns="91425" tIns="45700" rIns="91425" bIns="45700" anchor="ctr" anchorCtr="0">
             <a:normAutofit/>
           </a:bodyPr>
           <a:lstStyle>
-            <a:lvl1pPr lvl="0" marR="0" rtl="0" algn="ctr">
+            <a:lvl1pPr marR="0" lvl="0" algn="ctr" rtl="0">
               <a:spcBef>
                 <a:spcPts val="0"/>
               </a:spcBef>
@@ -9269,7 +9517,7 @@
               <a:buSzPts val="4400"/>
               <a:buFont typeface="Calibri"/>
               <a:buNone/>
-              <a:defRPr b="0" i="0" sz="4400" u="none" cap="none" strike="noStrike">
+              <a:defRPr sz="4400" b="0" i="0" u="none" strike="noStrike" cap="none">
                 <a:solidFill>
                   <a:schemeClr val="dk1"/>
                 </a:solidFill>
@@ -9368,15 +9616,19 @@
               <a:defRPr sz="1800"/>
             </a:lvl9pPr>
           </a:lstStyle>
-          <a:p/>
+          <a:p>
+            <a:endParaRPr/>
+          </a:p>
         </p:txBody>
       </p:sp>
       <p:sp>
         <p:nvSpPr>
           <p:cNvPr id="7" name="Google Shape;7;p5"/>
-          <p:cNvSpPr txBox="1"/>
+          <p:cNvSpPr txBox="1">
+            <a:spLocks noGrp="1"/>
+          </p:cNvSpPr>
           <p:nvPr>
-            <p:ph idx="1" type="body"/>
+            <p:ph type="body" idx="1"/>
           </p:nvPr>
         </p:nvSpPr>
         <p:spPr>
@@ -9393,11 +9645,11 @@
           </a:ln>
         </p:spPr>
         <p:txBody>
-          <a:bodyPr anchorCtr="0" anchor="t" bIns="45700" lIns="91425" spcFirstLastPara="1" rIns="91425" wrap="square" tIns="45700">
+          <a:bodyPr spcFirstLastPara="1" wrap="square" lIns="91425" tIns="45700" rIns="91425" bIns="45700" anchor="t" anchorCtr="0">
             <a:normAutofit/>
           </a:bodyPr>
           <a:lstStyle>
-            <a:lvl1pPr indent="-431800" lvl="0" marL="457200" marR="0" rtl="0" algn="l">
+            <a:lvl1pPr marL="457200" marR="0" lvl="0" indent="-431800" algn="l" rtl="0">
               <a:spcBef>
                 <a:spcPts val="640"/>
               </a:spcBef>
@@ -9410,7 +9662,7 @@
               <a:buSzPts val="3200"/>
               <a:buFont typeface="Arial"/>
               <a:buChar char="•"/>
-              <a:defRPr b="0" i="0" sz="3200" u="none" cap="none" strike="noStrike">
+              <a:defRPr sz="3200" b="0" i="0" u="none" strike="noStrike" cap="none">
                 <a:solidFill>
                   <a:schemeClr val="dk1"/>
                 </a:solidFill>
@@ -9420,7 +9672,7 @@
                 <a:sym typeface="Calibri"/>
               </a:defRPr>
             </a:lvl1pPr>
-            <a:lvl2pPr indent="-406400" lvl="1" marL="914400" marR="0" rtl="0" algn="l">
+            <a:lvl2pPr marL="914400" marR="0" lvl="1" indent="-406400" algn="l" rtl="0">
               <a:spcBef>
                 <a:spcPts val="560"/>
               </a:spcBef>
@@ -9433,7 +9685,7 @@
               <a:buSzPts val="2800"/>
               <a:buFont typeface="Arial"/>
               <a:buChar char="–"/>
-              <a:defRPr b="0" i="0" sz="2800" u="none" cap="none" strike="noStrike">
+              <a:defRPr sz="2800" b="0" i="0" u="none" strike="noStrike" cap="none">
                 <a:solidFill>
                   <a:schemeClr val="dk1"/>
                 </a:solidFill>
@@ -9443,7 +9695,7 @@
                 <a:sym typeface="Calibri"/>
               </a:defRPr>
             </a:lvl2pPr>
-            <a:lvl3pPr indent="-381000" lvl="2" marL="1371600" marR="0" rtl="0" algn="l">
+            <a:lvl3pPr marL="1371600" marR="0" lvl="2" indent="-381000" algn="l" rtl="0">
               <a:spcBef>
                 <a:spcPts val="480"/>
               </a:spcBef>
@@ -9456,7 +9708,7 @@
               <a:buSzPts val="2400"/>
               <a:buFont typeface="Arial"/>
               <a:buChar char="•"/>
-              <a:defRPr b="0" i="0" sz="2400" u="none" cap="none" strike="noStrike">
+              <a:defRPr sz="2400" b="0" i="0" u="none" strike="noStrike" cap="none">
                 <a:solidFill>
                   <a:schemeClr val="dk1"/>
                 </a:solidFill>
@@ -9466,7 +9718,7 @@
                 <a:sym typeface="Calibri"/>
               </a:defRPr>
             </a:lvl3pPr>
-            <a:lvl4pPr indent="-355600" lvl="3" marL="1828800" marR="0" rtl="0" algn="l">
+            <a:lvl4pPr marL="1828800" marR="0" lvl="3" indent="-355600" algn="l" rtl="0">
               <a:spcBef>
                 <a:spcPts val="400"/>
               </a:spcBef>
@@ -9479,7 +9731,7 @@
               <a:buSzPts val="2000"/>
               <a:buFont typeface="Arial"/>
               <a:buChar char="–"/>
-              <a:defRPr b="0" i="0" sz="2000" u="none" cap="none" strike="noStrike">
+              <a:defRPr sz="2000" b="0" i="0" u="none" strike="noStrike" cap="none">
                 <a:solidFill>
                   <a:schemeClr val="dk1"/>
                 </a:solidFill>
@@ -9489,7 +9741,7 @@
                 <a:sym typeface="Calibri"/>
               </a:defRPr>
             </a:lvl4pPr>
-            <a:lvl5pPr indent="-355600" lvl="4" marL="2286000" marR="0" rtl="0" algn="l">
+            <a:lvl5pPr marL="2286000" marR="0" lvl="4" indent="-355600" algn="l" rtl="0">
               <a:spcBef>
                 <a:spcPts val="400"/>
               </a:spcBef>
@@ -9502,7 +9754,7 @@
               <a:buSzPts val="2000"/>
               <a:buFont typeface="Arial"/>
               <a:buChar char="»"/>
-              <a:defRPr b="0" i="0" sz="2000" u="none" cap="none" strike="noStrike">
+              <a:defRPr sz="2000" b="0" i="0" u="none" strike="noStrike" cap="none">
                 <a:solidFill>
                   <a:schemeClr val="dk1"/>
                 </a:solidFill>
@@ -9512,7 +9764,7 @@
                 <a:sym typeface="Calibri"/>
               </a:defRPr>
             </a:lvl5pPr>
-            <a:lvl6pPr indent="-355600" lvl="5" marL="2743200" marR="0" rtl="0" algn="l">
+            <a:lvl6pPr marL="2743200" marR="0" lvl="5" indent="-355600" algn="l" rtl="0">
               <a:spcBef>
                 <a:spcPts val="400"/>
               </a:spcBef>
@@ -9525,7 +9777,7 @@
               <a:buSzPts val="2000"/>
               <a:buFont typeface="Arial"/>
               <a:buChar char="•"/>
-              <a:defRPr b="0" i="0" sz="2000" u="none" cap="none" strike="noStrike">
+              <a:defRPr sz="2000" b="0" i="0" u="none" strike="noStrike" cap="none">
                 <a:solidFill>
                   <a:schemeClr val="dk1"/>
                 </a:solidFill>
@@ -9535,7 +9787,7 @@
                 <a:sym typeface="Calibri"/>
               </a:defRPr>
             </a:lvl6pPr>
-            <a:lvl7pPr indent="-355600" lvl="6" marL="3200400" marR="0" rtl="0" algn="l">
+            <a:lvl7pPr marL="3200400" marR="0" lvl="6" indent="-355600" algn="l" rtl="0">
               <a:spcBef>
                 <a:spcPts val="400"/>
               </a:spcBef>
@@ -9548,7 +9800,7 @@
               <a:buSzPts val="2000"/>
               <a:buFont typeface="Arial"/>
               <a:buChar char="•"/>
-              <a:defRPr b="0" i="0" sz="2000" u="none" cap="none" strike="noStrike">
+              <a:defRPr sz="2000" b="0" i="0" u="none" strike="noStrike" cap="none">
                 <a:solidFill>
                   <a:schemeClr val="dk1"/>
                 </a:solidFill>
@@ -9558,7 +9810,7 @@
                 <a:sym typeface="Calibri"/>
               </a:defRPr>
             </a:lvl7pPr>
-            <a:lvl8pPr indent="-355600" lvl="7" marL="3657600" marR="0" rtl="0" algn="l">
+            <a:lvl8pPr marL="3657600" marR="0" lvl="7" indent="-355600" algn="l" rtl="0">
               <a:spcBef>
                 <a:spcPts val="400"/>
               </a:spcBef>
@@ -9571,7 +9823,7 @@
               <a:buSzPts val="2000"/>
               <a:buFont typeface="Arial"/>
               <a:buChar char="•"/>
-              <a:defRPr b="0" i="0" sz="2000" u="none" cap="none" strike="noStrike">
+              <a:defRPr sz="2000" b="0" i="0" u="none" strike="noStrike" cap="none">
                 <a:solidFill>
                   <a:schemeClr val="dk1"/>
                 </a:solidFill>
@@ -9581,7 +9833,7 @@
                 <a:sym typeface="Calibri"/>
               </a:defRPr>
             </a:lvl8pPr>
-            <a:lvl9pPr indent="-355600" lvl="8" marL="4114800" marR="0" rtl="0" algn="l">
+            <a:lvl9pPr marL="4114800" marR="0" lvl="8" indent="-355600" algn="l" rtl="0">
               <a:spcBef>
                 <a:spcPts val="400"/>
               </a:spcBef>
@@ -9594,7 +9846,7 @@
               <a:buSzPts val="2000"/>
               <a:buFont typeface="Arial"/>
               <a:buChar char="•"/>
-              <a:defRPr b="0" i="0" sz="2000" u="none" cap="none" strike="noStrike">
+              <a:defRPr sz="2000" b="0" i="0" u="none" strike="noStrike" cap="none">
                 <a:solidFill>
                   <a:schemeClr val="dk1"/>
                 </a:solidFill>
@@ -9605,15 +9857,19 @@
               </a:defRPr>
             </a:lvl9pPr>
           </a:lstStyle>
-          <a:p/>
+          <a:p>
+            <a:endParaRPr/>
+          </a:p>
         </p:txBody>
       </p:sp>
       <p:sp>
         <p:nvSpPr>
           <p:cNvPr id="8" name="Google Shape;8;p5"/>
-          <p:cNvSpPr txBox="1"/>
+          <p:cNvSpPr txBox="1">
+            <a:spLocks noGrp="1"/>
+          </p:cNvSpPr>
           <p:nvPr>
-            <p:ph idx="10" type="dt"/>
+            <p:ph type="dt" idx="10"/>
           </p:nvPr>
         </p:nvSpPr>
         <p:spPr>
@@ -9630,20 +9886,20 @@
           </a:ln>
         </p:spPr>
         <p:txBody>
-          <a:bodyPr anchorCtr="0" anchor="ctr" bIns="45700" lIns="91425" spcFirstLastPara="1" rIns="91425" wrap="square" tIns="45700">
+          <a:bodyPr spcFirstLastPara="1" wrap="square" lIns="91425" tIns="45700" rIns="91425" bIns="45700" anchor="ctr" anchorCtr="0">
             <a:noAutofit/>
           </a:bodyPr>
           <a:lstStyle>
-            <a:lvl1pPr lvl="0" marR="0" rtl="0" algn="l">
-              <a:spcBef>
-                <a:spcPts val="0"/>
-              </a:spcBef>
-              <a:spcAft>
-                <a:spcPts val="0"/>
-              </a:spcAft>
-              <a:buSzPts val="1400"/>
-              <a:buNone/>
-              <a:defRPr b="0" i="0" sz="1200" u="none" cap="none" strike="noStrike">
+            <a:lvl1pPr marR="0" lvl="0" algn="l" rtl="0">
+              <a:spcBef>
+                <a:spcPts val="0"/>
+              </a:spcBef>
+              <a:spcAft>
+                <a:spcPts val="0"/>
+              </a:spcAft>
+              <a:buSzPts val="1400"/>
+              <a:buNone/>
+              <a:defRPr sz="1200" b="0" i="0" u="none" strike="noStrike" cap="none">
                 <a:solidFill>
                   <a:srgbClr val="888888"/>
                 </a:solidFill>
@@ -9653,16 +9909,16 @@
                 <a:sym typeface="Calibri"/>
               </a:defRPr>
             </a:lvl1pPr>
-            <a:lvl2pPr lvl="1" marR="0" rtl="0" algn="l">
-              <a:spcBef>
-                <a:spcPts val="0"/>
-              </a:spcBef>
-              <a:spcAft>
-                <a:spcPts val="0"/>
-              </a:spcAft>
-              <a:buSzPts val="1400"/>
-              <a:buNone/>
-              <a:defRPr b="0" i="0" sz="1800" u="none" cap="none" strike="noStrike">
+            <a:lvl2pPr marR="0" lvl="1" algn="l" rtl="0">
+              <a:spcBef>
+                <a:spcPts val="0"/>
+              </a:spcBef>
+              <a:spcAft>
+                <a:spcPts val="0"/>
+              </a:spcAft>
+              <a:buSzPts val="1400"/>
+              <a:buNone/>
+              <a:defRPr sz="1800" b="0" i="0" u="none" strike="noStrike" cap="none">
                 <a:solidFill>
                   <a:schemeClr val="dk1"/>
                 </a:solidFill>
@@ -9672,16 +9928,16 @@
                 <a:sym typeface="Calibri"/>
               </a:defRPr>
             </a:lvl2pPr>
-            <a:lvl3pPr lvl="2" marR="0" rtl="0" algn="l">
-              <a:spcBef>
-                <a:spcPts val="0"/>
-              </a:spcBef>
-              <a:spcAft>
-                <a:spcPts val="0"/>
-              </a:spcAft>
-              <a:buSzPts val="1400"/>
-              <a:buNone/>
-              <a:defRPr b="0" i="0" sz="1800" u="none" cap="none" strike="noStrike">
+            <a:lvl3pPr marR="0" lvl="2" algn="l" rtl="0">
+              <a:spcBef>
+                <a:spcPts val="0"/>
+              </a:spcBef>
+              <a:spcAft>
+                <a:spcPts val="0"/>
+              </a:spcAft>
+              <a:buSzPts val="1400"/>
+              <a:buNone/>
+              <a:defRPr sz="1800" b="0" i="0" u="none" strike="noStrike" cap="none">
                 <a:solidFill>
                   <a:schemeClr val="dk1"/>
                 </a:solidFill>
@@ -9691,16 +9947,16 @@
                 <a:sym typeface="Calibri"/>
               </a:defRPr>
             </a:lvl3pPr>
-            <a:lvl4pPr lvl="3" marR="0" rtl="0" algn="l">
-              <a:spcBef>
-                <a:spcPts val="0"/>
-              </a:spcBef>
-              <a:spcAft>
-                <a:spcPts val="0"/>
-              </a:spcAft>
-              <a:buSzPts val="1400"/>
-              <a:buNone/>
-              <a:defRPr b="0" i="0" sz="1800" u="none" cap="none" strike="noStrike">
+            <a:lvl4pPr marR="0" lvl="3" algn="l" rtl="0">
+              <a:spcBef>
+                <a:spcPts val="0"/>
+              </a:spcBef>
+              <a:spcAft>
+                <a:spcPts val="0"/>
+              </a:spcAft>
+              <a:buSzPts val="1400"/>
+              <a:buNone/>
+              <a:defRPr sz="1800" b="0" i="0" u="none" strike="noStrike" cap="none">
                 <a:solidFill>
                   <a:schemeClr val="dk1"/>
                 </a:solidFill>
@@ -9710,16 +9966,16 @@
                 <a:sym typeface="Calibri"/>
               </a:defRPr>
             </a:lvl4pPr>
-            <a:lvl5pPr lvl="4" marR="0" rtl="0" algn="l">
-              <a:spcBef>
-                <a:spcPts val="0"/>
-              </a:spcBef>
-              <a:spcAft>
-                <a:spcPts val="0"/>
-              </a:spcAft>
-              <a:buSzPts val="1400"/>
-              <a:buNone/>
-              <a:defRPr b="0" i="0" sz="1800" u="none" cap="none" strike="noStrike">
+            <a:lvl5pPr marR="0" lvl="4" algn="l" rtl="0">
+              <a:spcBef>
+                <a:spcPts val="0"/>
+              </a:spcBef>
+              <a:spcAft>
+                <a:spcPts val="0"/>
+              </a:spcAft>
+              <a:buSzPts val="1400"/>
+              <a:buNone/>
+              <a:defRPr sz="1800" b="0" i="0" u="none" strike="noStrike" cap="none">
                 <a:solidFill>
                   <a:schemeClr val="dk1"/>
                 </a:solidFill>
@@ -9729,16 +9985,16 @@
                 <a:sym typeface="Calibri"/>
               </a:defRPr>
             </a:lvl5pPr>
-            <a:lvl6pPr lvl="5" marR="0" rtl="0" algn="l">
-              <a:spcBef>
-                <a:spcPts val="0"/>
-              </a:spcBef>
-              <a:spcAft>
-                <a:spcPts val="0"/>
-              </a:spcAft>
-              <a:buSzPts val="1400"/>
-              <a:buNone/>
-              <a:defRPr b="0" i="0" sz="1800" u="none" cap="none" strike="noStrike">
+            <a:lvl6pPr marR="0" lvl="5" algn="l" rtl="0">
+              <a:spcBef>
+                <a:spcPts val="0"/>
+              </a:spcBef>
+              <a:spcAft>
+                <a:spcPts val="0"/>
+              </a:spcAft>
+              <a:buSzPts val="1400"/>
+              <a:buNone/>
+              <a:defRPr sz="1800" b="0" i="0" u="none" strike="noStrike" cap="none">
                 <a:solidFill>
                   <a:schemeClr val="dk1"/>
                 </a:solidFill>
@@ -9748,16 +10004,16 @@
                 <a:sym typeface="Calibri"/>
               </a:defRPr>
             </a:lvl6pPr>
-            <a:lvl7pPr lvl="6" marR="0" rtl="0" algn="l">
-              <a:spcBef>
-                <a:spcPts val="0"/>
-              </a:spcBef>
-              <a:spcAft>
-                <a:spcPts val="0"/>
-              </a:spcAft>
-              <a:buSzPts val="1400"/>
-              <a:buNone/>
-              <a:defRPr b="0" i="0" sz="1800" u="none" cap="none" strike="noStrike">
+            <a:lvl7pPr marR="0" lvl="6" algn="l" rtl="0">
+              <a:spcBef>
+                <a:spcPts val="0"/>
+              </a:spcBef>
+              <a:spcAft>
+                <a:spcPts val="0"/>
+              </a:spcAft>
+              <a:buSzPts val="1400"/>
+              <a:buNone/>
+              <a:defRPr sz="1800" b="0" i="0" u="none" strike="noStrike" cap="none">
                 <a:solidFill>
                   <a:schemeClr val="dk1"/>
                 </a:solidFill>
@@ -9767,16 +10023,16 @@
                 <a:sym typeface="Calibri"/>
               </a:defRPr>
             </a:lvl7pPr>
-            <a:lvl8pPr lvl="7" marR="0" rtl="0" algn="l">
-              <a:spcBef>
-                <a:spcPts val="0"/>
-              </a:spcBef>
-              <a:spcAft>
-                <a:spcPts val="0"/>
-              </a:spcAft>
-              <a:buSzPts val="1400"/>
-              <a:buNone/>
-              <a:defRPr b="0" i="0" sz="1800" u="none" cap="none" strike="noStrike">
+            <a:lvl8pPr marR="0" lvl="7" algn="l" rtl="0">
+              <a:spcBef>
+                <a:spcPts val="0"/>
+              </a:spcBef>
+              <a:spcAft>
+                <a:spcPts val="0"/>
+              </a:spcAft>
+              <a:buSzPts val="1400"/>
+              <a:buNone/>
+              <a:defRPr sz="1800" b="0" i="0" u="none" strike="noStrike" cap="none">
                 <a:solidFill>
                   <a:schemeClr val="dk1"/>
                 </a:solidFill>
@@ -9786,16 +10042,16 @@
                 <a:sym typeface="Calibri"/>
               </a:defRPr>
             </a:lvl8pPr>
-            <a:lvl9pPr lvl="8" marR="0" rtl="0" algn="l">
-              <a:spcBef>
-                <a:spcPts val="0"/>
-              </a:spcBef>
-              <a:spcAft>
-                <a:spcPts val="0"/>
-              </a:spcAft>
-              <a:buSzPts val="1400"/>
-              <a:buNone/>
-              <a:defRPr b="0" i="0" sz="1800" u="none" cap="none" strike="noStrike">
+            <a:lvl9pPr marR="0" lvl="8" algn="l" rtl="0">
+              <a:spcBef>
+                <a:spcPts val="0"/>
+              </a:spcBef>
+              <a:spcAft>
+                <a:spcPts val="0"/>
+              </a:spcAft>
+              <a:buSzPts val="1400"/>
+              <a:buNone/>
+              <a:defRPr sz="1800" b="0" i="0" u="none" strike="noStrike" cap="none">
                 <a:solidFill>
                   <a:schemeClr val="dk1"/>
                 </a:solidFill>
@@ -9806,15 +10062,19 @@
               </a:defRPr>
             </a:lvl9pPr>
           </a:lstStyle>
-          <a:p/>
+          <a:p>
+            <a:endParaRPr/>
+          </a:p>
         </p:txBody>
       </p:sp>
       <p:sp>
         <p:nvSpPr>
           <p:cNvPr id="9" name="Google Shape;9;p5"/>
-          <p:cNvSpPr txBox="1"/>
+          <p:cNvSpPr txBox="1">
+            <a:spLocks noGrp="1"/>
+          </p:cNvSpPr>
           <p:nvPr>
-            <p:ph idx="11" type="ftr"/>
+            <p:ph type="ftr" idx="11"/>
           </p:nvPr>
         </p:nvSpPr>
         <p:spPr>
@@ -9831,20 +10091,20 @@
           </a:ln>
         </p:spPr>
         <p:txBody>
-          <a:bodyPr anchorCtr="0" anchor="ctr" bIns="45700" lIns="91425" spcFirstLastPara="1" rIns="91425" wrap="square" tIns="45700">
+          <a:bodyPr spcFirstLastPara="1" wrap="square" lIns="91425" tIns="45700" rIns="91425" bIns="45700" anchor="ctr" anchorCtr="0">
             <a:noAutofit/>
           </a:bodyPr>
           <a:lstStyle>
-            <a:lvl1pPr lvl="0" marR="0" rtl="0" algn="ctr">
-              <a:spcBef>
-                <a:spcPts val="0"/>
-              </a:spcBef>
-              <a:spcAft>
-                <a:spcPts val="0"/>
-              </a:spcAft>
-              <a:buSzPts val="1400"/>
-              <a:buNone/>
-              <a:defRPr b="0" i="0" sz="1200" u="none" cap="none" strike="noStrike">
+            <a:lvl1pPr marR="0" lvl="0" algn="ctr" rtl="0">
+              <a:spcBef>
+                <a:spcPts val="0"/>
+              </a:spcBef>
+              <a:spcAft>
+                <a:spcPts val="0"/>
+              </a:spcAft>
+              <a:buSzPts val="1400"/>
+              <a:buNone/>
+              <a:defRPr sz="1200" b="0" i="0" u="none" strike="noStrike" cap="none">
                 <a:solidFill>
                   <a:srgbClr val="888888"/>
                 </a:solidFill>
@@ -9854,16 +10114,16 @@
                 <a:sym typeface="Calibri"/>
               </a:defRPr>
             </a:lvl1pPr>
-            <a:lvl2pPr lvl="1" marR="0" rtl="0" algn="l">
-              <a:spcBef>
-                <a:spcPts val="0"/>
-              </a:spcBef>
-              <a:spcAft>
-                <a:spcPts val="0"/>
-              </a:spcAft>
-              <a:buSzPts val="1400"/>
-              <a:buNone/>
-              <a:defRPr b="0" i="0" sz="1800" u="none" cap="none" strike="noStrike">
+            <a:lvl2pPr marR="0" lvl="1" algn="l" rtl="0">
+              <a:spcBef>
+                <a:spcPts val="0"/>
+              </a:spcBef>
+              <a:spcAft>
+                <a:spcPts val="0"/>
+              </a:spcAft>
+              <a:buSzPts val="1400"/>
+              <a:buNone/>
+              <a:defRPr sz="1800" b="0" i="0" u="none" strike="noStrike" cap="none">
                 <a:solidFill>
                   <a:schemeClr val="dk1"/>
                 </a:solidFill>
@@ -9873,16 +10133,16 @@
                 <a:sym typeface="Calibri"/>
               </a:defRPr>
             </a:lvl2pPr>
-            <a:lvl3pPr lvl="2" marR="0" rtl="0" algn="l">
-              <a:spcBef>
-                <a:spcPts val="0"/>
-              </a:spcBef>
-              <a:spcAft>
-                <a:spcPts val="0"/>
-              </a:spcAft>
-              <a:buSzPts val="1400"/>
-              <a:buNone/>
-              <a:defRPr b="0" i="0" sz="1800" u="none" cap="none" strike="noStrike">
+            <a:lvl3pPr marR="0" lvl="2" algn="l" rtl="0">
+              <a:spcBef>
+                <a:spcPts val="0"/>
+              </a:spcBef>
+              <a:spcAft>
+                <a:spcPts val="0"/>
+              </a:spcAft>
+              <a:buSzPts val="1400"/>
+              <a:buNone/>
+              <a:defRPr sz="1800" b="0" i="0" u="none" strike="noStrike" cap="none">
                 <a:solidFill>
                   <a:schemeClr val="dk1"/>
                 </a:solidFill>
@@ -9892,16 +10152,16 @@
                 <a:sym typeface="Calibri"/>
               </a:defRPr>
             </a:lvl3pPr>
-            <a:lvl4pPr lvl="3" marR="0" rtl="0" algn="l">
-              <a:spcBef>
-                <a:spcPts val="0"/>
-              </a:spcBef>
-              <a:spcAft>
-                <a:spcPts val="0"/>
-              </a:spcAft>
-              <a:buSzPts val="1400"/>
-              <a:buNone/>
-              <a:defRPr b="0" i="0" sz="1800" u="none" cap="none" strike="noStrike">
+            <a:lvl4pPr marR="0" lvl="3" algn="l" rtl="0">
+              <a:spcBef>
+                <a:spcPts val="0"/>
+              </a:spcBef>
+              <a:spcAft>
+                <a:spcPts val="0"/>
+              </a:spcAft>
+              <a:buSzPts val="1400"/>
+              <a:buNone/>
+              <a:defRPr sz="1800" b="0" i="0" u="none" strike="noStrike" cap="none">
                 <a:solidFill>
                   <a:schemeClr val="dk1"/>
                 </a:solidFill>
@@ -9911,16 +10171,16 @@
                 <a:sym typeface="Calibri"/>
               </a:defRPr>
             </a:lvl4pPr>
-            <a:lvl5pPr lvl="4" marR="0" rtl="0" algn="l">
-              <a:spcBef>
-                <a:spcPts val="0"/>
-              </a:spcBef>
-              <a:spcAft>
-                <a:spcPts val="0"/>
-              </a:spcAft>
-              <a:buSzPts val="1400"/>
-              <a:buNone/>
-              <a:defRPr b="0" i="0" sz="1800" u="none" cap="none" strike="noStrike">
+            <a:lvl5pPr marR="0" lvl="4" algn="l" rtl="0">
+              <a:spcBef>
+                <a:spcPts val="0"/>
+              </a:spcBef>
+              <a:spcAft>
+                <a:spcPts val="0"/>
+              </a:spcAft>
+              <a:buSzPts val="1400"/>
+              <a:buNone/>
+              <a:defRPr sz="1800" b="0" i="0" u="none" strike="noStrike" cap="none">
                 <a:solidFill>
                   <a:schemeClr val="dk1"/>
                 </a:solidFill>
@@ -9930,16 +10190,16 @@
                 <a:sym typeface="Calibri"/>
               </a:defRPr>
             </a:lvl5pPr>
-            <a:lvl6pPr lvl="5" marR="0" rtl="0" algn="l">
-              <a:spcBef>
-                <a:spcPts val="0"/>
-              </a:spcBef>
-              <a:spcAft>
-                <a:spcPts val="0"/>
-              </a:spcAft>
-              <a:buSzPts val="1400"/>
-              <a:buNone/>
-              <a:defRPr b="0" i="0" sz="1800" u="none" cap="none" strike="noStrike">
+            <a:lvl6pPr marR="0" lvl="5" algn="l" rtl="0">
+              <a:spcBef>
+                <a:spcPts val="0"/>
+              </a:spcBef>
+              <a:spcAft>
+                <a:spcPts val="0"/>
+              </a:spcAft>
+              <a:buSzPts val="1400"/>
+              <a:buNone/>
+              <a:defRPr sz="1800" b="0" i="0" u="none" strike="noStrike" cap="none">
                 <a:solidFill>
                   <a:schemeClr val="dk1"/>
                 </a:solidFill>
@@ -9949,16 +10209,16 @@
                 <a:sym typeface="Calibri"/>
               </a:defRPr>
             </a:lvl6pPr>
-            <a:lvl7pPr lvl="6" marR="0" rtl="0" algn="l">
-              <a:spcBef>
-                <a:spcPts val="0"/>
-              </a:spcBef>
-              <a:spcAft>
-                <a:spcPts val="0"/>
-              </a:spcAft>
-              <a:buSzPts val="1400"/>
-              <a:buNone/>
-              <a:defRPr b="0" i="0" sz="1800" u="none" cap="none" strike="noStrike">
+            <a:lvl7pPr marR="0" lvl="6" algn="l" rtl="0">
+              <a:spcBef>
+                <a:spcPts val="0"/>
+              </a:spcBef>
+              <a:spcAft>
+                <a:spcPts val="0"/>
+              </a:spcAft>
+              <a:buSzPts val="1400"/>
+              <a:buNone/>
+              <a:defRPr sz="1800" b="0" i="0" u="none" strike="noStrike" cap="none">
                 <a:solidFill>
                   <a:schemeClr val="dk1"/>
                 </a:solidFill>
@@ -9968,16 +10228,16 @@
                 <a:sym typeface="Calibri"/>
               </a:defRPr>
             </a:lvl7pPr>
-            <a:lvl8pPr lvl="7" marR="0" rtl="0" algn="l">
-              <a:spcBef>
-                <a:spcPts val="0"/>
-              </a:spcBef>
-              <a:spcAft>
-                <a:spcPts val="0"/>
-              </a:spcAft>
-              <a:buSzPts val="1400"/>
-              <a:buNone/>
-              <a:defRPr b="0" i="0" sz="1800" u="none" cap="none" strike="noStrike">
+            <a:lvl8pPr marR="0" lvl="7" algn="l" rtl="0">
+              <a:spcBef>
+                <a:spcPts val="0"/>
+              </a:spcBef>
+              <a:spcAft>
+                <a:spcPts val="0"/>
+              </a:spcAft>
+              <a:buSzPts val="1400"/>
+              <a:buNone/>
+              <a:defRPr sz="1800" b="0" i="0" u="none" strike="noStrike" cap="none">
                 <a:solidFill>
                   <a:schemeClr val="dk1"/>
                 </a:solidFill>
@@ -9987,16 +10247,16 @@
                 <a:sym typeface="Calibri"/>
               </a:defRPr>
             </a:lvl8pPr>
-            <a:lvl9pPr lvl="8" marR="0" rtl="0" algn="l">
-              <a:spcBef>
-                <a:spcPts val="0"/>
-              </a:spcBef>
-              <a:spcAft>
-                <a:spcPts val="0"/>
-              </a:spcAft>
-              <a:buSzPts val="1400"/>
-              <a:buNone/>
-              <a:defRPr b="0" i="0" sz="1800" u="none" cap="none" strike="noStrike">
+            <a:lvl9pPr marR="0" lvl="8" algn="l" rtl="0">
+              <a:spcBef>
+                <a:spcPts val="0"/>
+              </a:spcBef>
+              <a:spcAft>
+                <a:spcPts val="0"/>
+              </a:spcAft>
+              <a:buSzPts val="1400"/>
+              <a:buNone/>
+              <a:defRPr sz="1800" b="0" i="0" u="none" strike="noStrike" cap="none">
                 <a:solidFill>
                   <a:schemeClr val="dk1"/>
                 </a:solidFill>
@@ -10007,15 +10267,19 @@
               </a:defRPr>
             </a:lvl9pPr>
           </a:lstStyle>
-          <a:p/>
+          <a:p>
+            <a:endParaRPr/>
+          </a:p>
         </p:txBody>
       </p:sp>
       <p:sp>
         <p:nvSpPr>
           <p:cNvPr id="10" name="Google Shape;10;p5"/>
-          <p:cNvSpPr txBox="1"/>
+          <p:cNvSpPr txBox="1">
+            <a:spLocks noGrp="1"/>
+          </p:cNvSpPr>
           <p:nvPr>
-            <p:ph idx="12" type="sldNum"/>
+            <p:ph type="sldNum" idx="12"/>
           </p:nvPr>
         </p:nvSpPr>
         <p:spPr>
@@ -10032,16 +10296,16 @@
           </a:ln>
         </p:spPr>
         <p:txBody>
-          <a:bodyPr anchorCtr="0" anchor="ctr" bIns="45700" lIns="91425" spcFirstLastPara="1" rIns="91425" wrap="square" tIns="45700">
+          <a:bodyPr spcFirstLastPara="1" wrap="square" lIns="91425" tIns="45700" rIns="91425" bIns="45700" anchor="ctr" anchorCtr="0">
             <a:noAutofit/>
           </a:bodyPr>
           <a:lstStyle>
-            <a:lvl1pPr indent="0" lvl="0" marL="0" marR="0" rtl="0" algn="r">
-              <a:spcBef>
-                <a:spcPts val="0"/>
-              </a:spcBef>
-              <a:buNone/>
-              <a:defRPr b="0" i="0" sz="1200" u="none" cap="none" strike="noStrike">
+            <a:lvl1pPr marL="0" marR="0" lvl="0" indent="0" algn="r" rtl="0">
+              <a:spcBef>
+                <a:spcPts val="0"/>
+              </a:spcBef>
+              <a:buNone/>
+              <a:defRPr sz="1200" b="0" i="0" u="none" strike="noStrike" cap="none">
                 <a:solidFill>
                   <a:srgbClr val="888888"/>
                 </a:solidFill>
@@ -10051,12 +10315,12 @@
                 <a:sym typeface="Calibri"/>
               </a:defRPr>
             </a:lvl1pPr>
-            <a:lvl2pPr indent="0" lvl="1" marL="0" marR="0" rtl="0" algn="r">
-              <a:spcBef>
-                <a:spcPts val="0"/>
-              </a:spcBef>
-              <a:buNone/>
-              <a:defRPr b="0" i="0" sz="1200" u="none" cap="none" strike="noStrike">
+            <a:lvl2pPr marL="0" marR="0" lvl="1" indent="0" algn="r" rtl="0">
+              <a:spcBef>
+                <a:spcPts val="0"/>
+              </a:spcBef>
+              <a:buNone/>
+              <a:defRPr sz="1200" b="0" i="0" u="none" strike="noStrike" cap="none">
                 <a:solidFill>
                   <a:srgbClr val="888888"/>
                 </a:solidFill>
@@ -10066,12 +10330,12 @@
                 <a:sym typeface="Calibri"/>
               </a:defRPr>
             </a:lvl2pPr>
-            <a:lvl3pPr indent="0" lvl="2" marL="0" marR="0" rtl="0" algn="r">
-              <a:spcBef>
-                <a:spcPts val="0"/>
-              </a:spcBef>
-              <a:buNone/>
-              <a:defRPr b="0" i="0" sz="1200" u="none" cap="none" strike="noStrike">
+            <a:lvl3pPr marL="0" marR="0" lvl="2" indent="0" algn="r" rtl="0">
+              <a:spcBef>
+                <a:spcPts val="0"/>
+              </a:spcBef>
+              <a:buNone/>
+              <a:defRPr sz="1200" b="0" i="0" u="none" strike="noStrike" cap="none">
                 <a:solidFill>
                   <a:srgbClr val="888888"/>
                 </a:solidFill>
@@ -10081,12 +10345,12 @@
                 <a:sym typeface="Calibri"/>
               </a:defRPr>
             </a:lvl3pPr>
-            <a:lvl4pPr indent="0" lvl="3" marL="0" marR="0" rtl="0" algn="r">
-              <a:spcBef>
-                <a:spcPts val="0"/>
-              </a:spcBef>
-              <a:buNone/>
-              <a:defRPr b="0" i="0" sz="1200" u="none" cap="none" strike="noStrike">
+            <a:lvl4pPr marL="0" marR="0" lvl="3" indent="0" algn="r" rtl="0">
+              <a:spcBef>
+                <a:spcPts val="0"/>
+              </a:spcBef>
+              <a:buNone/>
+              <a:defRPr sz="1200" b="0" i="0" u="none" strike="noStrike" cap="none">
                 <a:solidFill>
                   <a:srgbClr val="888888"/>
                 </a:solidFill>
@@ -10096,12 +10360,12 @@
                 <a:sym typeface="Calibri"/>
               </a:defRPr>
             </a:lvl4pPr>
-            <a:lvl5pPr indent="0" lvl="4" marL="0" marR="0" rtl="0" algn="r">
-              <a:spcBef>
-                <a:spcPts val="0"/>
-              </a:spcBef>
-              <a:buNone/>
-              <a:defRPr b="0" i="0" sz="1200" u="none" cap="none" strike="noStrike">
+            <a:lvl5pPr marL="0" marR="0" lvl="4" indent="0" algn="r" rtl="0">
+              <a:spcBef>
+                <a:spcPts val="0"/>
+              </a:spcBef>
+              <a:buNone/>
+              <a:defRPr sz="1200" b="0" i="0" u="none" strike="noStrike" cap="none">
                 <a:solidFill>
                   <a:srgbClr val="888888"/>
                 </a:solidFill>
@@ -10111,12 +10375,12 @@
                 <a:sym typeface="Calibri"/>
               </a:defRPr>
             </a:lvl5pPr>
-            <a:lvl6pPr indent="0" lvl="5" marL="0" marR="0" rtl="0" algn="r">
-              <a:spcBef>
-                <a:spcPts val="0"/>
-              </a:spcBef>
-              <a:buNone/>
-              <a:defRPr b="0" i="0" sz="1200" u="none" cap="none" strike="noStrike">
+            <a:lvl6pPr marL="0" marR="0" lvl="5" indent="0" algn="r" rtl="0">
+              <a:spcBef>
+                <a:spcPts val="0"/>
+              </a:spcBef>
+              <a:buNone/>
+              <a:defRPr sz="1200" b="0" i="0" u="none" strike="noStrike" cap="none">
                 <a:solidFill>
                   <a:srgbClr val="888888"/>
                 </a:solidFill>
@@ -10126,12 +10390,12 @@
                 <a:sym typeface="Calibri"/>
               </a:defRPr>
             </a:lvl6pPr>
-            <a:lvl7pPr indent="0" lvl="6" marL="0" marR="0" rtl="0" algn="r">
-              <a:spcBef>
-                <a:spcPts val="0"/>
-              </a:spcBef>
-              <a:buNone/>
-              <a:defRPr b="0" i="0" sz="1200" u="none" cap="none" strike="noStrike">
+            <a:lvl7pPr marL="0" marR="0" lvl="6" indent="0" algn="r" rtl="0">
+              <a:spcBef>
+                <a:spcPts val="0"/>
+              </a:spcBef>
+              <a:buNone/>
+              <a:defRPr sz="1200" b="0" i="0" u="none" strike="noStrike" cap="none">
                 <a:solidFill>
                   <a:srgbClr val="888888"/>
                 </a:solidFill>
@@ -10141,12 +10405,12 @@
                 <a:sym typeface="Calibri"/>
               </a:defRPr>
             </a:lvl7pPr>
-            <a:lvl8pPr indent="0" lvl="7" marL="0" marR="0" rtl="0" algn="r">
-              <a:spcBef>
-                <a:spcPts val="0"/>
-              </a:spcBef>
-              <a:buNone/>
-              <a:defRPr b="0" i="0" sz="1200" u="none" cap="none" strike="noStrike">
+            <a:lvl8pPr marL="0" marR="0" lvl="7" indent="0" algn="r" rtl="0">
+              <a:spcBef>
+                <a:spcPts val="0"/>
+              </a:spcBef>
+              <a:buNone/>
+              <a:defRPr sz="1200" b="0" i="0" u="none" strike="noStrike" cap="none">
                 <a:solidFill>
                   <a:srgbClr val="888888"/>
                 </a:solidFill>
@@ -10156,12 +10420,12 @@
                 <a:sym typeface="Calibri"/>
               </a:defRPr>
             </a:lvl8pPr>
-            <a:lvl9pPr indent="0" lvl="8" marL="0" marR="0" rtl="0" algn="r">
-              <a:spcBef>
-                <a:spcPts val="0"/>
-              </a:spcBef>
-              <a:buNone/>
-              <a:defRPr b="0" i="0" sz="1200" u="none" cap="none" strike="noStrike">
+            <a:lvl9pPr marL="0" marR="0" lvl="8" indent="0" algn="r" rtl="0">
+              <a:spcBef>
+                <a:spcPts val="0"/>
+              </a:spcBef>
+              <a:buNone/>
+              <a:defRPr sz="1200" b="0" i="0" u="none" strike="noStrike" cap="none">
                 <a:solidFill>
                   <a:srgbClr val="888888"/>
                 </a:solidFill>
@@ -10173,7 +10437,7 @@
             </a:lvl9pPr>
           </a:lstStyle>
           <a:p>
-            <a:pPr indent="0" lvl="0" marL="0" rtl="0" algn="r">
+            <a:pPr marL="0" lvl="0" indent="0" algn="r" rtl="0">
               <a:spcBef>
                 <a:spcPts val="0"/>
               </a:spcBef>
@@ -10192,7 +10456,7 @@
       </p:sp>
     </p:spTree>
   </p:cSld>
-  <p:clrMap accent1="accent1" accent2="accent2" accent3="accent3" accent4="accent4" accent5="accent5" accent6="accent6" bg1="lt1" bg2="dk2" tx1="dk1" tx2="lt2" folHlink="folHlink" hlink="hlink"/>
+  <p:clrMap bg1="lt1" tx1="dk1" bg2="dk2" tx2="lt2" accent1="accent1" accent2="accent2" accent3="accent3" accent4="accent4" accent5="accent5" accent6="accent6" hlink="hlink" folHlink="folHlink"/>
   <p:sldLayoutIdLst>
     <p:sldLayoutId id="2147483649" r:id="rId1"/>
     <p:sldLayoutId id="2147483650" r:id="rId2"/>
@@ -10206,10 +10470,10 @@
     <p:sldLayoutId id="2147483658" r:id="rId10"/>
     <p:sldLayoutId id="2147483659" r:id="rId11"/>
   </p:sldLayoutIdLst>
-  <p:hf dt="0" ftr="0" hdr="0" sldNum="0"/>
+  <p:hf sldNum="0" hdr="0" ftr="0" dt="0"/>
   <p:txStyles>
     <p:titleStyle>
-      <a:defPPr lvl="0" marR="0" rtl="0" algn="l">
+      <a:defPPr marR="0" lvl="0" algn="l" rtl="0">
         <a:lnSpc>
           <a:spcPct val="100000"/>
         </a:lnSpc>
@@ -10220,7 +10484,7 @@
           <a:spcPts val="0"/>
         </a:spcAft>
       </a:defPPr>
-      <a:lvl1pPr lvl="0" marR="0" rtl="0" algn="l">
+      <a:lvl1pPr marR="0" lvl="0" algn="l" rtl="0">
         <a:lnSpc>
           <a:spcPct val="100000"/>
         </a:lnSpc>
@@ -10234,7 +10498,7 @@
           <a:srgbClr val="000000"/>
         </a:buClr>
         <a:buFont typeface="Arial"/>
-        <a:defRPr b="0" i="0" sz="1400" u="none" cap="none" strike="noStrike">
+        <a:defRPr sz="1400" b="0" i="0" u="none" strike="noStrike" cap="none">
           <a:solidFill>
             <a:srgbClr val="000000"/>
           </a:solidFill>
@@ -10244,7 +10508,7 @@
           <a:sym typeface="Arial"/>
         </a:defRPr>
       </a:lvl1pPr>
-      <a:lvl2pPr lvl="1" marR="0" rtl="0" algn="l">
+      <a:lvl2pPr marR="0" lvl="1" algn="l" rtl="0">
         <a:lnSpc>
           <a:spcPct val="100000"/>
         </a:lnSpc>
@@ -10258,7 +10522,7 @@
           <a:srgbClr val="000000"/>
         </a:buClr>
         <a:buFont typeface="Arial"/>
-        <a:defRPr b="0" i="0" sz="1400" u="none" cap="none" strike="noStrike">
+        <a:defRPr sz="1400" b="0" i="0" u="none" strike="noStrike" cap="none">
           <a:solidFill>
             <a:srgbClr val="000000"/>
           </a:solidFill>
@@ -10268,7 +10532,7 @@
           <a:sym typeface="Arial"/>
         </a:defRPr>
       </a:lvl2pPr>
-      <a:lvl3pPr lvl="2" marR="0" rtl="0" algn="l">
+      <a:lvl3pPr marR="0" lvl="2" algn="l" rtl="0">
         <a:lnSpc>
           <a:spcPct val="100000"/>
         </a:lnSpc>
@@ -10282,7 +10546,7 @@
           <a:srgbClr val="000000"/>
         </a:buClr>
         <a:buFont typeface="Arial"/>
-        <a:defRPr b="0" i="0" sz="1400" u="none" cap="none" strike="noStrike">
+        <a:defRPr sz="1400" b="0" i="0" u="none" strike="noStrike" cap="none">
           <a:solidFill>
             <a:srgbClr val="000000"/>
           </a:solidFill>
@@ -10292,7 +10556,7 @@
           <a:sym typeface="Arial"/>
         </a:defRPr>
       </a:lvl3pPr>
-      <a:lvl4pPr lvl="3" marR="0" rtl="0" algn="l">
+      <a:lvl4pPr marR="0" lvl="3" algn="l" rtl="0">
         <a:lnSpc>
           <a:spcPct val="100000"/>
         </a:lnSpc>
@@ -10306,7 +10570,7 @@
           <a:srgbClr val="000000"/>
         </a:buClr>
         <a:buFont typeface="Arial"/>
-        <a:defRPr b="0" i="0" sz="1400" u="none" cap="none" strike="noStrike">
+        <a:defRPr sz="1400" b="0" i="0" u="none" strike="noStrike" cap="none">
           <a:solidFill>
             <a:srgbClr val="000000"/>
           </a:solidFill>
@@ -10316,7 +10580,7 @@
           <a:sym typeface="Arial"/>
         </a:defRPr>
       </a:lvl4pPr>
-      <a:lvl5pPr lvl="4" marR="0" rtl="0" algn="l">
+      <a:lvl5pPr marR="0" lvl="4" algn="l" rtl="0">
         <a:lnSpc>
           <a:spcPct val="100000"/>
         </a:lnSpc>
@@ -10330,7 +10594,7 @@
           <a:srgbClr val="000000"/>
         </a:buClr>
         <a:buFont typeface="Arial"/>
-        <a:defRPr b="0" i="0" sz="1400" u="none" cap="none" strike="noStrike">
+        <a:defRPr sz="1400" b="0" i="0" u="none" strike="noStrike" cap="none">
           <a:solidFill>
             <a:srgbClr val="000000"/>
           </a:solidFill>
@@ -10340,7 +10604,7 @@
           <a:sym typeface="Arial"/>
         </a:defRPr>
       </a:lvl5pPr>
-      <a:lvl6pPr lvl="5" marR="0" rtl="0" algn="l">
+      <a:lvl6pPr marR="0" lvl="5" algn="l" rtl="0">
         <a:lnSpc>
           <a:spcPct val="100000"/>
         </a:lnSpc>
@@ -10354,7 +10618,7 @@
           <a:srgbClr val="000000"/>
         </a:buClr>
         <a:buFont typeface="Arial"/>
-        <a:defRPr b="0" i="0" sz="1400" u="none" cap="none" strike="noStrike">
+        <a:defRPr sz="1400" b="0" i="0" u="none" strike="noStrike" cap="none">
           <a:solidFill>
             <a:srgbClr val="000000"/>
           </a:solidFill>
@@ -10364,7 +10628,7 @@
           <a:sym typeface="Arial"/>
         </a:defRPr>
       </a:lvl6pPr>
-      <a:lvl7pPr lvl="6" marR="0" rtl="0" algn="l">
+      <a:lvl7pPr marR="0" lvl="6" algn="l" rtl="0">
         <a:lnSpc>
           <a:spcPct val="100000"/>
         </a:lnSpc>
@@ -10378,7 +10642,7 @@
           <a:srgbClr val="000000"/>
         </a:buClr>
         <a:buFont typeface="Arial"/>
-        <a:defRPr b="0" i="0" sz="1400" u="none" cap="none" strike="noStrike">
+        <a:defRPr sz="1400" b="0" i="0" u="none" strike="noStrike" cap="none">
           <a:solidFill>
             <a:srgbClr val="000000"/>
           </a:solidFill>
@@ -10388,7 +10652,7 @@
           <a:sym typeface="Arial"/>
         </a:defRPr>
       </a:lvl7pPr>
-      <a:lvl8pPr lvl="7" marR="0" rtl="0" algn="l">
+      <a:lvl8pPr marR="0" lvl="7" algn="l" rtl="0">
         <a:lnSpc>
           <a:spcPct val="100000"/>
         </a:lnSpc>
@@ -10402,7 +10666,7 @@
           <a:srgbClr val="000000"/>
         </a:buClr>
         <a:buFont typeface="Arial"/>
-        <a:defRPr b="0" i="0" sz="1400" u="none" cap="none" strike="noStrike">
+        <a:defRPr sz="1400" b="0" i="0" u="none" strike="noStrike" cap="none">
           <a:solidFill>
             <a:srgbClr val="000000"/>
           </a:solidFill>
@@ -10412,7 +10676,7 @@
           <a:sym typeface="Arial"/>
         </a:defRPr>
       </a:lvl8pPr>
-      <a:lvl9pPr lvl="8" marR="0" rtl="0" algn="l">
+      <a:lvl9pPr marR="0" lvl="8" algn="l" rtl="0">
         <a:lnSpc>
           <a:spcPct val="100000"/>
         </a:lnSpc>
@@ -10426,7 +10690,7 @@
           <a:srgbClr val="000000"/>
         </a:buClr>
         <a:buFont typeface="Arial"/>
-        <a:defRPr b="0" i="0" sz="1400" u="none" cap="none" strike="noStrike">
+        <a:defRPr sz="1400" b="0" i="0" u="none" strike="noStrike" cap="none">
           <a:solidFill>
             <a:srgbClr val="000000"/>
           </a:solidFill>
@@ -10438,7 +10702,7 @@
       </a:lvl9pPr>
     </p:titleStyle>
     <p:bodyStyle>
-      <a:defPPr lvl="0" marR="0" rtl="0" algn="l">
+      <a:defPPr marR="0" lvl="0" algn="l" rtl="0">
         <a:lnSpc>
           <a:spcPct val="100000"/>
         </a:lnSpc>
@@ -10449,7 +10713,7 @@
           <a:spcPts val="0"/>
         </a:spcAft>
       </a:defPPr>
-      <a:lvl1pPr lvl="0" marR="0" rtl="0" algn="l">
+      <a:lvl1pPr marR="0" lvl="0" algn="l" rtl="0">
         <a:lnSpc>
           <a:spcPct val="100000"/>
         </a:lnSpc>
@@ -10463,7 +10727,7 @@
           <a:srgbClr val="000000"/>
         </a:buClr>
         <a:buFont typeface="Arial"/>
-        <a:defRPr b="0" i="0" sz="1400" u="none" cap="none" strike="noStrike">
+        <a:defRPr sz="1400" b="0" i="0" u="none" strike="noStrike" cap="none">
           <a:solidFill>
             <a:srgbClr val="000000"/>
           </a:solidFill>
@@ -10473,7 +10737,7 @@
           <a:sym typeface="Arial"/>
         </a:defRPr>
       </a:lvl1pPr>
-      <a:lvl2pPr lvl="1" marR="0" rtl="0" algn="l">
+      <a:lvl2pPr marR="0" lvl="1" algn="l" rtl="0">
         <a:lnSpc>
           <a:spcPct val="100000"/>
         </a:lnSpc>
@@ -10487,7 +10751,7 @@
           <a:srgbClr val="000000"/>
         </a:buClr>
         <a:buFont typeface="Arial"/>
-        <a:defRPr b="0" i="0" sz="1400" u="none" cap="none" strike="noStrike">
+        <a:defRPr sz="1400" b="0" i="0" u="none" strike="noStrike" cap="none">
           <a:solidFill>
             <a:srgbClr val="000000"/>
           </a:solidFill>
@@ -10497,7 +10761,7 @@
           <a:sym typeface="Arial"/>
         </a:defRPr>
       </a:lvl2pPr>
-      <a:lvl3pPr lvl="2" marR="0" rtl="0" algn="l">
+      <a:lvl3pPr marR="0" lvl="2" algn="l" rtl="0">
         <a:lnSpc>
           <a:spcPct val="100000"/>
         </a:lnSpc>
@@ -10511,7 +10775,7 @@
           <a:srgbClr val="000000"/>
         </a:buClr>
         <a:buFont typeface="Arial"/>
-        <a:defRPr b="0" i="0" sz="1400" u="none" cap="none" strike="noStrike">
+        <a:defRPr sz="1400" b="0" i="0" u="none" strike="noStrike" cap="none">
           <a:solidFill>
             <a:srgbClr val="000000"/>
           </a:solidFill>
@@ -10521,7 +10785,7 @@
           <a:sym typeface="Arial"/>
         </a:defRPr>
       </a:lvl3pPr>
-      <a:lvl4pPr lvl="3" marR="0" rtl="0" algn="l">
+      <a:lvl4pPr marR="0" lvl="3" algn="l" rtl="0">
         <a:lnSpc>
           <a:spcPct val="100000"/>
         </a:lnSpc>
@@ -10535,7 +10799,7 @@
           <a:srgbClr val="000000"/>
         </a:buClr>
         <a:buFont typeface="Arial"/>
-        <a:defRPr b="0" i="0" sz="1400" u="none" cap="none" strike="noStrike">
+        <a:defRPr sz="1400" b="0" i="0" u="none" strike="noStrike" cap="none">
           <a:solidFill>
             <a:srgbClr val="000000"/>
           </a:solidFill>
@@ -10545,7 +10809,7 @@
           <a:sym typeface="Arial"/>
         </a:defRPr>
       </a:lvl4pPr>
-      <a:lvl5pPr lvl="4" marR="0" rtl="0" algn="l">
+      <a:lvl5pPr marR="0" lvl="4" algn="l" rtl="0">
         <a:lnSpc>
           <a:spcPct val="100000"/>
         </a:lnSpc>
@@ -10559,7 +10823,7 @@
           <a:srgbClr val="000000"/>
         </a:buClr>
         <a:buFont typeface="Arial"/>
-        <a:defRPr b="0" i="0" sz="1400" u="none" cap="none" strike="noStrike">
+        <a:defRPr sz="1400" b="0" i="0" u="none" strike="noStrike" cap="none">
           <a:solidFill>
             <a:srgbClr val="000000"/>
           </a:solidFill>
@@ -10569,7 +10833,7 @@
           <a:sym typeface="Arial"/>
         </a:defRPr>
       </a:lvl5pPr>
-      <a:lvl6pPr lvl="5" marR="0" rtl="0" algn="l">
+      <a:lvl6pPr marR="0" lvl="5" algn="l" rtl="0">
         <a:lnSpc>
           <a:spcPct val="100000"/>
         </a:lnSpc>
@@ -10583,7 +10847,7 @@
           <a:srgbClr val="000000"/>
         </a:buClr>
         <a:buFont typeface="Arial"/>
-        <a:defRPr b="0" i="0" sz="1400" u="none" cap="none" strike="noStrike">
+        <a:defRPr sz="1400" b="0" i="0" u="none" strike="noStrike" cap="none">
           <a:solidFill>
             <a:srgbClr val="000000"/>
           </a:solidFill>
@@ -10593,7 +10857,7 @@
           <a:sym typeface="Arial"/>
         </a:defRPr>
       </a:lvl6pPr>
-      <a:lvl7pPr lvl="6" marR="0" rtl="0" algn="l">
+      <a:lvl7pPr marR="0" lvl="6" algn="l" rtl="0">
         <a:lnSpc>
           <a:spcPct val="100000"/>
         </a:lnSpc>
@@ -10607,7 +10871,7 @@
           <a:srgbClr val="000000"/>
         </a:buClr>
         <a:buFont typeface="Arial"/>
-        <a:defRPr b="0" i="0" sz="1400" u="none" cap="none" strike="noStrike">
+        <a:defRPr sz="1400" b="0" i="0" u="none" strike="noStrike" cap="none">
           <a:solidFill>
             <a:srgbClr val="000000"/>
           </a:solidFill>
@@ -10617,7 +10881,7 @@
           <a:sym typeface="Arial"/>
         </a:defRPr>
       </a:lvl7pPr>
-      <a:lvl8pPr lvl="7" marR="0" rtl="0" algn="l">
+      <a:lvl8pPr marR="0" lvl="7" algn="l" rtl="0">
         <a:lnSpc>
           <a:spcPct val="100000"/>
         </a:lnSpc>
@@ -10631,7 +10895,7 @@
           <a:srgbClr val="000000"/>
         </a:buClr>
         <a:buFont typeface="Arial"/>
-        <a:defRPr b="0" i="0" sz="1400" u="none" cap="none" strike="noStrike">
+        <a:defRPr sz="1400" b="0" i="0" u="none" strike="noStrike" cap="none">
           <a:solidFill>
             <a:srgbClr val="000000"/>
           </a:solidFill>
@@ -10641,7 +10905,7 @@
           <a:sym typeface="Arial"/>
         </a:defRPr>
       </a:lvl8pPr>
-      <a:lvl9pPr lvl="8" marR="0" rtl="0" algn="l">
+      <a:lvl9pPr marR="0" lvl="8" algn="l" rtl="0">
         <a:lnSpc>
           <a:spcPct val="100000"/>
         </a:lnSpc>
@@ -10655,7 +10919,7 @@
           <a:srgbClr val="000000"/>
         </a:buClr>
         <a:buFont typeface="Arial"/>
-        <a:defRPr b="0" i="0" sz="1400" u="none" cap="none" strike="noStrike">
+        <a:defRPr sz="1400" b="0" i="0" u="none" strike="noStrike" cap="none">
           <a:solidFill>
             <a:srgbClr val="000000"/>
           </a:solidFill>
@@ -10667,7 +10931,7 @@
       </a:lvl9pPr>
     </p:bodyStyle>
     <p:otherStyle>
-      <a:defPPr lvl="0" marR="0" rtl="0" algn="l">
+      <a:defPPr marR="0" lvl="0" algn="l" rtl="0">
         <a:lnSpc>
           <a:spcPct val="100000"/>
         </a:lnSpc>
@@ -10678,7 +10942,7 @@
           <a:spcPts val="0"/>
         </a:spcAft>
       </a:defPPr>
-      <a:lvl1pPr lvl="0" marR="0" rtl="0" algn="l">
+      <a:lvl1pPr marR="0" lvl="0" algn="l" rtl="0">
         <a:lnSpc>
           <a:spcPct val="100000"/>
         </a:lnSpc>
@@ -10692,7 +10956,7 @@
           <a:srgbClr val="000000"/>
         </a:buClr>
         <a:buFont typeface="Arial"/>
-        <a:defRPr b="0" i="0" sz="1400" u="none" cap="none" strike="noStrike">
+        <a:defRPr sz="1400" b="0" i="0" u="none" strike="noStrike" cap="none">
           <a:solidFill>
             <a:srgbClr val="000000"/>
           </a:solidFill>
@@ -10702,7 +10966,7 @@
           <a:sym typeface="Arial"/>
         </a:defRPr>
       </a:lvl1pPr>
-      <a:lvl2pPr lvl="1" marR="0" rtl="0" algn="l">
+      <a:lvl2pPr marR="0" lvl="1" algn="l" rtl="0">
         <a:lnSpc>
           <a:spcPct val="100000"/>
         </a:lnSpc>
@@ -10716,7 +10980,7 @@
           <a:srgbClr val="000000"/>
         </a:buClr>
         <a:buFont typeface="Arial"/>
-        <a:defRPr b="0" i="0" sz="1400" u="none" cap="none" strike="noStrike">
+        <a:defRPr sz="1400" b="0" i="0" u="none" strike="noStrike" cap="none">
           <a:solidFill>
             <a:srgbClr val="000000"/>
           </a:solidFill>
@@ -10726,7 +10990,7 @@
           <a:sym typeface="Arial"/>
         </a:defRPr>
       </a:lvl2pPr>
-      <a:lvl3pPr lvl="2" marR="0" rtl="0" algn="l">
+      <a:lvl3pPr marR="0" lvl="2" algn="l" rtl="0">
         <a:lnSpc>
           <a:spcPct val="100000"/>
         </a:lnSpc>
@@ -10740,7 +11004,7 @@
           <a:srgbClr val="000000"/>
         </a:buClr>
         <a:buFont typeface="Arial"/>
-        <a:defRPr b="0" i="0" sz="1400" u="none" cap="none" strike="noStrike">
+        <a:defRPr sz="1400" b="0" i="0" u="none" strike="noStrike" cap="none">
           <a:solidFill>
             <a:srgbClr val="000000"/>
           </a:solidFill>
@@ -10750,7 +11014,7 @@
           <a:sym typeface="Arial"/>
         </a:defRPr>
       </a:lvl3pPr>
-      <a:lvl4pPr lvl="3" marR="0" rtl="0" algn="l">
+      <a:lvl4pPr marR="0" lvl="3" algn="l" rtl="0">
         <a:lnSpc>
           <a:spcPct val="100000"/>
         </a:lnSpc>
@@ -10764,7 +11028,7 @@
           <a:srgbClr val="000000"/>
         </a:buClr>
         <a:buFont typeface="Arial"/>
-        <a:defRPr b="0" i="0" sz="1400" u="none" cap="none" strike="noStrike">
+        <a:defRPr sz="1400" b="0" i="0" u="none" strike="noStrike" cap="none">
           <a:solidFill>
             <a:srgbClr val="000000"/>
           </a:solidFill>
@@ -10774,7 +11038,7 @@
           <a:sym typeface="Arial"/>
         </a:defRPr>
       </a:lvl4pPr>
-      <a:lvl5pPr lvl="4" marR="0" rtl="0" algn="l">
+      <a:lvl5pPr marR="0" lvl="4" algn="l" rtl="0">
         <a:lnSpc>
           <a:spcPct val="100000"/>
         </a:lnSpc>
@@ -10788,7 +11052,7 @@
           <a:srgbClr val="000000"/>
         </a:buClr>
         <a:buFont typeface="Arial"/>
-        <a:defRPr b="0" i="0" sz="1400" u="none" cap="none" strike="noStrike">
+        <a:defRPr sz="1400" b="0" i="0" u="none" strike="noStrike" cap="none">
           <a:solidFill>
             <a:srgbClr val="000000"/>
           </a:solidFill>
@@ -10798,7 +11062,7 @@
           <a:sym typeface="Arial"/>
         </a:defRPr>
       </a:lvl5pPr>
-      <a:lvl6pPr lvl="5" marR="0" rtl="0" algn="l">
+      <a:lvl6pPr marR="0" lvl="5" algn="l" rtl="0">
         <a:lnSpc>
           <a:spcPct val="100000"/>
         </a:lnSpc>
@@ -10812,7 +11076,7 @@
           <a:srgbClr val="000000"/>
         </a:buClr>
         <a:buFont typeface="Arial"/>
-        <a:defRPr b="0" i="0" sz="1400" u="none" cap="none" strike="noStrike">
+        <a:defRPr sz="1400" b="0" i="0" u="none" strike="noStrike" cap="none">
           <a:solidFill>
             <a:srgbClr val="000000"/>
           </a:solidFill>
@@ -10822,7 +11086,7 @@
           <a:sym typeface="Arial"/>
         </a:defRPr>
       </a:lvl6pPr>
-      <a:lvl7pPr lvl="6" marR="0" rtl="0" algn="l">
+      <a:lvl7pPr marR="0" lvl="6" algn="l" rtl="0">
         <a:lnSpc>
           <a:spcPct val="100000"/>
         </a:lnSpc>
@@ -10836,7 +11100,7 @@
           <a:srgbClr val="000000"/>
         </a:buClr>
         <a:buFont typeface="Arial"/>
-        <a:defRPr b="0" i="0" sz="1400" u="none" cap="none" strike="noStrike">
+        <a:defRPr sz="1400" b="0" i="0" u="none" strike="noStrike" cap="none">
           <a:solidFill>
             <a:srgbClr val="000000"/>
           </a:solidFill>
@@ -10846,7 +11110,7 @@
           <a:sym typeface="Arial"/>
         </a:defRPr>
       </a:lvl7pPr>
-      <a:lvl8pPr lvl="7" marR="0" rtl="0" algn="l">
+      <a:lvl8pPr marR="0" lvl="7" algn="l" rtl="0">
         <a:lnSpc>
           <a:spcPct val="100000"/>
         </a:lnSpc>
@@ -10860,7 +11124,7 @@
           <a:srgbClr val="000000"/>
         </a:buClr>
         <a:buFont typeface="Arial"/>
-        <a:defRPr b="0" i="0" sz="1400" u="none" cap="none" strike="noStrike">
+        <a:defRPr sz="1400" b="0" i="0" u="none" strike="noStrike" cap="none">
           <a:solidFill>
             <a:srgbClr val="000000"/>
           </a:solidFill>
@@ -10870,7 +11134,7 @@
           <a:sym typeface="Arial"/>
         </a:defRPr>
       </a:lvl8pPr>
-      <a:lvl9pPr lvl="8" marR="0" rtl="0" algn="l">
+      <a:lvl9pPr marR="0" lvl="8" algn="l" rtl="0">
         <a:lnSpc>
           <a:spcPct val="100000"/>
         </a:lnSpc>
@@ -10884,7 +11148,7 @@
           <a:srgbClr val="000000"/>
         </a:buClr>
         <a:buFont typeface="Arial"/>
-        <a:defRPr b="0" i="0" sz="1400" u="none" cap="none" strike="noStrike">
+        <a:defRPr sz="1400" b="0" i="0" u="none" strike="noStrike" cap="none">
           <a:solidFill>
             <a:srgbClr val="000000"/>
           </a:solidFill>
@@ -10900,11 +11164,11 @@
 </file>
 
 <file path=ppt/slides/slide1.xml><?xml version="1.0" encoding="utf-8"?>
-<p:sld xmlns:a="http://schemas.openxmlformats.org/drawingml/2006/main" xmlns:r="http://schemas.openxmlformats.org/officeDocument/2006/relationships" xmlns:mc="http://schemas.openxmlformats.org/markup-compatibility/2006" xmlns:mv="urn:schemas-microsoft-com:mac:vml" xmlns:p="http://schemas.openxmlformats.org/presentationml/2006/main" xmlns:c="http://schemas.openxmlformats.org/drawingml/2006/chart" xmlns:dgm="http://schemas.openxmlformats.org/drawingml/2006/diagram" xmlns:o="urn:schemas-microsoft-com:office:office" xmlns:v="urn:schemas-microsoft-com:vml" xmlns:pvml="urn:schemas-microsoft-com:office:powerpoint" xmlns:com="http://schemas.openxmlformats.org/drawingml/2006/compatibility" xmlns:p14="http://schemas.microsoft.com/office/powerpoint/2010/main" xmlns:p15="http://schemas.microsoft.com/office/powerpoint/2012/main" xmlns:ahyp="http://schemas.microsoft.com/office/drawing/2018/hyperlinkcolor">
+<p:sld xmlns:a="http://schemas.openxmlformats.org/drawingml/2006/main" xmlns:r="http://schemas.openxmlformats.org/officeDocument/2006/relationships" xmlns:p="http://schemas.openxmlformats.org/presentationml/2006/main">
   <p:cSld>
     <p:spTree>
       <p:nvGrpSpPr>
-        <p:cNvPr id="83" name="Shape 83"/>
+        <p:cNvPr id="1" name="Shape 83"/>
         <p:cNvGrpSpPr/>
         <p:nvPr/>
       </p:nvGrpSpPr>
@@ -10919,7 +11183,9 @@
       <p:sp>
         <p:nvSpPr>
           <p:cNvPr id="84" name="Google Shape;84;p1"/>
-          <p:cNvSpPr txBox="1"/>
+          <p:cNvSpPr txBox="1">
+            <a:spLocks noGrp="1"/>
+          </p:cNvSpPr>
           <p:nvPr>
             <p:ph type="ctrTitle"/>
           </p:nvPr>
@@ -10938,12 +11204,12 @@
           </a:ln>
         </p:spPr>
         <p:txBody>
-          <a:bodyPr anchorCtr="0" anchor="ctr" bIns="45700" lIns="91425" spcFirstLastPara="1" rIns="91425" wrap="square" tIns="45700">
+          <a:bodyPr spcFirstLastPara="1" wrap="square" lIns="91425" tIns="45700" rIns="91425" bIns="45700" anchor="ctr" anchorCtr="0">
             <a:normAutofit/>
           </a:bodyPr>
           <a:lstStyle/>
           <a:p>
-            <a:pPr indent="0" lvl="0" marL="0" rtl="0" algn="ctr">
+            <a:pPr marL="0" lvl="0" indent="0" algn="ctr" rtl="0">
               <a:spcBef>
                 <a:spcPts val="0"/>
               </a:spcBef>
@@ -10975,9 +11241,11 @@
       <p:sp>
         <p:nvSpPr>
           <p:cNvPr id="85" name="Google Shape;85;p1"/>
-          <p:cNvSpPr txBox="1"/>
+          <p:cNvSpPr txBox="1">
+            <a:spLocks noGrp="1"/>
+          </p:cNvSpPr>
           <p:nvPr>
-            <p:ph idx="1" type="subTitle"/>
+            <p:ph type="subTitle" idx="1"/>
           </p:nvPr>
         </p:nvSpPr>
         <p:spPr>
@@ -10994,12 +11262,12 @@
           </a:ln>
         </p:spPr>
         <p:txBody>
-          <a:bodyPr anchorCtr="0" anchor="t" bIns="45700" lIns="91425" spcFirstLastPara="1" rIns="91425" wrap="square" tIns="45700">
+          <a:bodyPr spcFirstLastPara="1" wrap="square" lIns="91425" tIns="45700" rIns="91425" bIns="45700" anchor="t" anchorCtr="0">
             <a:normAutofit/>
           </a:bodyPr>
           <a:lstStyle/>
           <a:p>
-            <a:pPr indent="0" lvl="0" marL="0" rtl="0" algn="ctr">
+            <a:pPr marL="0" lvl="0" indent="0" algn="ctr" rtl="0">
               <a:spcBef>
                 <a:spcPts val="0"/>
               </a:spcBef>
@@ -11013,13 +11281,13 @@
               <a:buNone/>
             </a:pPr>
             <a:r>
-              <a:rPr lang="en-US" sz="2800"/>
+              <a:rPr lang="en-US" sz="2800" dirty="0"/>
               <a:t>Section - F</a:t>
             </a:r>
-            <a:endParaRPr/>
+            <a:endParaRPr dirty="0"/>
           </a:p>
           <a:p>
-            <a:pPr indent="457200" lvl="0" marL="914400" rtl="0" algn="l">
+            <a:pPr marL="914400" lvl="0" indent="457200" algn="l" rtl="0">
               <a:lnSpc>
                 <a:spcPct val="115000"/>
               </a:lnSpc>
@@ -11035,6 +11303,156 @@
               <a:buSzPts val="1100"/>
               <a:buNone/>
             </a:pPr>
+            <a:r>
+              <a:rPr lang="en-US" sz="2100" dirty="0">
+                <a:solidFill>
+                  <a:schemeClr val="dk1"/>
+                </a:solidFill>
+                <a:latin typeface="Arial"/>
+                <a:ea typeface="Arial"/>
+                <a:cs typeface="Arial"/>
+                <a:sym typeface="Arial"/>
+              </a:rPr>
+              <a:t> Pranav R Hegde	PES1UG19CS343</a:t>
+            </a:r>
+            <a:endParaRPr sz="2100" dirty="0">
+              <a:solidFill>
+                <a:schemeClr val="dk1"/>
+              </a:solidFill>
+              <a:latin typeface="Arial"/>
+              <a:ea typeface="Arial"/>
+              <a:cs typeface="Arial"/>
+              <a:sym typeface="Arial"/>
+            </a:endParaRPr>
+          </a:p>
+          <a:p>
+            <a:pPr marL="914400" lvl="0" indent="457200" algn="l" rtl="0">
+              <a:lnSpc>
+                <a:spcPct val="115000"/>
+              </a:lnSpc>
+              <a:spcBef>
+                <a:spcPts val="0"/>
+              </a:spcBef>
+              <a:spcAft>
+                <a:spcPts val="0"/>
+              </a:spcAft>
+              <a:buClr>
+                <a:schemeClr val="dk1"/>
+              </a:buClr>
+              <a:buSzPts val="1100"/>
+              <a:buNone/>
+            </a:pPr>
+            <a:r>
+              <a:rPr lang="en-US" sz="2100" dirty="0">
+                <a:solidFill>
+                  <a:schemeClr val="dk1"/>
+                </a:solidFill>
+                <a:latin typeface="Arial"/>
+                <a:ea typeface="Arial"/>
+                <a:cs typeface="Arial"/>
+                <a:sym typeface="Arial"/>
+              </a:rPr>
+              <a:t> Rahul D </a:t>
+            </a:r>
+            <a:r>
+              <a:rPr lang="en-US" sz="2100" dirty="0" err="1">
+                <a:solidFill>
+                  <a:schemeClr val="dk1"/>
+                </a:solidFill>
+                <a:latin typeface="Arial"/>
+                <a:ea typeface="Arial"/>
+                <a:cs typeface="Arial"/>
+                <a:sym typeface="Arial"/>
+              </a:rPr>
+              <a:t>Makhija</a:t>
+            </a:r>
+            <a:r>
+              <a:rPr lang="en-US" sz="2100" dirty="0">
+                <a:solidFill>
+                  <a:schemeClr val="dk1"/>
+                </a:solidFill>
+                <a:latin typeface="Arial"/>
+                <a:ea typeface="Arial"/>
+                <a:cs typeface="Arial"/>
+                <a:sym typeface="Arial"/>
+              </a:rPr>
+              <a:t>	PES1UG19CS368</a:t>
+            </a:r>
+            <a:endParaRPr sz="2100" dirty="0">
+              <a:solidFill>
+                <a:schemeClr val="dk1"/>
+              </a:solidFill>
+              <a:latin typeface="Arial"/>
+              <a:ea typeface="Arial"/>
+              <a:cs typeface="Arial"/>
+              <a:sym typeface="Arial"/>
+            </a:endParaRPr>
+          </a:p>
+          <a:p>
+            <a:pPr marL="914400" lvl="0" indent="457200" algn="l" rtl="0">
+              <a:lnSpc>
+                <a:spcPct val="115000"/>
+              </a:lnSpc>
+              <a:spcBef>
+                <a:spcPts val="0"/>
+              </a:spcBef>
+              <a:spcAft>
+                <a:spcPts val="0"/>
+              </a:spcAft>
+              <a:buClr>
+                <a:schemeClr val="dk1"/>
+              </a:buClr>
+              <a:buSzPts val="1100"/>
+              <a:buNone/>
+            </a:pPr>
+            <a:r>
+              <a:rPr lang="en-US" sz="2100" dirty="0">
+                <a:solidFill>
+                  <a:schemeClr val="dk1"/>
+                </a:solidFill>
+                <a:latin typeface="Arial"/>
+                <a:ea typeface="Arial"/>
+                <a:cs typeface="Arial"/>
+                <a:sym typeface="Arial"/>
+              </a:rPr>
+              <a:t> </a:t>
+            </a:r>
+            <a:r>
+              <a:rPr lang="en-US" sz="2100" dirty="0" err="1">
+                <a:solidFill>
+                  <a:schemeClr val="dk1"/>
+                </a:solidFill>
+                <a:latin typeface="Arial"/>
+                <a:ea typeface="Arial"/>
+                <a:cs typeface="Arial"/>
+                <a:sym typeface="Arial"/>
+              </a:rPr>
+              <a:t>Ritu</a:t>
+            </a:r>
+            <a:r>
+              <a:rPr lang="en-US" sz="2100" dirty="0">
+                <a:solidFill>
+                  <a:schemeClr val="dk1"/>
+                </a:solidFill>
+                <a:latin typeface="Arial"/>
+                <a:ea typeface="Arial"/>
+                <a:cs typeface="Arial"/>
+                <a:sym typeface="Arial"/>
+              </a:rPr>
+              <a:t> V </a:t>
+            </a:r>
+            <a:r>
+              <a:rPr lang="en-US" sz="2100" dirty="0" err="1">
+                <a:solidFill>
+                  <a:schemeClr val="dk1"/>
+                </a:solidFill>
+                <a:latin typeface="Arial"/>
+                <a:ea typeface="Arial"/>
+                <a:cs typeface="Arial"/>
+                <a:sym typeface="Arial"/>
+              </a:rPr>
+              <a:t>Malage</a:t>
+            </a:r>
             <a:r>
               <a:rPr lang="en-US" sz="2100">
                 <a:solidFill>
@@ -11045,9 +11463,9 @@
                 <a:cs typeface="Arial"/>
                 <a:sym typeface="Arial"/>
               </a:rPr>
-              <a:t> Pranav R Hegde	PES1UG19CS343</a:t>
+              <a:t>	PES1UG19CS390</a:t>
             </a:r>
-            <a:endParaRPr sz="2100">
+            <a:endParaRPr sz="2100" dirty="0">
               <a:solidFill>
                 <a:schemeClr val="dk1"/>
               </a:solidFill>
@@ -11058,107 +11476,26 @@
             </a:endParaRPr>
           </a:p>
           <a:p>
-            <a:pPr indent="457200" lvl="0" marL="914400" rtl="0" algn="l">
-              <a:lnSpc>
-                <a:spcPct val="115000"/>
-              </a:lnSpc>
-              <a:spcBef>
-                <a:spcPts val="0"/>
-              </a:spcBef>
-              <a:spcAft>
-                <a:spcPts val="0"/>
-              </a:spcAft>
-              <a:buClr>
-                <a:schemeClr val="dk1"/>
-              </a:buClr>
-              <a:buSzPts val="1100"/>
+            <a:pPr marL="0" lvl="0" indent="0" algn="ctr" rtl="0">
+              <a:spcBef>
+                <a:spcPts val="560"/>
+              </a:spcBef>
+              <a:spcAft>
+                <a:spcPts val="0"/>
+              </a:spcAft>
+              <a:buClr>
+                <a:srgbClr val="888888"/>
+              </a:buClr>
+              <a:buSzPts val="2800"/>
               <a:buNone/>
             </a:pPr>
-            <a:r>
-              <a:rPr lang="en-US" sz="2100">
-                <a:solidFill>
-                  <a:schemeClr val="dk1"/>
-                </a:solidFill>
-                <a:latin typeface="Arial"/>
-                <a:ea typeface="Arial"/>
-                <a:cs typeface="Arial"/>
-                <a:sym typeface="Arial"/>
-              </a:rPr>
-              <a:t> Rahul D Makhija	PES1UG19CS368</a:t>
-            </a:r>
-            <a:endParaRPr sz="2100">
-              <a:solidFill>
-                <a:schemeClr val="dk1"/>
-              </a:solidFill>
-              <a:latin typeface="Arial"/>
-              <a:ea typeface="Arial"/>
-              <a:cs typeface="Arial"/>
-              <a:sym typeface="Arial"/>
-            </a:endParaRPr>
-          </a:p>
-          <a:p>
-            <a:pPr indent="457200" lvl="0" marL="914400" rtl="0" algn="l">
-              <a:lnSpc>
-                <a:spcPct val="115000"/>
-              </a:lnSpc>
-              <a:spcBef>
-                <a:spcPts val="0"/>
-              </a:spcBef>
-              <a:spcAft>
-                <a:spcPts val="0"/>
-              </a:spcAft>
-              <a:buClr>
-                <a:schemeClr val="dk1"/>
-              </a:buClr>
-              <a:buSzPts val="1100"/>
-              <a:buNone/>
-            </a:pPr>
-            <a:r>
-              <a:rPr lang="en-US" sz="2100">
-                <a:solidFill>
-                  <a:schemeClr val="dk1"/>
-                </a:solidFill>
-                <a:latin typeface="Arial"/>
-                <a:ea typeface="Arial"/>
-                <a:cs typeface="Arial"/>
-                <a:sym typeface="Arial"/>
-              </a:rPr>
-              <a:t> Ritu V Malage		PES1UG19CS390</a:t>
-            </a:r>
-            <a:endParaRPr sz="2100">
-              <a:solidFill>
-                <a:schemeClr val="dk1"/>
-              </a:solidFill>
-              <a:latin typeface="Arial"/>
-              <a:ea typeface="Arial"/>
-              <a:cs typeface="Arial"/>
-              <a:sym typeface="Arial"/>
-            </a:endParaRPr>
-          </a:p>
-          <a:p>
-            <a:pPr indent="0" lvl="0" marL="0" rtl="0" algn="ctr">
-              <a:spcBef>
-                <a:spcPts val="560"/>
-              </a:spcBef>
-              <a:spcAft>
-                <a:spcPts val="0"/>
-              </a:spcAft>
-              <a:buClr>
-                <a:srgbClr val="888888"/>
-              </a:buClr>
-              <a:buSzPts val="2800"/>
-              <a:buNone/>
-            </a:pPr>
-            <a:r>
-              <a:t/>
-            </a:r>
-            <a:endParaRPr sz="2800"/>
+            <a:endParaRPr sz="2800" dirty="0"/>
           </a:p>
         </p:txBody>
       </p:sp>
       <p:sp>
         <p:nvSpPr>
-          <p:cNvPr descr="PES University - Home | Facebook" id="86" name="Google Shape;86;p1"/>
+          <p:cNvPr id="86" name="Google Shape;86;p1" descr="PES University - Home | Facebook"/>
           <p:cNvSpPr/>
           <p:nvPr/>
         </p:nvSpPr>
@@ -11176,12 +11513,12 @@
           </a:ln>
         </p:spPr>
         <p:txBody>
-          <a:bodyPr anchorCtr="0" anchor="t" bIns="45700" lIns="91425" spcFirstLastPara="1" rIns="91425" wrap="square" tIns="45700">
+          <a:bodyPr spcFirstLastPara="1" wrap="square" lIns="91425" tIns="45700" rIns="91425" bIns="45700" anchor="t" anchorCtr="0">
             <a:noAutofit/>
           </a:bodyPr>
           <a:lstStyle/>
           <a:p>
-            <a:pPr indent="0" lvl="0" marL="0" marR="0" rtl="0" algn="l">
+            <a:pPr marL="0" marR="0" lvl="0" indent="0" algn="l" rtl="0">
               <a:spcBef>
                 <a:spcPts val="0"/>
               </a:spcBef>
@@ -11190,9 +11527,6 @@
               </a:spcAft>
               <a:buNone/>
             </a:pPr>
-            <a:r>
-              <a:t/>
-            </a:r>
             <a:endParaRPr sz="1800">
               <a:solidFill>
                 <a:schemeClr val="dk1"/>
@@ -11207,7 +11541,7 @@
       </p:sp>
       <p:pic>
         <p:nvPicPr>
-          <p:cNvPr descr="index.png" id="87" name="Google Shape;87;p1"/>
+          <p:cNvPr id="87" name="Google Shape;87;p1" descr="index.png"/>
           <p:cNvPicPr preferRelativeResize="0"/>
           <p:nvPr/>
         </p:nvPicPr>
@@ -11215,7 +11549,7 @@
           <a:blip r:embed="rId3">
             <a:alphaModFix/>
           </a:blip>
-          <a:srcRect b="0" l="0" r="0" t="0"/>
+          <a:srcRect/>
           <a:stretch/>
         </p:blipFill>
         <p:spPr>
@@ -11252,12 +11586,12 @@
           </a:ln>
         </p:spPr>
         <p:txBody>
-          <a:bodyPr anchorCtr="0" anchor="t" bIns="45700" lIns="91425" spcFirstLastPara="1" rIns="91425" wrap="square" tIns="45700">
+          <a:bodyPr spcFirstLastPara="1" wrap="square" lIns="91425" tIns="45700" rIns="91425" bIns="45700" anchor="t" anchorCtr="0">
             <a:normAutofit/>
           </a:bodyPr>
           <a:lstStyle/>
           <a:p>
-            <a:pPr indent="0" lvl="0" marL="0" marR="0" rtl="0" algn="ctr">
+            <a:pPr marL="0" marR="0" lvl="0" indent="0" algn="ctr" rtl="0">
               <a:lnSpc>
                 <a:spcPct val="100000"/>
               </a:lnSpc>
@@ -11275,7 +11609,7 @@
               <a:buNone/>
             </a:pPr>
             <a:r>
-              <a:rPr b="0" i="0" lang="en-US" sz="2800" u="none" cap="none" strike="noStrike">
+              <a:rPr lang="en-US" sz="2800" b="0" i="0" u="none" strike="noStrike" cap="none">
                 <a:solidFill>
                   <a:srgbClr val="888888"/>
                 </a:solidFill>
@@ -11295,7 +11629,7 @@
               </a:rPr>
               <a:t>https://github.com/rahulmakhija30/web-tech</a:t>
             </a:r>
-            <a:endParaRPr b="0" i="0" sz="3600" u="none" cap="none" strike="noStrike">
+            <a:endParaRPr sz="3600" b="0" i="0" u="none" strike="noStrike" cap="none">
               <a:solidFill>
                 <a:srgbClr val="888888"/>
               </a:solidFill>
@@ -11327,12 +11661,12 @@
           </a:ln>
         </p:spPr>
         <p:txBody>
-          <a:bodyPr anchorCtr="0" anchor="ctr" bIns="45700" lIns="91425" spcFirstLastPara="1" rIns="91425" wrap="square" tIns="45700">
+          <a:bodyPr spcFirstLastPara="1" wrap="square" lIns="91425" tIns="45700" rIns="91425" bIns="45700" anchor="ctr" anchorCtr="0">
             <a:normAutofit/>
           </a:bodyPr>
           <a:lstStyle/>
           <a:p>
-            <a:pPr indent="0" lvl="0" marL="0" marR="0" rtl="0" algn="ctr">
+            <a:pPr marL="0" marR="0" lvl="0" indent="0" algn="ctr" rtl="0">
               <a:lnSpc>
                 <a:spcPct val="100000"/>
               </a:lnSpc>
@@ -11350,7 +11684,7 @@
               <a:buNone/>
             </a:pPr>
             <a:r>
-              <a:rPr b="0" i="0" lang="en-US" sz="3200" u="none" cap="none" strike="noStrike">
+              <a:rPr lang="en-US" sz="3200" b="0" i="0" u="none" strike="noStrike" cap="none">
                 <a:solidFill>
                   <a:schemeClr val="dk1"/>
                 </a:solidFill>
@@ -11359,21 +11693,9 @@
                 <a:cs typeface="Calibri"/>
                 <a:sym typeface="Calibri"/>
               </a:rPr>
-              <a:t>Project</a:t>
+              <a:t>Project Title - Clinic Management</a:t>
             </a:r>
-            <a:r>
-              <a:rPr b="0" i="0" lang="en-US" sz="3200" u="none" cap="none" strike="noStrike">
-                <a:solidFill>
-                  <a:schemeClr val="dk1"/>
-                </a:solidFill>
-                <a:latin typeface="Calibri"/>
-                <a:ea typeface="Calibri"/>
-                <a:cs typeface="Calibri"/>
-                <a:sym typeface="Calibri"/>
-              </a:rPr>
-              <a:t> Title - Clinic Management</a:t>
-            </a:r>
-            <a:endParaRPr b="0" i="0" sz="3200" u="none" cap="none" strike="noStrike">
+            <a:endParaRPr sz="3200" b="0" i="0" u="none" strike="noStrike" cap="none">
               <a:solidFill>
                 <a:schemeClr val="dk1"/>
               </a:solidFill>
@@ -11394,11 +11716,11 @@
 </file>
 
 <file path=ppt/slides/slide2.xml><?xml version="1.0" encoding="utf-8"?>
-<p:sld xmlns:a="http://schemas.openxmlformats.org/drawingml/2006/main" xmlns:r="http://schemas.openxmlformats.org/officeDocument/2006/relationships" xmlns:mc="http://schemas.openxmlformats.org/markup-compatibility/2006" xmlns:mv="urn:schemas-microsoft-com:mac:vml" xmlns:p="http://schemas.openxmlformats.org/presentationml/2006/main" xmlns:c="http://schemas.openxmlformats.org/drawingml/2006/chart" xmlns:dgm="http://schemas.openxmlformats.org/drawingml/2006/diagram" xmlns:o="urn:schemas-microsoft-com:office:office" xmlns:v="urn:schemas-microsoft-com:vml" xmlns:pvml="urn:schemas-microsoft-com:office:powerpoint" xmlns:com="http://schemas.openxmlformats.org/drawingml/2006/compatibility" xmlns:p14="http://schemas.microsoft.com/office/powerpoint/2010/main" xmlns:p15="http://schemas.microsoft.com/office/powerpoint/2012/main" xmlns:ahyp="http://schemas.microsoft.com/office/drawing/2018/hyperlinkcolor">
+<p:sld xmlns:a="http://schemas.openxmlformats.org/drawingml/2006/main" xmlns:r="http://schemas.openxmlformats.org/officeDocument/2006/relationships" xmlns:p="http://schemas.openxmlformats.org/presentationml/2006/main">
   <p:cSld>
     <p:spTree>
       <p:nvGrpSpPr>
-        <p:cNvPr id="93" name="Shape 93"/>
+        <p:cNvPr id="1" name="Shape 93"/>
         <p:cNvGrpSpPr/>
         <p:nvPr/>
       </p:nvGrpSpPr>
@@ -11413,7 +11735,9 @@
       <p:sp>
         <p:nvSpPr>
           <p:cNvPr id="94" name="Google Shape;94;p2"/>
-          <p:cNvSpPr txBox="1"/>
+          <p:cNvSpPr txBox="1">
+            <a:spLocks noGrp="1"/>
+          </p:cNvSpPr>
           <p:nvPr>
             <p:ph type="title"/>
           </p:nvPr>
@@ -11432,12 +11756,12 @@
           </a:ln>
         </p:spPr>
         <p:txBody>
-          <a:bodyPr anchorCtr="0" anchor="ctr" bIns="45700" lIns="91425" spcFirstLastPara="1" rIns="91425" wrap="square" tIns="45700">
+          <a:bodyPr spcFirstLastPara="1" wrap="square" lIns="91425" tIns="45700" rIns="91425" bIns="45700" anchor="ctr" anchorCtr="0">
             <a:normAutofit/>
           </a:bodyPr>
           <a:lstStyle/>
           <a:p>
-            <a:pPr indent="0" lvl="0" marL="0" rtl="0" algn="ctr">
+            <a:pPr marL="0" lvl="0" indent="0" algn="ctr" rtl="0">
               <a:spcBef>
                 <a:spcPts val="0"/>
               </a:spcBef>
@@ -11462,9 +11786,11 @@
       <p:sp>
         <p:nvSpPr>
           <p:cNvPr id="95" name="Google Shape;95;p2"/>
-          <p:cNvSpPr txBox="1"/>
+          <p:cNvSpPr txBox="1">
+            <a:spLocks noGrp="1"/>
+          </p:cNvSpPr>
           <p:nvPr>
-            <p:ph idx="1" type="body"/>
+            <p:ph type="body" idx="1"/>
           </p:nvPr>
         </p:nvSpPr>
         <p:spPr>
@@ -11481,12 +11807,12 @@
           </a:ln>
         </p:spPr>
         <p:txBody>
-          <a:bodyPr anchorCtr="0" anchor="t" bIns="45700" lIns="91425" spcFirstLastPara="1" rIns="91425" wrap="square" tIns="45700">
+          <a:bodyPr spcFirstLastPara="1" wrap="square" lIns="91425" tIns="45700" rIns="91425" bIns="45700" anchor="t" anchorCtr="0">
             <a:normAutofit/>
           </a:bodyPr>
           <a:lstStyle/>
           <a:p>
-            <a:pPr indent="-139700" lvl="0" marL="342900" rtl="0" algn="l">
+            <a:pPr marL="342900" lvl="0" indent="-139700" algn="l" rtl="0">
               <a:spcBef>
                 <a:spcPts val="0"/>
               </a:spcBef>
@@ -11506,7 +11832,7 @@
             <a:endParaRPr sz="2900"/>
           </a:p>
           <a:p>
-            <a:pPr indent="-139700" lvl="0" marL="342900" rtl="0" algn="l">
+            <a:pPr marL="342900" lvl="0" indent="-139700" algn="l" rtl="0">
               <a:spcBef>
                 <a:spcPts val="0"/>
               </a:spcBef>
@@ -11526,7 +11852,7 @@
             <a:endParaRPr sz="2900"/>
           </a:p>
           <a:p>
-            <a:pPr indent="-139700" lvl="0" marL="342900" rtl="0" algn="l">
+            <a:pPr marL="342900" lvl="0" indent="-139700" algn="l" rtl="0">
               <a:spcBef>
                 <a:spcPts val="0"/>
               </a:spcBef>
@@ -11546,7 +11872,7 @@
             <a:endParaRPr sz="2900"/>
           </a:p>
           <a:p>
-            <a:pPr indent="-139700" lvl="0" marL="342900" rtl="0" algn="l">
+            <a:pPr marL="342900" lvl="0" indent="-139700" algn="l" rtl="0">
               <a:spcBef>
                 <a:spcPts val="0"/>
               </a:spcBef>
@@ -11576,11 +11902,11 @@
 </file>
 
 <file path=ppt/slides/slide3.xml><?xml version="1.0" encoding="utf-8"?>
-<p:sld xmlns:a="http://schemas.openxmlformats.org/drawingml/2006/main" xmlns:r="http://schemas.openxmlformats.org/officeDocument/2006/relationships" xmlns:mc="http://schemas.openxmlformats.org/markup-compatibility/2006" xmlns:mv="urn:schemas-microsoft-com:mac:vml" xmlns:p="http://schemas.openxmlformats.org/presentationml/2006/main" xmlns:c="http://schemas.openxmlformats.org/drawingml/2006/chart" xmlns:dgm="http://schemas.openxmlformats.org/drawingml/2006/diagram" xmlns:o="urn:schemas-microsoft-com:office:office" xmlns:v="urn:schemas-microsoft-com:vml" xmlns:pvml="urn:schemas-microsoft-com:office:powerpoint" xmlns:com="http://schemas.openxmlformats.org/drawingml/2006/compatibility" xmlns:p14="http://schemas.microsoft.com/office/powerpoint/2010/main" xmlns:p15="http://schemas.microsoft.com/office/powerpoint/2012/main" xmlns:ahyp="http://schemas.microsoft.com/office/drawing/2018/hyperlinkcolor">
+<p:sld xmlns:a="http://schemas.openxmlformats.org/drawingml/2006/main" xmlns:r="http://schemas.openxmlformats.org/officeDocument/2006/relationships" xmlns:p="http://schemas.openxmlformats.org/presentationml/2006/main">
   <p:cSld>
     <p:spTree>
       <p:nvGrpSpPr>
-        <p:cNvPr id="99" name="Shape 99"/>
+        <p:cNvPr id="1" name="Shape 99"/>
         <p:cNvGrpSpPr/>
         <p:nvPr/>
       </p:nvGrpSpPr>
@@ -11595,7 +11921,9 @@
       <p:sp>
         <p:nvSpPr>
           <p:cNvPr id="100" name="Google Shape;100;p3"/>
-          <p:cNvSpPr txBox="1"/>
+          <p:cNvSpPr txBox="1">
+            <a:spLocks noGrp="1"/>
+          </p:cNvSpPr>
           <p:nvPr>
             <p:ph type="title"/>
           </p:nvPr>
@@ -11614,12 +11942,12 @@
           </a:ln>
         </p:spPr>
         <p:txBody>
-          <a:bodyPr anchorCtr="0" anchor="ctr" bIns="45700" lIns="91425" spcFirstLastPara="1" rIns="91425" wrap="square" tIns="45700">
+          <a:bodyPr spcFirstLastPara="1" wrap="square" lIns="91425" tIns="45700" rIns="91425" bIns="45700" anchor="ctr" anchorCtr="0">
             <a:normAutofit/>
           </a:bodyPr>
           <a:lstStyle/>
           <a:p>
-            <a:pPr indent="0" lvl="0" marL="0" rtl="0" algn="ctr">
+            <a:pPr marL="0" lvl="0" indent="0" algn="ctr" rtl="0">
               <a:spcBef>
                 <a:spcPts val="0"/>
               </a:spcBef>
@@ -11644,9 +11972,11 @@
       <p:sp>
         <p:nvSpPr>
           <p:cNvPr id="101" name="Google Shape;101;p3"/>
-          <p:cNvSpPr txBox="1"/>
+          <p:cNvSpPr txBox="1">
+            <a:spLocks noGrp="1"/>
+          </p:cNvSpPr>
           <p:nvPr>
-            <p:ph idx="1" type="body"/>
+            <p:ph type="body" idx="1"/>
           </p:nvPr>
         </p:nvSpPr>
         <p:spPr>
@@ -11663,12 +11993,12 @@
           </a:ln>
         </p:spPr>
         <p:txBody>
-          <a:bodyPr anchorCtr="0" anchor="t" bIns="45700" lIns="91425" spcFirstLastPara="1" rIns="91425" wrap="square" tIns="45700">
+          <a:bodyPr spcFirstLastPara="1" wrap="square" lIns="91425" tIns="45700" rIns="91425" bIns="45700" anchor="t" anchorCtr="0">
             <a:normAutofit/>
           </a:bodyPr>
           <a:lstStyle/>
           <a:p>
-            <a:pPr indent="-381000" lvl="0" marL="457200" rtl="0" algn="l">
+            <a:pPr marL="457200" lvl="0" indent="-381000" algn="l" rtl="0">
               <a:spcBef>
                 <a:spcPts val="0"/>
               </a:spcBef>
@@ -11685,7 +12015,7 @@
             <a:endParaRPr sz="2400"/>
           </a:p>
           <a:p>
-            <a:pPr indent="-381000" lvl="0" marL="457200" rtl="0" algn="l">
+            <a:pPr marL="457200" lvl="0" indent="-381000" algn="l" rtl="0">
               <a:spcBef>
                 <a:spcPts val="0"/>
               </a:spcBef>
@@ -11702,7 +12032,7 @@
             <a:endParaRPr sz="2400"/>
           </a:p>
           <a:p>
-            <a:pPr indent="-381000" lvl="0" marL="457200" rtl="0" algn="l">
+            <a:pPr marL="457200" lvl="0" indent="-381000" algn="l" rtl="0">
               <a:spcBef>
                 <a:spcPts val="0"/>
               </a:spcBef>
@@ -11719,7 +12049,7 @@
             <a:endParaRPr sz="2400"/>
           </a:p>
           <a:p>
-            <a:pPr indent="-381000" lvl="0" marL="457200" rtl="0" algn="l">
+            <a:pPr marL="457200" lvl="0" indent="-381000" algn="l" rtl="0">
               <a:spcBef>
                 <a:spcPts val="0"/>
               </a:spcBef>
@@ -11736,7 +12066,7 @@
             <a:endParaRPr sz="2400"/>
           </a:p>
           <a:p>
-            <a:pPr indent="-381000" lvl="0" marL="457200" rtl="0" algn="l">
+            <a:pPr marL="457200" lvl="0" indent="-381000" algn="l" rtl="0">
               <a:spcBef>
                 <a:spcPts val="0"/>
               </a:spcBef>
@@ -11753,7 +12083,7 @@
             <a:endParaRPr sz="2400"/>
           </a:p>
           <a:p>
-            <a:pPr indent="-381000" lvl="0" marL="457200" rtl="0" algn="l">
+            <a:pPr marL="457200" lvl="0" indent="-381000" algn="l" rtl="0">
               <a:spcBef>
                 <a:spcPts val="0"/>
               </a:spcBef>
@@ -11770,7 +12100,7 @@
             <a:endParaRPr sz="2400"/>
           </a:p>
           <a:p>
-            <a:pPr indent="-381000" lvl="0" marL="457200" rtl="0" algn="l">
+            <a:pPr marL="457200" lvl="0" indent="-381000" algn="l" rtl="0">
               <a:spcBef>
                 <a:spcPts val="0"/>
               </a:spcBef>
@@ -11787,7 +12117,7 @@
             <a:endParaRPr sz="2400"/>
           </a:p>
           <a:p>
-            <a:pPr indent="0" lvl="0" marL="457200" rtl="0" algn="l">
+            <a:pPr marL="457200" lvl="0" indent="0" algn="l" rtl="0">
               <a:spcBef>
                 <a:spcPts val="0"/>
               </a:spcBef>
@@ -11796,9 +12126,6 @@
               </a:spcAft>
               <a:buNone/>
             </a:pPr>
-            <a:r>
-              <a:t/>
-            </a:r>
             <a:endParaRPr sz="2400"/>
           </a:p>
         </p:txBody>
@@ -11812,11 +12139,11 @@
 </file>
 
 <file path=ppt/slides/slide4.xml><?xml version="1.0" encoding="utf-8"?>
-<p:sld xmlns:a="http://schemas.openxmlformats.org/drawingml/2006/main" xmlns:r="http://schemas.openxmlformats.org/officeDocument/2006/relationships" xmlns:mc="http://schemas.openxmlformats.org/markup-compatibility/2006" xmlns:mv="urn:schemas-microsoft-com:mac:vml" xmlns:p="http://schemas.openxmlformats.org/presentationml/2006/main" xmlns:c="http://schemas.openxmlformats.org/drawingml/2006/chart" xmlns:dgm="http://schemas.openxmlformats.org/drawingml/2006/diagram" xmlns:o="urn:schemas-microsoft-com:office:office" xmlns:v="urn:schemas-microsoft-com:vml" xmlns:pvml="urn:schemas-microsoft-com:office:powerpoint" xmlns:com="http://schemas.openxmlformats.org/drawingml/2006/compatibility" xmlns:p14="http://schemas.microsoft.com/office/powerpoint/2010/main" xmlns:p15="http://schemas.microsoft.com/office/powerpoint/2012/main" xmlns:ahyp="http://schemas.microsoft.com/office/drawing/2018/hyperlinkcolor">
+<p:sld xmlns:a="http://schemas.openxmlformats.org/drawingml/2006/main" xmlns:r="http://schemas.openxmlformats.org/officeDocument/2006/relationships" xmlns:p="http://schemas.openxmlformats.org/presentationml/2006/main">
   <p:cSld>
     <p:spTree>
       <p:nvGrpSpPr>
-        <p:cNvPr id="105" name="Shape 105"/>
+        <p:cNvPr id="1" name="Shape 105"/>
         <p:cNvGrpSpPr/>
         <p:nvPr/>
       </p:nvGrpSpPr>
@@ -11831,7 +12158,9 @@
       <p:sp>
         <p:nvSpPr>
           <p:cNvPr id="106" name="Google Shape;106;p4"/>
-          <p:cNvSpPr txBox="1"/>
+          <p:cNvSpPr txBox="1">
+            <a:spLocks noGrp="1"/>
+          </p:cNvSpPr>
           <p:nvPr>
             <p:ph type="title"/>
           </p:nvPr>
@@ -11850,12 +12179,12 @@
           </a:ln>
         </p:spPr>
         <p:txBody>
-          <a:bodyPr anchorCtr="0" anchor="ctr" bIns="45700" lIns="91425" spcFirstLastPara="1" rIns="91425" wrap="square" tIns="45700">
+          <a:bodyPr spcFirstLastPara="1" wrap="square" lIns="91425" tIns="45700" rIns="91425" bIns="45700" anchor="ctr" anchorCtr="0">
             <a:normAutofit/>
           </a:bodyPr>
           <a:lstStyle/>
           <a:p>
-            <a:pPr indent="0" lvl="0" marL="0" rtl="0" algn="ctr">
+            <a:pPr marL="0" lvl="0" indent="0" algn="ctr" rtl="0">
               <a:spcBef>
                 <a:spcPts val="0"/>
               </a:spcBef>
@@ -11880,9 +12209,11 @@
       <p:sp>
         <p:nvSpPr>
           <p:cNvPr id="107" name="Google Shape;107;p4"/>
-          <p:cNvSpPr txBox="1"/>
+          <p:cNvSpPr txBox="1">
+            <a:spLocks noGrp="1"/>
+          </p:cNvSpPr>
           <p:nvPr>
-            <p:ph idx="1" type="body"/>
+            <p:ph type="body" idx="1"/>
           </p:nvPr>
         </p:nvSpPr>
         <p:spPr>
@@ -11899,12 +12230,12 @@
           </a:ln>
         </p:spPr>
         <p:txBody>
-          <a:bodyPr anchorCtr="0" anchor="t" bIns="45700" lIns="91425" spcFirstLastPara="1" rIns="91425" wrap="square" tIns="45700">
+          <a:bodyPr spcFirstLastPara="1" wrap="square" lIns="91425" tIns="45700" rIns="91425" bIns="45700" anchor="t" anchorCtr="0">
             <a:normAutofit/>
           </a:bodyPr>
           <a:lstStyle/>
           <a:p>
-            <a:pPr indent="0" lvl="0" marL="0" rtl="0" algn="l">
+            <a:pPr marL="0" lvl="0" indent="0" algn="l" rtl="0">
               <a:spcBef>
                 <a:spcPts val="0"/>
               </a:spcBef>
@@ -11920,7 +12251,7 @@
             <a:endParaRPr sz="3100"/>
           </a:p>
           <a:p>
-            <a:pPr indent="0" lvl="0" marL="0" rtl="0" algn="l">
+            <a:pPr marL="0" lvl="0" indent="0" algn="l" rtl="0">
               <a:spcBef>
                 <a:spcPts val="0"/>
               </a:spcBef>
@@ -11929,13 +12260,10 @@
               </a:spcAft>
               <a:buNone/>
             </a:pPr>
-            <a:r>
-              <a:t/>
-            </a:r>
             <a:endParaRPr sz="3100"/>
           </a:p>
           <a:p>
-            <a:pPr indent="0" lvl="0" marL="0" rtl="0" algn="l">
+            <a:pPr marL="0" lvl="0" indent="0" algn="l" rtl="0">
               <a:spcBef>
                 <a:spcPts val="0"/>
               </a:spcBef>
@@ -11951,7 +12279,7 @@
             <a:endParaRPr sz="3100"/>
           </a:p>
           <a:p>
-            <a:pPr indent="0" lvl="0" marL="0" rtl="0" algn="l">
+            <a:pPr marL="0" lvl="0" indent="0" algn="l" rtl="0">
               <a:spcBef>
                 <a:spcPts val="0"/>
               </a:spcBef>
@@ -11960,13 +12288,10 @@
               </a:spcAft>
               <a:buNone/>
             </a:pPr>
-            <a:r>
-              <a:t/>
-            </a:r>
             <a:endParaRPr sz="3100"/>
           </a:p>
           <a:p>
-            <a:pPr indent="0" lvl="0" marL="0" rtl="0" algn="l">
+            <a:pPr marL="0" lvl="0" indent="0" algn="l" rtl="0">
               <a:spcBef>
                 <a:spcPts val="0"/>
               </a:spcBef>
@@ -11982,7 +12307,7 @@
             <a:endParaRPr sz="3100"/>
           </a:p>
           <a:p>
-            <a:pPr indent="0" lvl="0" marL="0" rtl="0" algn="l">
+            <a:pPr marL="0" lvl="0" indent="0" algn="l" rtl="0">
               <a:spcBef>
                 <a:spcPts val="0"/>
               </a:spcBef>
@@ -11991,13 +12316,10 @@
               </a:spcAft>
               <a:buNone/>
             </a:pPr>
-            <a:r>
-              <a:t/>
-            </a:r>
             <a:endParaRPr sz="3100"/>
           </a:p>
           <a:p>
-            <a:pPr indent="0" lvl="0" marL="0" rtl="0" algn="l">
+            <a:pPr marL="0" lvl="0" indent="0" algn="l" rtl="0">
               <a:spcBef>
                 <a:spcPts val="0"/>
               </a:spcBef>
@@ -12006,9 +12328,6 @@
               </a:spcAft>
               <a:buNone/>
             </a:pPr>
-            <a:r>
-              <a:t/>
-            </a:r>
             <a:endParaRPr sz="3100"/>
           </a:p>
         </p:txBody>
@@ -12022,7 +12341,288 @@
 </file>
 
 <file path=ppt/theme/theme1.xml><?xml version="1.0" encoding="utf-8"?>
-<a:theme xmlns:a="http://schemas.openxmlformats.org/drawingml/2006/main" xmlns:r="http://schemas.openxmlformats.org/officeDocument/2006/relationships">
+<a:theme xmlns:a="http://schemas.openxmlformats.org/drawingml/2006/main" name="Office Theme">
+  <a:themeElements>
+    <a:clrScheme name="Office">
+      <a:dk1>
+        <a:srgbClr val="000000"/>
+      </a:dk1>
+      <a:lt1>
+        <a:srgbClr val="FFFFFF"/>
+      </a:lt1>
+      <a:dk2>
+        <a:srgbClr val="1F497D"/>
+      </a:dk2>
+      <a:lt2>
+        <a:srgbClr val="EEECE1"/>
+      </a:lt2>
+      <a:accent1>
+        <a:srgbClr val="4F81BD"/>
+      </a:accent1>
+      <a:accent2>
+        <a:srgbClr val="C0504D"/>
+      </a:accent2>
+      <a:accent3>
+        <a:srgbClr val="9BBB59"/>
+      </a:accent3>
+      <a:accent4>
+        <a:srgbClr val="8064A2"/>
+      </a:accent4>
+      <a:accent5>
+        <a:srgbClr val="4BACC6"/>
+      </a:accent5>
+      <a:accent6>
+        <a:srgbClr val="F79646"/>
+      </a:accent6>
+      <a:hlink>
+        <a:srgbClr val="0000FF"/>
+      </a:hlink>
+      <a:folHlink>
+        <a:srgbClr val="800080"/>
+      </a:folHlink>
+    </a:clrScheme>
+    <a:fontScheme name="Office">
+      <a:majorFont>
+        <a:latin typeface="Arial"/>
+        <a:ea typeface=""/>
+        <a:cs typeface=""/>
+        <a:font script="Jpan" typeface="ＭＳ Ｐゴシック"/>
+        <a:font script="Hang" typeface="맑은 고딕"/>
+        <a:font script="Hans" typeface="宋体"/>
+        <a:font script="Hant" typeface="新細明體"/>
+        <a:font script="Arab" typeface="Times New Roman"/>
+        <a:font script="Hebr" typeface="Times New Roman"/>
+        <a:font script="Thai" typeface="Angsana New"/>
+        <a:font script="Ethi" typeface="Nyala"/>
+        <a:font script="Beng" typeface="Vrinda"/>
+        <a:font script="Gujr" typeface="Shruti"/>
+        <a:font script="Khmr" typeface="MoolBoran"/>
+        <a:font script="Knda" typeface="Tunga"/>
+        <a:font script="Guru" typeface="Raavi"/>
+        <a:font script="Cans" typeface="Euphemia"/>
+        <a:font script="Cher" typeface="Plantagenet Cherokee"/>
+        <a:font script="Yiii" typeface="Microsoft Yi Baiti"/>
+        <a:font script="Tibt" typeface="Microsoft Himalaya"/>
+        <a:font script="Thaa" typeface="MV Boli"/>
+        <a:font script="Deva" typeface="Mangal"/>
+        <a:font script="Telu" typeface="Gautami"/>
+        <a:font script="Taml" typeface="Latha"/>
+        <a:font script="Syrc" typeface="Estrangelo Edessa"/>
+        <a:font script="Orya" typeface="Kalinga"/>
+        <a:font script="Mlym" typeface="Kartika"/>
+        <a:font script="Laoo" typeface="DokChampa"/>
+        <a:font script="Sinh" typeface="Iskoola Pota"/>
+        <a:font script="Mong" typeface="Mongolian Baiti"/>
+        <a:font script="Viet" typeface="Times New Roman"/>
+        <a:font script="Uigh" typeface="Microsoft Uighur"/>
+        <a:font script="Geor" typeface="Sylfaen"/>
+      </a:majorFont>
+      <a:minorFont>
+        <a:latin typeface="Arial"/>
+        <a:ea typeface=""/>
+        <a:cs typeface=""/>
+        <a:font script="Jpan" typeface="ＭＳ Ｐゴシック"/>
+        <a:font script="Hang" typeface="맑은 고딕"/>
+        <a:font script="Hans" typeface="宋体"/>
+        <a:font script="Hant" typeface="新細明體"/>
+        <a:font script="Arab" typeface="Arial"/>
+        <a:font script="Hebr" typeface="Arial"/>
+        <a:font script="Thai" typeface="Cordia New"/>
+        <a:font script="Ethi" typeface="Nyala"/>
+        <a:font script="Beng" typeface="Vrinda"/>
+        <a:font script="Gujr" typeface="Shruti"/>
+        <a:font script="Khmr" typeface="DaunPenh"/>
+        <a:font script="Knda" typeface="Tunga"/>
+        <a:font script="Guru" typeface="Raavi"/>
+        <a:font script="Cans" typeface="Euphemia"/>
+        <a:font script="Cher" typeface="Plantagenet Cherokee"/>
+        <a:font script="Yiii" typeface="Microsoft Yi Baiti"/>
+        <a:font script="Tibt" typeface="Microsoft Himalaya"/>
+        <a:font script="Thaa" typeface="MV Boli"/>
+        <a:font script="Deva" typeface="Mangal"/>
+        <a:font script="Telu" typeface="Gautami"/>
+        <a:font script="Taml" typeface="Latha"/>
+        <a:font script="Syrc" typeface="Estrangelo Edessa"/>
+        <a:font script="Orya" typeface="Kalinga"/>
+        <a:font script="Mlym" typeface="Kartika"/>
+        <a:font script="Laoo" typeface="DokChampa"/>
+        <a:font script="Sinh" typeface="Iskoola Pota"/>
+        <a:font script="Mong" typeface="Mongolian Baiti"/>
+        <a:font script="Viet" typeface="Arial"/>
+        <a:font script="Uigh" typeface="Microsoft Uighur"/>
+        <a:font script="Geor" typeface="Sylfaen"/>
+      </a:minorFont>
+    </a:fontScheme>
+    <a:fmtScheme name="Office">
+      <a:fillStyleLst>
+        <a:solidFill>
+          <a:schemeClr val="phClr"/>
+        </a:solidFill>
+        <a:gradFill rotWithShape="1">
+          <a:gsLst>
+            <a:gs pos="0">
+              <a:schemeClr val="phClr">
+                <a:tint val="50000"/>
+                <a:satMod val="300000"/>
+              </a:schemeClr>
+            </a:gs>
+            <a:gs pos="35000">
+              <a:schemeClr val="phClr">
+                <a:tint val="37000"/>
+                <a:satMod val="300000"/>
+              </a:schemeClr>
+            </a:gs>
+            <a:gs pos="100000">
+              <a:schemeClr val="phClr">
+                <a:tint val="15000"/>
+                <a:satMod val="350000"/>
+              </a:schemeClr>
+            </a:gs>
+          </a:gsLst>
+          <a:lin ang="16200000" scaled="1"/>
+        </a:gradFill>
+        <a:gradFill rotWithShape="1">
+          <a:gsLst>
+            <a:gs pos="0">
+              <a:schemeClr val="phClr">
+                <a:tint val="100000"/>
+                <a:shade val="100000"/>
+                <a:satMod val="130000"/>
+              </a:schemeClr>
+            </a:gs>
+            <a:gs pos="100000">
+              <a:schemeClr val="phClr">
+                <a:tint val="50000"/>
+                <a:shade val="100000"/>
+                <a:satMod val="350000"/>
+              </a:schemeClr>
+            </a:gs>
+          </a:gsLst>
+          <a:lin ang="16200000" scaled="0"/>
+        </a:gradFill>
+      </a:fillStyleLst>
+      <a:lnStyleLst>
+        <a:ln w="9525" cap="flat" cmpd="sng" algn="ctr">
+          <a:solidFill>
+            <a:schemeClr val="phClr">
+              <a:shade val="95000"/>
+              <a:satMod val="105000"/>
+            </a:schemeClr>
+          </a:solidFill>
+          <a:prstDash val="solid"/>
+        </a:ln>
+        <a:ln w="25400" cap="flat" cmpd="sng" algn="ctr">
+          <a:solidFill>
+            <a:schemeClr val="phClr"/>
+          </a:solidFill>
+          <a:prstDash val="solid"/>
+        </a:ln>
+        <a:ln w="38100" cap="flat" cmpd="sng" algn="ctr">
+          <a:solidFill>
+            <a:schemeClr val="phClr"/>
+          </a:solidFill>
+          <a:prstDash val="solid"/>
+        </a:ln>
+      </a:lnStyleLst>
+      <a:effectStyleLst>
+        <a:effectStyle>
+          <a:effectLst>
+            <a:outerShdw blurRad="40000" dist="20000" dir="5400000" rotWithShape="0">
+              <a:srgbClr val="000000">
+                <a:alpha val="38000"/>
+              </a:srgbClr>
+            </a:outerShdw>
+          </a:effectLst>
+        </a:effectStyle>
+        <a:effectStyle>
+          <a:effectLst>
+            <a:outerShdw blurRad="40000" dist="23000" dir="5400000" rotWithShape="0">
+              <a:srgbClr val="000000">
+                <a:alpha val="35000"/>
+              </a:srgbClr>
+            </a:outerShdw>
+          </a:effectLst>
+        </a:effectStyle>
+        <a:effectStyle>
+          <a:effectLst>
+            <a:outerShdw blurRad="40000" dist="23000" dir="5400000" rotWithShape="0">
+              <a:srgbClr val="000000">
+                <a:alpha val="35000"/>
+              </a:srgbClr>
+            </a:outerShdw>
+          </a:effectLst>
+          <a:scene3d>
+            <a:camera prst="orthographicFront">
+              <a:rot lat="0" lon="0" rev="0"/>
+            </a:camera>
+            <a:lightRig rig="threePt" dir="t">
+              <a:rot lat="0" lon="0" rev="1200000"/>
+            </a:lightRig>
+          </a:scene3d>
+          <a:sp3d>
+            <a:bevelT w="63500" h="25400"/>
+          </a:sp3d>
+        </a:effectStyle>
+      </a:effectStyleLst>
+      <a:bgFillStyleLst>
+        <a:solidFill>
+          <a:schemeClr val="phClr"/>
+        </a:solidFill>
+        <a:gradFill rotWithShape="1">
+          <a:gsLst>
+            <a:gs pos="0">
+              <a:schemeClr val="phClr">
+                <a:tint val="40000"/>
+                <a:satMod val="350000"/>
+              </a:schemeClr>
+            </a:gs>
+            <a:gs pos="40000">
+              <a:schemeClr val="phClr">
+                <a:tint val="45000"/>
+                <a:shade val="99000"/>
+                <a:satMod val="350000"/>
+              </a:schemeClr>
+            </a:gs>
+            <a:gs pos="100000">
+              <a:schemeClr val="phClr">
+                <a:shade val="20000"/>
+                <a:satMod val="255000"/>
+              </a:schemeClr>
+            </a:gs>
+          </a:gsLst>
+          <a:path path="circle">
+            <a:fillToRect l="50000" t="-80000" r="50000" b="180000"/>
+          </a:path>
+        </a:gradFill>
+        <a:gradFill rotWithShape="1">
+          <a:gsLst>
+            <a:gs pos="0">
+              <a:schemeClr val="phClr">
+                <a:tint val="80000"/>
+                <a:satMod val="300000"/>
+              </a:schemeClr>
+            </a:gs>
+            <a:gs pos="100000">
+              <a:schemeClr val="phClr">
+                <a:shade val="30000"/>
+                <a:satMod val="200000"/>
+              </a:schemeClr>
+            </a:gs>
+          </a:gsLst>
+          <a:path path="circle">
+            <a:fillToRect l="50000" t="50000" r="50000" b="50000"/>
+          </a:path>
+        </a:gradFill>
+      </a:bgFillStyleLst>
+    </a:fmtScheme>
+  </a:themeElements>
+  <a:objectDefaults/>
+  <a:extraClrSchemeLst/>
+</a:theme>
+</file>
+
+<file path=ppt/theme/theme2.xml><?xml version="1.0" encoding="utf-8"?>
+<a:theme xmlns:a="http://schemas.openxmlformats.org/drawingml/2006/main">
   <a:themeElements>
     <a:clrScheme name="Default">
       <a:dk1>
@@ -12297,284 +12897,7 @@
       </a:bgFillStyleLst>
     </a:fmtScheme>
   </a:themeElements>
-</a:theme>
-</file>
-
-<file path=ppt/theme/theme2.xml><?xml version="1.0" encoding="utf-8"?>
-<a:theme xmlns:a="http://schemas.openxmlformats.org/drawingml/2006/main" xmlns:r="http://schemas.openxmlformats.org/officeDocument/2006/relationships" name="Office Theme">
-  <a:themeElements>
-    <a:clrScheme name="Office">
-      <a:dk1>
-        <a:srgbClr val="000000"/>
-      </a:dk1>
-      <a:lt1>
-        <a:srgbClr val="FFFFFF"/>
-      </a:lt1>
-      <a:dk2>
-        <a:srgbClr val="1F497D"/>
-      </a:dk2>
-      <a:lt2>
-        <a:srgbClr val="EEECE1"/>
-      </a:lt2>
-      <a:accent1>
-        <a:srgbClr val="4F81BD"/>
-      </a:accent1>
-      <a:accent2>
-        <a:srgbClr val="C0504D"/>
-      </a:accent2>
-      <a:accent3>
-        <a:srgbClr val="9BBB59"/>
-      </a:accent3>
-      <a:accent4>
-        <a:srgbClr val="8064A2"/>
-      </a:accent4>
-      <a:accent5>
-        <a:srgbClr val="4BACC6"/>
-      </a:accent5>
-      <a:accent6>
-        <a:srgbClr val="F79646"/>
-      </a:accent6>
-      <a:hlink>
-        <a:srgbClr val="0000FF"/>
-      </a:hlink>
-      <a:folHlink>
-        <a:srgbClr val="800080"/>
-      </a:folHlink>
-    </a:clrScheme>
-    <a:fontScheme name="Office">
-      <a:majorFont>
-        <a:latin typeface="Arial"/>
-        <a:ea typeface=""/>
-        <a:cs typeface=""/>
-        <a:font script="Jpan" typeface="ＭＳ Ｐゴシック"/>
-        <a:font script="Hang" typeface="맑은 고딕"/>
-        <a:font script="Hans" typeface="宋体"/>
-        <a:font script="Hant" typeface="新細明體"/>
-        <a:font script="Arab" typeface="Times New Roman"/>
-        <a:font script="Hebr" typeface="Times New Roman"/>
-        <a:font script="Thai" typeface="Angsana New"/>
-        <a:font script="Ethi" typeface="Nyala"/>
-        <a:font script="Beng" typeface="Vrinda"/>
-        <a:font script="Gujr" typeface="Shruti"/>
-        <a:font script="Khmr" typeface="MoolBoran"/>
-        <a:font script="Knda" typeface="Tunga"/>
-        <a:font script="Guru" typeface="Raavi"/>
-        <a:font script="Cans" typeface="Euphemia"/>
-        <a:font script="Cher" typeface="Plantagenet Cherokee"/>
-        <a:font script="Yiii" typeface="Microsoft Yi Baiti"/>
-        <a:font script="Tibt" typeface="Microsoft Himalaya"/>
-        <a:font script="Thaa" typeface="MV Boli"/>
-        <a:font script="Deva" typeface="Mangal"/>
-        <a:font script="Telu" typeface="Gautami"/>
-        <a:font script="Taml" typeface="Latha"/>
-        <a:font script="Syrc" typeface="Estrangelo Edessa"/>
-        <a:font script="Orya" typeface="Kalinga"/>
-        <a:font script="Mlym" typeface="Kartika"/>
-        <a:font script="Laoo" typeface="DokChampa"/>
-        <a:font script="Sinh" typeface="Iskoola Pota"/>
-        <a:font script="Mong" typeface="Mongolian Baiti"/>
-        <a:font script="Viet" typeface="Times New Roman"/>
-        <a:font script="Uigh" typeface="Microsoft Uighur"/>
-        <a:font script="Geor" typeface="Sylfaen"/>
-      </a:majorFont>
-      <a:minorFont>
-        <a:latin typeface="Arial"/>
-        <a:ea typeface=""/>
-        <a:cs typeface=""/>
-        <a:font script="Jpan" typeface="ＭＳ Ｐゴシック"/>
-        <a:font script="Hang" typeface="맑은 고딕"/>
-        <a:font script="Hans" typeface="宋体"/>
-        <a:font script="Hant" typeface="新細明體"/>
-        <a:font script="Arab" typeface="Arial"/>
-        <a:font script="Hebr" typeface="Arial"/>
-        <a:font script="Thai" typeface="Cordia New"/>
-        <a:font script="Ethi" typeface="Nyala"/>
-        <a:font script="Beng" typeface="Vrinda"/>
-        <a:font script="Gujr" typeface="Shruti"/>
-        <a:font script="Khmr" typeface="DaunPenh"/>
-        <a:font script="Knda" typeface="Tunga"/>
-        <a:font script="Guru" typeface="Raavi"/>
-        <a:font script="Cans" typeface="Euphemia"/>
-        <a:font script="Cher" typeface="Plantagenet Cherokee"/>
-        <a:font script="Yiii" typeface="Microsoft Yi Baiti"/>
-        <a:font script="Tibt" typeface="Microsoft Himalaya"/>
-        <a:font script="Thaa" typeface="MV Boli"/>
-        <a:font script="Deva" typeface="Mangal"/>
-        <a:font script="Telu" typeface="Gautami"/>
-        <a:font script="Taml" typeface="Latha"/>
-        <a:font script="Syrc" typeface="Estrangelo Edessa"/>
-        <a:font script="Orya" typeface="Kalinga"/>
-        <a:font script="Mlym" typeface="Kartika"/>
-        <a:font script="Laoo" typeface="DokChampa"/>
-        <a:font script="Sinh" typeface="Iskoola Pota"/>
-        <a:font script="Mong" typeface="Mongolian Baiti"/>
-        <a:font script="Viet" typeface="Arial"/>
-        <a:font script="Uigh" typeface="Microsoft Uighur"/>
-        <a:font script="Geor" typeface="Sylfaen"/>
-      </a:minorFont>
-    </a:fontScheme>
-    <a:fmtScheme name="Office">
-      <a:fillStyleLst>
-        <a:solidFill>
-          <a:schemeClr val="phClr"/>
-        </a:solidFill>
-        <a:gradFill rotWithShape="1">
-          <a:gsLst>
-            <a:gs pos="0">
-              <a:schemeClr val="phClr">
-                <a:tint val="50000"/>
-                <a:satMod val="300000"/>
-              </a:schemeClr>
-            </a:gs>
-            <a:gs pos="35000">
-              <a:schemeClr val="phClr">
-                <a:tint val="37000"/>
-                <a:satMod val="300000"/>
-              </a:schemeClr>
-            </a:gs>
-            <a:gs pos="100000">
-              <a:schemeClr val="phClr">
-                <a:tint val="15000"/>
-                <a:satMod val="350000"/>
-              </a:schemeClr>
-            </a:gs>
-          </a:gsLst>
-          <a:lin ang="16200000" scaled="1"/>
-        </a:gradFill>
-        <a:gradFill rotWithShape="1">
-          <a:gsLst>
-            <a:gs pos="0">
-              <a:schemeClr val="phClr">
-                <a:tint val="100000"/>
-                <a:shade val="100000"/>
-                <a:satMod val="130000"/>
-              </a:schemeClr>
-            </a:gs>
-            <a:gs pos="100000">
-              <a:schemeClr val="phClr">
-                <a:tint val="50000"/>
-                <a:shade val="100000"/>
-                <a:satMod val="350000"/>
-              </a:schemeClr>
-            </a:gs>
-          </a:gsLst>
-          <a:lin ang="16200000" scaled="0"/>
-        </a:gradFill>
-      </a:fillStyleLst>
-      <a:lnStyleLst>
-        <a:ln w="9525" cap="flat" cmpd="sng" algn="ctr">
-          <a:solidFill>
-            <a:schemeClr val="phClr">
-              <a:shade val="95000"/>
-              <a:satMod val="105000"/>
-            </a:schemeClr>
-          </a:solidFill>
-          <a:prstDash val="solid"/>
-        </a:ln>
-        <a:ln w="25400" cap="flat" cmpd="sng" algn="ctr">
-          <a:solidFill>
-            <a:schemeClr val="phClr"/>
-          </a:solidFill>
-          <a:prstDash val="solid"/>
-        </a:ln>
-        <a:ln w="38100" cap="flat" cmpd="sng" algn="ctr">
-          <a:solidFill>
-            <a:schemeClr val="phClr"/>
-          </a:solidFill>
-          <a:prstDash val="solid"/>
-        </a:ln>
-      </a:lnStyleLst>
-      <a:effectStyleLst>
-        <a:effectStyle>
-          <a:effectLst>
-            <a:outerShdw blurRad="40000" dist="20000" dir="5400000" rotWithShape="0">
-              <a:srgbClr val="000000">
-                <a:alpha val="38000"/>
-              </a:srgbClr>
-            </a:outerShdw>
-          </a:effectLst>
-        </a:effectStyle>
-        <a:effectStyle>
-          <a:effectLst>
-            <a:outerShdw blurRad="40000" dist="23000" dir="5400000" rotWithShape="0">
-              <a:srgbClr val="000000">
-                <a:alpha val="35000"/>
-              </a:srgbClr>
-            </a:outerShdw>
-          </a:effectLst>
-        </a:effectStyle>
-        <a:effectStyle>
-          <a:effectLst>
-            <a:outerShdw blurRad="40000" dist="23000" dir="5400000" rotWithShape="0">
-              <a:srgbClr val="000000">
-                <a:alpha val="35000"/>
-              </a:srgbClr>
-            </a:outerShdw>
-          </a:effectLst>
-          <a:scene3d>
-            <a:camera prst="orthographicFront">
-              <a:rot lat="0" lon="0" rev="0"/>
-            </a:camera>
-            <a:lightRig rig="threePt" dir="t">
-              <a:rot lat="0" lon="0" rev="1200000"/>
-            </a:lightRig>
-          </a:scene3d>
-          <a:sp3d>
-            <a:bevelT w="63500" h="25400"/>
-          </a:sp3d>
-        </a:effectStyle>
-      </a:effectStyleLst>
-      <a:bgFillStyleLst>
-        <a:solidFill>
-          <a:schemeClr val="phClr"/>
-        </a:solidFill>
-        <a:gradFill rotWithShape="1">
-          <a:gsLst>
-            <a:gs pos="0">
-              <a:schemeClr val="phClr">
-                <a:tint val="40000"/>
-                <a:satMod val="350000"/>
-              </a:schemeClr>
-            </a:gs>
-            <a:gs pos="40000">
-              <a:schemeClr val="phClr">
-                <a:tint val="45000"/>
-                <a:shade val="99000"/>
-                <a:satMod val="350000"/>
-              </a:schemeClr>
-            </a:gs>
-            <a:gs pos="100000">
-              <a:schemeClr val="phClr">
-                <a:shade val="20000"/>
-                <a:satMod val="255000"/>
-              </a:schemeClr>
-            </a:gs>
-          </a:gsLst>
-          <a:path path="circle">
-            <a:fillToRect l="50000" t="-80000" r="50000" b="180000"/>
-          </a:path>
-        </a:gradFill>
-        <a:gradFill rotWithShape="1">
-          <a:gsLst>
-            <a:gs pos="0">
-              <a:schemeClr val="phClr">
-                <a:tint val="80000"/>
-                <a:satMod val="300000"/>
-              </a:schemeClr>
-            </a:gs>
-            <a:gs pos="100000">
-              <a:schemeClr val="phClr">
-                <a:shade val="30000"/>
-                <a:satMod val="200000"/>
-              </a:schemeClr>
-            </a:gs>
-          </a:gsLst>
-          <a:path path="circle">
-            <a:fillToRect l="50000" t="50000" r="50000" b="50000"/>
-          </a:path>
-        </a:gradFill>
-      </a:bgFillStyleLst>
-    </a:fmtScheme>
-  </a:themeElements>
+  <a:objectDefaults/>
+  <a:extraClrSchemeLst/>
 </a:theme>
 </file>